--- a/teaching/ITIS6200/2023fa/lectures/lec12.pptx
+++ b/teaching/ITIS6200/2023fa/lectures/lec12.pptx
@@ -5,7 +5,7 @@
     <p:sldMasterId id="2147483661" r:id="rId1"/>
   </p:sldMasterIdLst>
   <p:notesMasterIdLst>
-    <p:notesMasterId r:id="rId55"/>
+    <p:notesMasterId r:id="rId54"/>
   </p:notesMasterIdLst>
   <p:sldIdLst>
     <p:sldId id="256" r:id="rId2"/>
@@ -28,39 +28,38 @@
     <p:sldId id="278" r:id="rId19"/>
     <p:sldId id="283" r:id="rId20"/>
     <p:sldId id="284" r:id="rId21"/>
-    <p:sldId id="285" r:id="rId22"/>
-    <p:sldId id="286" r:id="rId23"/>
-    <p:sldId id="287" r:id="rId24"/>
-    <p:sldId id="288" r:id="rId25"/>
-    <p:sldId id="289" r:id="rId26"/>
-    <p:sldId id="290" r:id="rId27"/>
-    <p:sldId id="297" r:id="rId28"/>
-    <p:sldId id="300" r:id="rId29"/>
-    <p:sldId id="302" r:id="rId30"/>
-    <p:sldId id="303" r:id="rId31"/>
-    <p:sldId id="304" r:id="rId32"/>
-    <p:sldId id="305" r:id="rId33"/>
-    <p:sldId id="306" r:id="rId34"/>
-    <p:sldId id="307" r:id="rId35"/>
-    <p:sldId id="317" r:id="rId36"/>
-    <p:sldId id="318" r:id="rId37"/>
-    <p:sldId id="319" r:id="rId38"/>
-    <p:sldId id="320" r:id="rId39"/>
-    <p:sldId id="321" r:id="rId40"/>
-    <p:sldId id="322" r:id="rId41"/>
-    <p:sldId id="323" r:id="rId42"/>
-    <p:sldId id="324" r:id="rId43"/>
-    <p:sldId id="325" r:id="rId44"/>
-    <p:sldId id="326" r:id="rId45"/>
-    <p:sldId id="327" r:id="rId46"/>
-    <p:sldId id="328" r:id="rId47"/>
-    <p:sldId id="329" r:id="rId48"/>
-    <p:sldId id="330" r:id="rId49"/>
-    <p:sldId id="331" r:id="rId50"/>
-    <p:sldId id="332" r:id="rId51"/>
-    <p:sldId id="333" r:id="rId52"/>
-    <p:sldId id="334" r:id="rId53"/>
-    <p:sldId id="335" r:id="rId54"/>
+    <p:sldId id="286" r:id="rId22"/>
+    <p:sldId id="287" r:id="rId23"/>
+    <p:sldId id="288" r:id="rId24"/>
+    <p:sldId id="289" r:id="rId25"/>
+    <p:sldId id="290" r:id="rId26"/>
+    <p:sldId id="297" r:id="rId27"/>
+    <p:sldId id="300" r:id="rId28"/>
+    <p:sldId id="302" r:id="rId29"/>
+    <p:sldId id="303" r:id="rId30"/>
+    <p:sldId id="304" r:id="rId31"/>
+    <p:sldId id="305" r:id="rId32"/>
+    <p:sldId id="306" r:id="rId33"/>
+    <p:sldId id="307" r:id="rId34"/>
+    <p:sldId id="317" r:id="rId35"/>
+    <p:sldId id="318" r:id="rId36"/>
+    <p:sldId id="319" r:id="rId37"/>
+    <p:sldId id="320" r:id="rId38"/>
+    <p:sldId id="321" r:id="rId39"/>
+    <p:sldId id="322" r:id="rId40"/>
+    <p:sldId id="323" r:id="rId41"/>
+    <p:sldId id="324" r:id="rId42"/>
+    <p:sldId id="325" r:id="rId43"/>
+    <p:sldId id="326" r:id="rId44"/>
+    <p:sldId id="327" r:id="rId45"/>
+    <p:sldId id="328" r:id="rId46"/>
+    <p:sldId id="329" r:id="rId47"/>
+    <p:sldId id="330" r:id="rId48"/>
+    <p:sldId id="331" r:id="rId49"/>
+    <p:sldId id="332" r:id="rId50"/>
+    <p:sldId id="333" r:id="rId51"/>
+    <p:sldId id="334" r:id="rId52"/>
+    <p:sldId id="335" r:id="rId53"/>
   </p:sldIdLst>
   <p:sldSz cx="9144000" cy="5143500" type="screen16x9"/>
   <p:notesSz cx="6858000" cy="9144000"/>
@@ -1668,6 +1667,47 @@
           </a:bodyPr>
           <a:lstStyle/>
           <a:p>
+            <a:pPr marL="158750" indent="0" algn="l">
+              <a:buNone/>
+            </a:pPr>
+            <a:r>
+              <a:rPr lang="en-US" b="0" i="0" dirty="0" err="1">
+                <a:solidFill>
+                  <a:srgbClr val="000000"/>
+                </a:solidFill>
+                <a:effectLst/>
+                <a:latin typeface="Verdana" panose="020B0604030504040204" pitchFamily="34" charset="0"/>
+              </a:rPr>
+              <a:t>Iframe</a:t>
+            </a:r>
+            <a:r>
+              <a:rPr lang="en-US" b="0" i="0" dirty="0">
+                <a:solidFill>
+                  <a:srgbClr val="000000"/>
+                </a:solidFill>
+                <a:effectLst/>
+                <a:latin typeface="Verdana" panose="020B0604030504040204" pitchFamily="34" charset="0"/>
+              </a:rPr>
+              <a:t>: an inline frame is used to embed another document within the current HTML document.</a:t>
+            </a:r>
+            <a:br>
+              <a:rPr lang="en-US" b="0" i="0" dirty="0">
+                <a:solidFill>
+                  <a:srgbClr val="000000"/>
+                </a:solidFill>
+                <a:effectLst/>
+                <a:latin typeface="Verdana" panose="020B0604030504040204" pitchFamily="34" charset="0"/>
+              </a:rPr>
+            </a:br>
+            <a:endParaRPr lang="en-US" b="0" i="0" dirty="0">
+              <a:solidFill>
+                <a:srgbClr val="000000"/>
+              </a:solidFill>
+              <a:effectLst/>
+              <a:latin typeface="Verdana" panose="020B0604030504040204" pitchFamily="34" charset="0"/>
+            </a:endParaRPr>
+          </a:p>
+          <a:p>
             <a:pPr marL="0" lvl="0" indent="0" algn="l" rtl="0">
               <a:spcBef>
                 <a:spcPts val="0"/>
@@ -1677,7 +1717,7 @@
               </a:spcAft>
               <a:buNone/>
             </a:pPr>
-            <a:endParaRPr/>
+            <a:endParaRPr dirty="0"/>
           </a:p>
         </p:txBody>
       </p:sp>
@@ -2341,110 +2381,6 @@
   <p:cSld>
     <p:spTree>
       <p:nvGrpSpPr>
-        <p:cNvPr id="1" name="Shape 350"/>
-        <p:cNvGrpSpPr/>
-        <p:nvPr/>
-      </p:nvGrpSpPr>
-      <p:grpSpPr>
-        <a:xfrm>
-          <a:off x="0" y="0"/>
-          <a:ext cx="0" cy="0"/>
-          <a:chOff x="0" y="0"/>
-          <a:chExt cx="0" cy="0"/>
-        </a:xfrm>
-      </p:grpSpPr>
-      <p:sp>
-        <p:nvSpPr>
-          <p:cNvPr id="351" name="Google Shape;351;gffc9e8888d_0_982:notes"/>
-          <p:cNvSpPr>
-            <a:spLocks noGrp="1" noRot="1" noChangeAspect="1"/>
-          </p:cNvSpPr>
-          <p:nvPr>
-            <p:ph type="sldImg" idx="2"/>
-          </p:nvPr>
-        </p:nvSpPr>
-        <p:spPr>
-          <a:xfrm>
-            <a:off x="381000" y="685800"/>
-            <a:ext cx="6096000" cy="3429000"/>
-          </a:xfrm>
-          <a:custGeom>
-            <a:avLst/>
-            <a:gdLst/>
-            <a:ahLst/>
-            <a:cxnLst/>
-            <a:rect l="l" t="t" r="r" b="b"/>
-            <a:pathLst>
-              <a:path w="120000" h="120000" extrusionOk="0">
-                <a:moveTo>
-                  <a:pt x="0" y="0"/>
-                </a:moveTo>
-                <a:lnTo>
-                  <a:pt x="120000" y="0"/>
-                </a:lnTo>
-                <a:lnTo>
-                  <a:pt x="120000" y="120000"/>
-                </a:lnTo>
-                <a:lnTo>
-                  <a:pt x="0" y="120000"/>
-                </a:lnTo>
-                <a:close/>
-              </a:path>
-            </a:pathLst>
-          </a:custGeom>
-        </p:spPr>
-      </p:sp>
-      <p:sp>
-        <p:nvSpPr>
-          <p:cNvPr id="352" name="Google Shape;352;gffc9e8888d_0_982:notes"/>
-          <p:cNvSpPr txBox="1">
-            <a:spLocks noGrp="1"/>
-          </p:cNvSpPr>
-          <p:nvPr>
-            <p:ph type="body" idx="1"/>
-          </p:nvPr>
-        </p:nvSpPr>
-        <p:spPr>
-          <a:xfrm>
-            <a:off x="685800" y="4343400"/>
-            <a:ext cx="5486400" cy="4114800"/>
-          </a:xfrm>
-          <a:prstGeom prst="rect">
-            <a:avLst/>
-          </a:prstGeom>
-        </p:spPr>
-        <p:txBody>
-          <a:bodyPr spcFirstLastPara="1" wrap="square" lIns="91425" tIns="91425" rIns="91425" bIns="91425" anchor="t" anchorCtr="0">
-            <a:noAutofit/>
-          </a:bodyPr>
-          <a:lstStyle/>
-          <a:p>
-            <a:pPr marL="0" lvl="0" indent="0" algn="l" rtl="0">
-              <a:spcBef>
-                <a:spcPts val="0"/>
-              </a:spcBef>
-              <a:spcAft>
-                <a:spcPts val="0"/>
-              </a:spcAft>
-              <a:buNone/>
-            </a:pPr>
-            <a:endParaRPr/>
-          </a:p>
-        </p:txBody>
-      </p:sp>
-    </p:spTree>
-  </p:cSld>
-  <p:clrMapOvr>
-    <a:masterClrMapping/>
-  </p:clrMapOvr>
-</p:notes>
-</file>
-
-<file path=ppt/notesSlides/notesSlide22.xml><?xml version="1.0" encoding="utf-8"?>
-<p:notes xmlns:a="http://schemas.openxmlformats.org/drawingml/2006/main" xmlns:r="http://schemas.openxmlformats.org/officeDocument/2006/relationships" xmlns:p="http://schemas.openxmlformats.org/presentationml/2006/main" showMasterSp="0" showMasterPhAnim="0">
-  <p:cSld>
-    <p:spTree>
-      <p:nvGrpSpPr>
         <p:cNvPr id="1" name="Shape 360"/>
         <p:cNvGrpSpPr/>
         <p:nvPr/>
@@ -2544,7 +2480,7 @@
 </p:notes>
 </file>
 
-<file path=ppt/notesSlides/notesSlide23.xml><?xml version="1.0" encoding="utf-8"?>
+<file path=ppt/notesSlides/notesSlide22.xml><?xml version="1.0" encoding="utf-8"?>
 <p:notes xmlns:a="http://schemas.openxmlformats.org/drawingml/2006/main" xmlns:r="http://schemas.openxmlformats.org/officeDocument/2006/relationships" xmlns:p="http://schemas.openxmlformats.org/presentationml/2006/main" showMasterSp="0" showMasterPhAnim="0">
   <p:cSld>
     <p:spTree>
@@ -2648,7 +2584,7 @@
 </p:notes>
 </file>
 
-<file path=ppt/notesSlides/notesSlide24.xml><?xml version="1.0" encoding="utf-8"?>
+<file path=ppt/notesSlides/notesSlide23.xml><?xml version="1.0" encoding="utf-8"?>
 <p:notes xmlns:a="http://schemas.openxmlformats.org/drawingml/2006/main" xmlns:r="http://schemas.openxmlformats.org/officeDocument/2006/relationships" xmlns:p="http://schemas.openxmlformats.org/presentationml/2006/main" showMasterSp="0" showMasterPhAnim="0">
   <p:cSld>
     <p:spTree>
@@ -2752,7 +2688,7 @@
 </p:notes>
 </file>
 
-<file path=ppt/notesSlides/notesSlide25.xml><?xml version="1.0" encoding="utf-8"?>
+<file path=ppt/notesSlides/notesSlide24.xml><?xml version="1.0" encoding="utf-8"?>
 <p:notes xmlns:a="http://schemas.openxmlformats.org/drawingml/2006/main" xmlns:r="http://schemas.openxmlformats.org/officeDocument/2006/relationships" xmlns:p="http://schemas.openxmlformats.org/presentationml/2006/main" showMasterSp="0" showMasterPhAnim="0">
   <p:cSld>
     <p:spTree>
@@ -2856,7 +2792,7 @@
 </p:notes>
 </file>
 
-<file path=ppt/notesSlides/notesSlide26.xml><?xml version="1.0" encoding="utf-8"?>
+<file path=ppt/notesSlides/notesSlide25.xml><?xml version="1.0" encoding="utf-8"?>
 <p:notes xmlns:a="http://schemas.openxmlformats.org/drawingml/2006/main" xmlns:r="http://schemas.openxmlformats.org/officeDocument/2006/relationships" xmlns:p="http://schemas.openxmlformats.org/presentationml/2006/main" showMasterSp="0" showMasterPhAnim="0">
   <p:cSld>
     <p:spTree>
@@ -2960,7 +2896,7 @@
 </p:notes>
 </file>
 
-<file path=ppt/notesSlides/notesSlide27.xml><?xml version="1.0" encoding="utf-8"?>
+<file path=ppt/notesSlides/notesSlide26.xml><?xml version="1.0" encoding="utf-8"?>
 <p:notes xmlns:a="http://schemas.openxmlformats.org/drawingml/2006/main" xmlns:r="http://schemas.openxmlformats.org/officeDocument/2006/relationships" xmlns:p="http://schemas.openxmlformats.org/presentationml/2006/main" showMasterSp="0" showMasterPhAnim="0">
   <p:cSld>
     <p:spTree>
@@ -3064,7 +3000,7 @@
 </p:notes>
 </file>
 
-<file path=ppt/notesSlides/notesSlide28.xml><?xml version="1.0" encoding="utf-8"?>
+<file path=ppt/notesSlides/notesSlide27.xml><?xml version="1.0" encoding="utf-8"?>
 <p:notes xmlns:a="http://schemas.openxmlformats.org/drawingml/2006/main" xmlns:r="http://schemas.openxmlformats.org/officeDocument/2006/relationships" xmlns:p="http://schemas.openxmlformats.org/presentationml/2006/main" showMasterSp="0" showMasterPhAnim="0">
   <p:cSld>
     <p:spTree>
@@ -3168,7 +3104,7 @@
 </p:notes>
 </file>
 
-<file path=ppt/notesSlides/notesSlide29.xml><?xml version="1.0" encoding="utf-8"?>
+<file path=ppt/notesSlides/notesSlide28.xml><?xml version="1.0" encoding="utf-8"?>
 <p:notes xmlns:a="http://schemas.openxmlformats.org/drawingml/2006/main" xmlns:r="http://schemas.openxmlformats.org/officeDocument/2006/relationships" xmlns:p="http://schemas.openxmlformats.org/presentationml/2006/main" showMasterSp="0" showMasterPhAnim="0">
   <p:cSld>
     <p:spTree>
@@ -3229,6 +3165,110 @@
       <p:sp>
         <p:nvSpPr>
           <p:cNvPr id="515" name="Google Shape;515;gffc9e8888d_0_1128:notes"/>
+          <p:cNvSpPr txBox="1">
+            <a:spLocks noGrp="1"/>
+          </p:cNvSpPr>
+          <p:nvPr>
+            <p:ph type="body" idx="1"/>
+          </p:nvPr>
+        </p:nvSpPr>
+        <p:spPr>
+          <a:xfrm>
+            <a:off x="685800" y="4343400"/>
+            <a:ext cx="5486400" cy="4114800"/>
+          </a:xfrm>
+          <a:prstGeom prst="rect">
+            <a:avLst/>
+          </a:prstGeom>
+        </p:spPr>
+        <p:txBody>
+          <a:bodyPr spcFirstLastPara="1" wrap="square" lIns="91425" tIns="91425" rIns="91425" bIns="91425" anchor="t" anchorCtr="0">
+            <a:noAutofit/>
+          </a:bodyPr>
+          <a:lstStyle/>
+          <a:p>
+            <a:pPr marL="0" lvl="0" indent="0" algn="l" rtl="0">
+              <a:spcBef>
+                <a:spcPts val="0"/>
+              </a:spcBef>
+              <a:spcAft>
+                <a:spcPts val="0"/>
+              </a:spcAft>
+              <a:buNone/>
+            </a:pPr>
+            <a:endParaRPr/>
+          </a:p>
+        </p:txBody>
+      </p:sp>
+    </p:spTree>
+  </p:cSld>
+  <p:clrMapOvr>
+    <a:masterClrMapping/>
+  </p:clrMapOvr>
+</p:notes>
+</file>
+
+<file path=ppt/notesSlides/notesSlide29.xml><?xml version="1.0" encoding="utf-8"?>
+<p:notes xmlns:a="http://schemas.openxmlformats.org/drawingml/2006/main" xmlns:r="http://schemas.openxmlformats.org/officeDocument/2006/relationships" xmlns:p="http://schemas.openxmlformats.org/presentationml/2006/main" showMasterSp="0" showMasterPhAnim="0">
+  <p:cSld>
+    <p:spTree>
+      <p:nvGrpSpPr>
+        <p:cNvPr id="1" name="Shape 522"/>
+        <p:cNvGrpSpPr/>
+        <p:nvPr/>
+      </p:nvGrpSpPr>
+      <p:grpSpPr>
+        <a:xfrm>
+          <a:off x="0" y="0"/>
+          <a:ext cx="0" cy="0"/>
+          <a:chOff x="0" y="0"/>
+          <a:chExt cx="0" cy="0"/>
+        </a:xfrm>
+      </p:grpSpPr>
+      <p:sp>
+        <p:nvSpPr>
+          <p:cNvPr id="523" name="Google Shape;523;gffc9e8888d_0_1136:notes"/>
+          <p:cNvSpPr>
+            <a:spLocks noGrp="1" noRot="1" noChangeAspect="1"/>
+          </p:cNvSpPr>
+          <p:nvPr>
+            <p:ph type="sldImg" idx="2"/>
+          </p:nvPr>
+        </p:nvSpPr>
+        <p:spPr>
+          <a:xfrm>
+            <a:off x="381000" y="685800"/>
+            <a:ext cx="6096000" cy="3429000"/>
+          </a:xfrm>
+          <a:custGeom>
+            <a:avLst/>
+            <a:gdLst/>
+            <a:ahLst/>
+            <a:cxnLst/>
+            <a:rect l="l" t="t" r="r" b="b"/>
+            <a:pathLst>
+              <a:path w="120000" h="120000" extrusionOk="0">
+                <a:moveTo>
+                  <a:pt x="0" y="0"/>
+                </a:moveTo>
+                <a:lnTo>
+                  <a:pt x="120000" y="0"/>
+                </a:lnTo>
+                <a:lnTo>
+                  <a:pt x="120000" y="120000"/>
+                </a:lnTo>
+                <a:lnTo>
+                  <a:pt x="0" y="120000"/>
+                </a:lnTo>
+                <a:close/>
+              </a:path>
+            </a:pathLst>
+          </a:custGeom>
+        </p:spPr>
+      </p:sp>
+      <p:sp>
+        <p:nvSpPr>
+          <p:cNvPr id="524" name="Google Shape;524;gffc9e8888d_0_1136:notes"/>
           <p:cNvSpPr txBox="1">
             <a:spLocks noGrp="1"/>
           </p:cNvSpPr>
@@ -3381,110 +3421,6 @@
   <p:cSld>
     <p:spTree>
       <p:nvGrpSpPr>
-        <p:cNvPr id="1" name="Shape 522"/>
-        <p:cNvGrpSpPr/>
-        <p:nvPr/>
-      </p:nvGrpSpPr>
-      <p:grpSpPr>
-        <a:xfrm>
-          <a:off x="0" y="0"/>
-          <a:ext cx="0" cy="0"/>
-          <a:chOff x="0" y="0"/>
-          <a:chExt cx="0" cy="0"/>
-        </a:xfrm>
-      </p:grpSpPr>
-      <p:sp>
-        <p:nvSpPr>
-          <p:cNvPr id="523" name="Google Shape;523;gffc9e8888d_0_1136:notes"/>
-          <p:cNvSpPr>
-            <a:spLocks noGrp="1" noRot="1" noChangeAspect="1"/>
-          </p:cNvSpPr>
-          <p:nvPr>
-            <p:ph type="sldImg" idx="2"/>
-          </p:nvPr>
-        </p:nvSpPr>
-        <p:spPr>
-          <a:xfrm>
-            <a:off x="381000" y="685800"/>
-            <a:ext cx="6096000" cy="3429000"/>
-          </a:xfrm>
-          <a:custGeom>
-            <a:avLst/>
-            <a:gdLst/>
-            <a:ahLst/>
-            <a:cxnLst/>
-            <a:rect l="l" t="t" r="r" b="b"/>
-            <a:pathLst>
-              <a:path w="120000" h="120000" extrusionOk="0">
-                <a:moveTo>
-                  <a:pt x="0" y="0"/>
-                </a:moveTo>
-                <a:lnTo>
-                  <a:pt x="120000" y="0"/>
-                </a:lnTo>
-                <a:lnTo>
-                  <a:pt x="120000" y="120000"/>
-                </a:lnTo>
-                <a:lnTo>
-                  <a:pt x="0" y="120000"/>
-                </a:lnTo>
-                <a:close/>
-              </a:path>
-            </a:pathLst>
-          </a:custGeom>
-        </p:spPr>
-      </p:sp>
-      <p:sp>
-        <p:nvSpPr>
-          <p:cNvPr id="524" name="Google Shape;524;gffc9e8888d_0_1136:notes"/>
-          <p:cNvSpPr txBox="1">
-            <a:spLocks noGrp="1"/>
-          </p:cNvSpPr>
-          <p:nvPr>
-            <p:ph type="body" idx="1"/>
-          </p:nvPr>
-        </p:nvSpPr>
-        <p:spPr>
-          <a:xfrm>
-            <a:off x="685800" y="4343400"/>
-            <a:ext cx="5486400" cy="4114800"/>
-          </a:xfrm>
-          <a:prstGeom prst="rect">
-            <a:avLst/>
-          </a:prstGeom>
-        </p:spPr>
-        <p:txBody>
-          <a:bodyPr spcFirstLastPara="1" wrap="square" lIns="91425" tIns="91425" rIns="91425" bIns="91425" anchor="t" anchorCtr="0">
-            <a:noAutofit/>
-          </a:bodyPr>
-          <a:lstStyle/>
-          <a:p>
-            <a:pPr marL="0" lvl="0" indent="0" algn="l" rtl="0">
-              <a:spcBef>
-                <a:spcPts val="0"/>
-              </a:spcBef>
-              <a:spcAft>
-                <a:spcPts val="0"/>
-              </a:spcAft>
-              <a:buNone/>
-            </a:pPr>
-            <a:endParaRPr/>
-          </a:p>
-        </p:txBody>
-      </p:sp>
-    </p:spTree>
-  </p:cSld>
-  <p:clrMapOvr>
-    <a:masterClrMapping/>
-  </p:clrMapOvr>
-</p:notes>
-</file>
-
-<file path=ppt/notesSlides/notesSlide31.xml><?xml version="1.0" encoding="utf-8"?>
-<p:notes xmlns:a="http://schemas.openxmlformats.org/drawingml/2006/main" xmlns:r="http://schemas.openxmlformats.org/officeDocument/2006/relationships" xmlns:p="http://schemas.openxmlformats.org/presentationml/2006/main" showMasterSp="0" showMasterPhAnim="0">
-  <p:cSld>
-    <p:spTree>
-      <p:nvGrpSpPr>
         <p:cNvPr id="1" name="Shape 537"/>
         <p:cNvGrpSpPr/>
         <p:nvPr/>
@@ -3584,7 +3520,7 @@
 </p:notes>
 </file>
 
-<file path=ppt/notesSlides/notesSlide32.xml><?xml version="1.0" encoding="utf-8"?>
+<file path=ppt/notesSlides/notesSlide31.xml><?xml version="1.0" encoding="utf-8"?>
 <p:notes xmlns:a="http://schemas.openxmlformats.org/drawingml/2006/main" xmlns:r="http://schemas.openxmlformats.org/officeDocument/2006/relationships" xmlns:p="http://schemas.openxmlformats.org/presentationml/2006/main" showMasterSp="0" showMasterPhAnim="0">
   <p:cSld>
     <p:spTree>
@@ -3688,7 +3624,7 @@
 </p:notes>
 </file>
 
-<file path=ppt/notesSlides/notesSlide33.xml><?xml version="1.0" encoding="utf-8"?>
+<file path=ppt/notesSlides/notesSlide32.xml><?xml version="1.0" encoding="utf-8"?>
 <p:notes xmlns:a="http://schemas.openxmlformats.org/drawingml/2006/main" xmlns:r="http://schemas.openxmlformats.org/officeDocument/2006/relationships" xmlns:p="http://schemas.openxmlformats.org/presentationml/2006/main" showMasterSp="0" showMasterPhAnim="0">
   <p:cSld>
     <p:spTree>
@@ -3792,7 +3728,7 @@
 </p:notes>
 </file>
 
-<file path=ppt/notesSlides/notesSlide34.xml><?xml version="1.0" encoding="utf-8"?>
+<file path=ppt/notesSlides/notesSlide33.xml><?xml version="1.0" encoding="utf-8"?>
 <p:notes xmlns:a="http://schemas.openxmlformats.org/drawingml/2006/main" xmlns:r="http://schemas.openxmlformats.org/officeDocument/2006/relationships" xmlns:p="http://schemas.openxmlformats.org/presentationml/2006/main" showMasterSp="0" showMasterPhAnim="0">
   <p:cSld>
     <p:spTree>
@@ -3896,7 +3832,7 @@
 </p:notes>
 </file>
 
-<file path=ppt/notesSlides/notesSlide35.xml><?xml version="1.0" encoding="utf-8"?>
+<file path=ppt/notesSlides/notesSlide34.xml><?xml version="1.0" encoding="utf-8"?>
 <p:notes xmlns:a="http://schemas.openxmlformats.org/drawingml/2006/main" xmlns:r="http://schemas.openxmlformats.org/officeDocument/2006/relationships" xmlns:p="http://schemas.openxmlformats.org/presentationml/2006/main" showMasterSp="0" showMasterPhAnim="0">
   <p:cSld>
     <p:spTree>
@@ -4000,7 +3936,7 @@
 </p:notes>
 </file>
 
-<file path=ppt/notesSlides/notesSlide36.xml><?xml version="1.0" encoding="utf-8"?>
+<file path=ppt/notesSlides/notesSlide35.xml><?xml version="1.0" encoding="utf-8"?>
 <p:notes xmlns:a="http://schemas.openxmlformats.org/drawingml/2006/main" xmlns:r="http://schemas.openxmlformats.org/officeDocument/2006/relationships" xmlns:p="http://schemas.openxmlformats.org/presentationml/2006/main" showMasterSp="0" showMasterPhAnim="0">
   <p:cSld>
     <p:spTree>
@@ -4104,7 +4040,7 @@
 </p:notes>
 </file>
 
-<file path=ppt/notesSlides/notesSlide37.xml><?xml version="1.0" encoding="utf-8"?>
+<file path=ppt/notesSlides/notesSlide36.xml><?xml version="1.0" encoding="utf-8"?>
 <p:notes xmlns:a="http://schemas.openxmlformats.org/drawingml/2006/main" xmlns:r="http://schemas.openxmlformats.org/officeDocument/2006/relationships" xmlns:p="http://schemas.openxmlformats.org/presentationml/2006/main" showMasterSp="0" showMasterPhAnim="0">
   <p:cSld>
     <p:spTree>
@@ -4208,7 +4144,7 @@
 </p:notes>
 </file>
 
-<file path=ppt/notesSlides/notesSlide38.xml><?xml version="1.0" encoding="utf-8"?>
+<file path=ppt/notesSlides/notesSlide37.xml><?xml version="1.0" encoding="utf-8"?>
 <p:notes xmlns:a="http://schemas.openxmlformats.org/drawingml/2006/main" xmlns:r="http://schemas.openxmlformats.org/officeDocument/2006/relationships" xmlns:p="http://schemas.openxmlformats.org/presentationml/2006/main" showMasterSp="0" showMasterPhAnim="0">
   <p:cSld>
     <p:spTree>
@@ -4313,7 +4249,7 @@
 </p:notes>
 </file>
 
-<file path=ppt/notesSlides/notesSlide39.xml><?xml version="1.0" encoding="utf-8"?>
+<file path=ppt/notesSlides/notesSlide38.xml><?xml version="1.0" encoding="utf-8"?>
 <p:notes xmlns:a="http://schemas.openxmlformats.org/drawingml/2006/main" xmlns:r="http://schemas.openxmlformats.org/officeDocument/2006/relationships" xmlns:p="http://schemas.openxmlformats.org/presentationml/2006/main" showMasterSp="0" showMasterPhAnim="0">
   <p:cSld>
     <p:spTree>
@@ -4374,6 +4310,110 @@
       <p:sp>
         <p:nvSpPr>
           <p:cNvPr id="693" name="Google Shape;693;gffc9e8888d_0_1287:notes"/>
+          <p:cNvSpPr txBox="1">
+            <a:spLocks noGrp="1"/>
+          </p:cNvSpPr>
+          <p:nvPr>
+            <p:ph type="body" idx="1"/>
+          </p:nvPr>
+        </p:nvSpPr>
+        <p:spPr>
+          <a:xfrm>
+            <a:off x="685800" y="4343400"/>
+            <a:ext cx="5486400" cy="4114800"/>
+          </a:xfrm>
+          <a:prstGeom prst="rect">
+            <a:avLst/>
+          </a:prstGeom>
+        </p:spPr>
+        <p:txBody>
+          <a:bodyPr spcFirstLastPara="1" wrap="square" lIns="91425" tIns="91425" rIns="91425" bIns="91425" anchor="t" anchorCtr="0">
+            <a:noAutofit/>
+          </a:bodyPr>
+          <a:lstStyle/>
+          <a:p>
+            <a:pPr marL="0" lvl="0" indent="0" algn="l" rtl="0">
+              <a:spcBef>
+                <a:spcPts val="0"/>
+              </a:spcBef>
+              <a:spcAft>
+                <a:spcPts val="0"/>
+              </a:spcAft>
+              <a:buNone/>
+            </a:pPr>
+            <a:endParaRPr/>
+          </a:p>
+        </p:txBody>
+      </p:sp>
+    </p:spTree>
+  </p:cSld>
+  <p:clrMapOvr>
+    <a:masterClrMapping/>
+  </p:clrMapOvr>
+</p:notes>
+</file>
+
+<file path=ppt/notesSlides/notesSlide39.xml><?xml version="1.0" encoding="utf-8"?>
+<p:notes xmlns:a="http://schemas.openxmlformats.org/drawingml/2006/main" xmlns:r="http://schemas.openxmlformats.org/officeDocument/2006/relationships" xmlns:p="http://schemas.openxmlformats.org/presentationml/2006/main" showMasterSp="0" showMasterPhAnim="0">
+  <p:cSld>
+    <p:spTree>
+      <p:nvGrpSpPr>
+        <p:cNvPr id="1" name="Shape 702"/>
+        <p:cNvGrpSpPr/>
+        <p:nvPr/>
+      </p:nvGrpSpPr>
+      <p:grpSpPr>
+        <a:xfrm>
+          <a:off x="0" y="0"/>
+          <a:ext cx="0" cy="0"/>
+          <a:chOff x="0" y="0"/>
+          <a:chExt cx="0" cy="0"/>
+        </a:xfrm>
+      </p:grpSpPr>
+      <p:sp>
+        <p:nvSpPr>
+          <p:cNvPr id="703" name="Google Shape;703;gffc9e8888d_0_1297:notes"/>
+          <p:cNvSpPr>
+            <a:spLocks noGrp="1" noRot="1" noChangeAspect="1"/>
+          </p:cNvSpPr>
+          <p:nvPr>
+            <p:ph type="sldImg" idx="2"/>
+          </p:nvPr>
+        </p:nvSpPr>
+        <p:spPr>
+          <a:xfrm>
+            <a:off x="381000" y="685800"/>
+            <a:ext cx="6096000" cy="3429000"/>
+          </a:xfrm>
+          <a:custGeom>
+            <a:avLst/>
+            <a:gdLst/>
+            <a:ahLst/>
+            <a:cxnLst/>
+            <a:rect l="l" t="t" r="r" b="b"/>
+            <a:pathLst>
+              <a:path w="120000" h="120000" extrusionOk="0">
+                <a:moveTo>
+                  <a:pt x="0" y="0"/>
+                </a:moveTo>
+                <a:lnTo>
+                  <a:pt x="120000" y="0"/>
+                </a:lnTo>
+                <a:lnTo>
+                  <a:pt x="120000" y="120000"/>
+                </a:lnTo>
+                <a:lnTo>
+                  <a:pt x="0" y="120000"/>
+                </a:lnTo>
+                <a:close/>
+              </a:path>
+            </a:pathLst>
+          </a:custGeom>
+        </p:spPr>
+      </p:sp>
+      <p:sp>
+        <p:nvSpPr>
+          <p:cNvPr id="704" name="Google Shape;704;gffc9e8888d_0_1297:notes"/>
           <p:cNvSpPr txBox="1">
             <a:spLocks noGrp="1"/>
           </p:cNvSpPr>
@@ -4539,110 +4579,6 @@
   <p:cSld>
     <p:spTree>
       <p:nvGrpSpPr>
-        <p:cNvPr id="1" name="Shape 702"/>
-        <p:cNvGrpSpPr/>
-        <p:nvPr/>
-      </p:nvGrpSpPr>
-      <p:grpSpPr>
-        <a:xfrm>
-          <a:off x="0" y="0"/>
-          <a:ext cx="0" cy="0"/>
-          <a:chOff x="0" y="0"/>
-          <a:chExt cx="0" cy="0"/>
-        </a:xfrm>
-      </p:grpSpPr>
-      <p:sp>
-        <p:nvSpPr>
-          <p:cNvPr id="703" name="Google Shape;703;gffc9e8888d_0_1297:notes"/>
-          <p:cNvSpPr>
-            <a:spLocks noGrp="1" noRot="1" noChangeAspect="1"/>
-          </p:cNvSpPr>
-          <p:nvPr>
-            <p:ph type="sldImg" idx="2"/>
-          </p:nvPr>
-        </p:nvSpPr>
-        <p:spPr>
-          <a:xfrm>
-            <a:off x="381000" y="685800"/>
-            <a:ext cx="6096000" cy="3429000"/>
-          </a:xfrm>
-          <a:custGeom>
-            <a:avLst/>
-            <a:gdLst/>
-            <a:ahLst/>
-            <a:cxnLst/>
-            <a:rect l="l" t="t" r="r" b="b"/>
-            <a:pathLst>
-              <a:path w="120000" h="120000" extrusionOk="0">
-                <a:moveTo>
-                  <a:pt x="0" y="0"/>
-                </a:moveTo>
-                <a:lnTo>
-                  <a:pt x="120000" y="0"/>
-                </a:lnTo>
-                <a:lnTo>
-                  <a:pt x="120000" y="120000"/>
-                </a:lnTo>
-                <a:lnTo>
-                  <a:pt x="0" y="120000"/>
-                </a:lnTo>
-                <a:close/>
-              </a:path>
-            </a:pathLst>
-          </a:custGeom>
-        </p:spPr>
-      </p:sp>
-      <p:sp>
-        <p:nvSpPr>
-          <p:cNvPr id="704" name="Google Shape;704;gffc9e8888d_0_1297:notes"/>
-          <p:cNvSpPr txBox="1">
-            <a:spLocks noGrp="1"/>
-          </p:cNvSpPr>
-          <p:nvPr>
-            <p:ph type="body" idx="1"/>
-          </p:nvPr>
-        </p:nvSpPr>
-        <p:spPr>
-          <a:xfrm>
-            <a:off x="685800" y="4343400"/>
-            <a:ext cx="5486400" cy="4114800"/>
-          </a:xfrm>
-          <a:prstGeom prst="rect">
-            <a:avLst/>
-          </a:prstGeom>
-        </p:spPr>
-        <p:txBody>
-          <a:bodyPr spcFirstLastPara="1" wrap="square" lIns="91425" tIns="91425" rIns="91425" bIns="91425" anchor="t" anchorCtr="0">
-            <a:noAutofit/>
-          </a:bodyPr>
-          <a:lstStyle/>
-          <a:p>
-            <a:pPr marL="0" lvl="0" indent="0" algn="l" rtl="0">
-              <a:spcBef>
-                <a:spcPts val="0"/>
-              </a:spcBef>
-              <a:spcAft>
-                <a:spcPts val="0"/>
-              </a:spcAft>
-              <a:buNone/>
-            </a:pPr>
-            <a:endParaRPr/>
-          </a:p>
-        </p:txBody>
-      </p:sp>
-    </p:spTree>
-  </p:cSld>
-  <p:clrMapOvr>
-    <a:masterClrMapping/>
-  </p:clrMapOvr>
-</p:notes>
-</file>
-
-<file path=ppt/notesSlides/notesSlide41.xml><?xml version="1.0" encoding="utf-8"?>
-<p:notes xmlns:a="http://schemas.openxmlformats.org/drawingml/2006/main" xmlns:r="http://schemas.openxmlformats.org/officeDocument/2006/relationships" xmlns:p="http://schemas.openxmlformats.org/presentationml/2006/main" showMasterSp="0" showMasterPhAnim="0">
-  <p:cSld>
-    <p:spTree>
-      <p:nvGrpSpPr>
         <p:cNvPr id="1" name="Shape 710"/>
         <p:cNvGrpSpPr/>
         <p:nvPr/>
@@ -4742,7 +4678,7 @@
 </p:notes>
 </file>
 
-<file path=ppt/notesSlides/notesSlide42.xml><?xml version="1.0" encoding="utf-8"?>
+<file path=ppt/notesSlides/notesSlide41.xml><?xml version="1.0" encoding="utf-8"?>
 <p:notes xmlns:a="http://schemas.openxmlformats.org/drawingml/2006/main" xmlns:r="http://schemas.openxmlformats.org/officeDocument/2006/relationships" xmlns:p="http://schemas.openxmlformats.org/presentationml/2006/main" showMasterSp="0" showMasterPhAnim="0">
   <p:cSld>
     <p:spTree>
@@ -4846,7 +4782,7 @@
 </p:notes>
 </file>
 
-<file path=ppt/notesSlides/notesSlide43.xml><?xml version="1.0" encoding="utf-8"?>
+<file path=ppt/notesSlides/notesSlide42.xml><?xml version="1.0" encoding="utf-8"?>
 <p:notes xmlns:a="http://schemas.openxmlformats.org/drawingml/2006/main" xmlns:r="http://schemas.openxmlformats.org/officeDocument/2006/relationships" xmlns:p="http://schemas.openxmlformats.org/presentationml/2006/main" showMasterSp="0" showMasterPhAnim="0">
   <p:cSld>
     <p:spTree>
@@ -4950,7 +4886,7 @@
 </p:notes>
 </file>
 
-<file path=ppt/notesSlides/notesSlide44.xml><?xml version="1.0" encoding="utf-8"?>
+<file path=ppt/notesSlides/notesSlide43.xml><?xml version="1.0" encoding="utf-8"?>
 <p:notes xmlns:a="http://schemas.openxmlformats.org/drawingml/2006/main" xmlns:r="http://schemas.openxmlformats.org/officeDocument/2006/relationships" xmlns:p="http://schemas.openxmlformats.org/presentationml/2006/main" showMasterSp="0" showMasterPhAnim="0">
   <p:cSld>
     <p:spTree>
@@ -5054,7 +4990,7 @@
 </p:notes>
 </file>
 
-<file path=ppt/notesSlides/notesSlide45.xml><?xml version="1.0" encoding="utf-8"?>
+<file path=ppt/notesSlides/notesSlide44.xml><?xml version="1.0" encoding="utf-8"?>
 <p:notes xmlns:a="http://schemas.openxmlformats.org/drawingml/2006/main" xmlns:r="http://schemas.openxmlformats.org/officeDocument/2006/relationships" xmlns:p="http://schemas.openxmlformats.org/presentationml/2006/main" showMasterSp="0" showMasterPhAnim="0">
   <p:cSld>
     <p:spTree>
@@ -5158,7 +5094,7 @@
 </p:notes>
 </file>
 
-<file path=ppt/notesSlides/notesSlide46.xml><?xml version="1.0" encoding="utf-8"?>
+<file path=ppt/notesSlides/notesSlide45.xml><?xml version="1.0" encoding="utf-8"?>
 <p:notes xmlns:a="http://schemas.openxmlformats.org/drawingml/2006/main" xmlns:r="http://schemas.openxmlformats.org/officeDocument/2006/relationships" xmlns:p="http://schemas.openxmlformats.org/presentationml/2006/main" showMasterSp="0" showMasterPhAnim="0">
   <p:cSld>
     <p:spTree>
@@ -5262,7 +5198,7 @@
 </p:notes>
 </file>
 
-<file path=ppt/notesSlides/notesSlide47.xml><?xml version="1.0" encoding="utf-8"?>
+<file path=ppt/notesSlides/notesSlide46.xml><?xml version="1.0" encoding="utf-8"?>
 <p:notes xmlns:a="http://schemas.openxmlformats.org/drawingml/2006/main" xmlns:r="http://schemas.openxmlformats.org/officeDocument/2006/relationships" xmlns:p="http://schemas.openxmlformats.org/presentationml/2006/main" showMasterSp="0" showMasterPhAnim="0">
   <p:cSld>
     <p:spTree>
@@ -5366,7 +5302,7 @@
 </p:notes>
 </file>
 
-<file path=ppt/notesSlides/notesSlide48.xml><?xml version="1.0" encoding="utf-8"?>
+<file path=ppt/notesSlides/notesSlide47.xml><?xml version="1.0" encoding="utf-8"?>
 <p:notes xmlns:a="http://schemas.openxmlformats.org/drawingml/2006/main" xmlns:r="http://schemas.openxmlformats.org/officeDocument/2006/relationships" xmlns:p="http://schemas.openxmlformats.org/presentationml/2006/main" showMasterSp="0" showMasterPhAnim="0">
   <p:cSld>
     <p:spTree>
@@ -5470,7 +5406,7 @@
 </p:notes>
 </file>
 
-<file path=ppt/notesSlides/notesSlide49.xml><?xml version="1.0" encoding="utf-8"?>
+<file path=ppt/notesSlides/notesSlide48.xml><?xml version="1.0" encoding="utf-8"?>
 <p:notes xmlns:a="http://schemas.openxmlformats.org/drawingml/2006/main" xmlns:r="http://schemas.openxmlformats.org/officeDocument/2006/relationships" xmlns:p="http://schemas.openxmlformats.org/presentationml/2006/main" showMasterSp="0" showMasterPhAnim="0">
   <p:cSld>
     <p:spTree>
@@ -5531,6 +5467,110 @@
       <p:sp>
         <p:nvSpPr>
           <p:cNvPr id="787" name="Google Shape;787;gffc9e8888d_0_1371:notes"/>
+          <p:cNvSpPr txBox="1">
+            <a:spLocks noGrp="1"/>
+          </p:cNvSpPr>
+          <p:nvPr>
+            <p:ph type="body" idx="1"/>
+          </p:nvPr>
+        </p:nvSpPr>
+        <p:spPr>
+          <a:xfrm>
+            <a:off x="685800" y="4343400"/>
+            <a:ext cx="5486400" cy="4114800"/>
+          </a:xfrm>
+          <a:prstGeom prst="rect">
+            <a:avLst/>
+          </a:prstGeom>
+        </p:spPr>
+        <p:txBody>
+          <a:bodyPr spcFirstLastPara="1" wrap="square" lIns="91425" tIns="91425" rIns="91425" bIns="91425" anchor="t" anchorCtr="0">
+            <a:noAutofit/>
+          </a:bodyPr>
+          <a:lstStyle/>
+          <a:p>
+            <a:pPr marL="0" lvl="0" indent="0" algn="l" rtl="0">
+              <a:spcBef>
+                <a:spcPts val="0"/>
+              </a:spcBef>
+              <a:spcAft>
+                <a:spcPts val="0"/>
+              </a:spcAft>
+              <a:buNone/>
+            </a:pPr>
+            <a:endParaRPr/>
+          </a:p>
+        </p:txBody>
+      </p:sp>
+    </p:spTree>
+  </p:cSld>
+  <p:clrMapOvr>
+    <a:masterClrMapping/>
+  </p:clrMapOvr>
+</p:notes>
+</file>
+
+<file path=ppt/notesSlides/notesSlide49.xml><?xml version="1.0" encoding="utf-8"?>
+<p:notes xmlns:a="http://schemas.openxmlformats.org/drawingml/2006/main" xmlns:r="http://schemas.openxmlformats.org/officeDocument/2006/relationships" xmlns:p="http://schemas.openxmlformats.org/presentationml/2006/main" showMasterSp="0" showMasterPhAnim="0">
+  <p:cSld>
+    <p:spTree>
+      <p:nvGrpSpPr>
+        <p:cNvPr id="1" name="Shape 792"/>
+        <p:cNvGrpSpPr/>
+        <p:nvPr/>
+      </p:nvGrpSpPr>
+      <p:grpSpPr>
+        <a:xfrm>
+          <a:off x="0" y="0"/>
+          <a:ext cx="0" cy="0"/>
+          <a:chOff x="0" y="0"/>
+          <a:chExt cx="0" cy="0"/>
+        </a:xfrm>
+      </p:grpSpPr>
+      <p:sp>
+        <p:nvSpPr>
+          <p:cNvPr id="793" name="Google Shape;793;gffc9e8888d_0_1377:notes"/>
+          <p:cNvSpPr>
+            <a:spLocks noGrp="1" noRot="1" noChangeAspect="1"/>
+          </p:cNvSpPr>
+          <p:nvPr>
+            <p:ph type="sldImg" idx="2"/>
+          </p:nvPr>
+        </p:nvSpPr>
+        <p:spPr>
+          <a:xfrm>
+            <a:off x="381000" y="685800"/>
+            <a:ext cx="6096000" cy="3429000"/>
+          </a:xfrm>
+          <a:custGeom>
+            <a:avLst/>
+            <a:gdLst/>
+            <a:ahLst/>
+            <a:cxnLst/>
+            <a:rect l="l" t="t" r="r" b="b"/>
+            <a:pathLst>
+              <a:path w="120000" h="120000" extrusionOk="0">
+                <a:moveTo>
+                  <a:pt x="0" y="0"/>
+                </a:moveTo>
+                <a:lnTo>
+                  <a:pt x="120000" y="0"/>
+                </a:lnTo>
+                <a:lnTo>
+                  <a:pt x="120000" y="120000"/>
+                </a:lnTo>
+                <a:lnTo>
+                  <a:pt x="0" y="120000"/>
+                </a:lnTo>
+                <a:close/>
+              </a:path>
+            </a:pathLst>
+          </a:custGeom>
+        </p:spPr>
+      </p:sp>
+      <p:sp>
+        <p:nvSpPr>
+          <p:cNvPr id="794" name="Google Shape;794;gffc9e8888d_0_1377:notes"/>
           <p:cNvSpPr txBox="1">
             <a:spLocks noGrp="1"/>
           </p:cNvSpPr>
@@ -5683,110 +5723,6 @@
   <p:cSld>
     <p:spTree>
       <p:nvGrpSpPr>
-        <p:cNvPr id="1" name="Shape 792"/>
-        <p:cNvGrpSpPr/>
-        <p:nvPr/>
-      </p:nvGrpSpPr>
-      <p:grpSpPr>
-        <a:xfrm>
-          <a:off x="0" y="0"/>
-          <a:ext cx="0" cy="0"/>
-          <a:chOff x="0" y="0"/>
-          <a:chExt cx="0" cy="0"/>
-        </a:xfrm>
-      </p:grpSpPr>
-      <p:sp>
-        <p:nvSpPr>
-          <p:cNvPr id="793" name="Google Shape;793;gffc9e8888d_0_1377:notes"/>
-          <p:cNvSpPr>
-            <a:spLocks noGrp="1" noRot="1" noChangeAspect="1"/>
-          </p:cNvSpPr>
-          <p:nvPr>
-            <p:ph type="sldImg" idx="2"/>
-          </p:nvPr>
-        </p:nvSpPr>
-        <p:spPr>
-          <a:xfrm>
-            <a:off x="381000" y="685800"/>
-            <a:ext cx="6096000" cy="3429000"/>
-          </a:xfrm>
-          <a:custGeom>
-            <a:avLst/>
-            <a:gdLst/>
-            <a:ahLst/>
-            <a:cxnLst/>
-            <a:rect l="l" t="t" r="r" b="b"/>
-            <a:pathLst>
-              <a:path w="120000" h="120000" extrusionOk="0">
-                <a:moveTo>
-                  <a:pt x="0" y="0"/>
-                </a:moveTo>
-                <a:lnTo>
-                  <a:pt x="120000" y="0"/>
-                </a:lnTo>
-                <a:lnTo>
-                  <a:pt x="120000" y="120000"/>
-                </a:lnTo>
-                <a:lnTo>
-                  <a:pt x="0" y="120000"/>
-                </a:lnTo>
-                <a:close/>
-              </a:path>
-            </a:pathLst>
-          </a:custGeom>
-        </p:spPr>
-      </p:sp>
-      <p:sp>
-        <p:nvSpPr>
-          <p:cNvPr id="794" name="Google Shape;794;gffc9e8888d_0_1377:notes"/>
-          <p:cNvSpPr txBox="1">
-            <a:spLocks noGrp="1"/>
-          </p:cNvSpPr>
-          <p:nvPr>
-            <p:ph type="body" idx="1"/>
-          </p:nvPr>
-        </p:nvSpPr>
-        <p:spPr>
-          <a:xfrm>
-            <a:off x="685800" y="4343400"/>
-            <a:ext cx="5486400" cy="4114800"/>
-          </a:xfrm>
-          <a:prstGeom prst="rect">
-            <a:avLst/>
-          </a:prstGeom>
-        </p:spPr>
-        <p:txBody>
-          <a:bodyPr spcFirstLastPara="1" wrap="square" lIns="91425" tIns="91425" rIns="91425" bIns="91425" anchor="t" anchorCtr="0">
-            <a:noAutofit/>
-          </a:bodyPr>
-          <a:lstStyle/>
-          <a:p>
-            <a:pPr marL="0" lvl="0" indent="0" algn="l" rtl="0">
-              <a:spcBef>
-                <a:spcPts val="0"/>
-              </a:spcBef>
-              <a:spcAft>
-                <a:spcPts val="0"/>
-              </a:spcAft>
-              <a:buNone/>
-            </a:pPr>
-            <a:endParaRPr/>
-          </a:p>
-        </p:txBody>
-      </p:sp>
-    </p:spTree>
-  </p:cSld>
-  <p:clrMapOvr>
-    <a:masterClrMapping/>
-  </p:clrMapOvr>
-</p:notes>
-</file>
-
-<file path=ppt/notesSlides/notesSlide51.xml><?xml version="1.0" encoding="utf-8"?>
-<p:notes xmlns:a="http://schemas.openxmlformats.org/drawingml/2006/main" xmlns:r="http://schemas.openxmlformats.org/officeDocument/2006/relationships" xmlns:p="http://schemas.openxmlformats.org/presentationml/2006/main" showMasterSp="0" showMasterPhAnim="0">
-  <p:cSld>
-    <p:spTree>
-      <p:nvGrpSpPr>
         <p:cNvPr id="1" name="Shape 799"/>
         <p:cNvGrpSpPr/>
         <p:nvPr/>
@@ -5886,7 +5822,7 @@
 </p:notes>
 </file>
 
-<file path=ppt/notesSlides/notesSlide52.xml><?xml version="1.0" encoding="utf-8"?>
+<file path=ppt/notesSlides/notesSlide51.xml><?xml version="1.0" encoding="utf-8"?>
 <p:notes xmlns:a="http://schemas.openxmlformats.org/drawingml/2006/main" xmlns:r="http://schemas.openxmlformats.org/officeDocument/2006/relationships" xmlns:p="http://schemas.openxmlformats.org/presentationml/2006/main" showMasterSp="0" showMasterPhAnim="0">
   <p:cSld>
     <p:spTree>
@@ -5990,7 +5926,7 @@
 </p:notes>
 </file>
 
-<file path=ppt/notesSlides/notesSlide53.xml><?xml version="1.0" encoding="utf-8"?>
+<file path=ppt/notesSlides/notesSlide52.xml><?xml version="1.0" encoding="utf-8"?>
 <p:notes xmlns:a="http://schemas.openxmlformats.org/drawingml/2006/main" xmlns:r="http://schemas.openxmlformats.org/officeDocument/2006/relationships" xmlns:p="http://schemas.openxmlformats.org/presentationml/2006/main" showMasterSp="0" showMasterPhAnim="0">
   <p:cSld>
     <p:spTree>
@@ -6394,7 +6330,7 @@
               </a:spcAft>
               <a:buNone/>
             </a:pPr>
-            <a:endParaRPr/>
+            <a:endParaRPr dirty="0"/>
           </a:p>
         </p:txBody>
       </p:sp>
@@ -6498,7 +6434,99 @@
               </a:spcAft>
               <a:buNone/>
             </a:pPr>
-            <a:endParaRPr/>
+            <a:r>
+              <a:rPr lang="en-US" dirty="0"/>
+              <a:t>%s the uninterpreted bytes of the string or slice </a:t>
+            </a:r>
+            <a:br>
+              <a:rPr lang="en-US" dirty="0"/>
+            </a:br>
+            <a:endParaRPr lang="en-US" dirty="0"/>
+          </a:p>
+          <a:p>
+            <a:pPr marL="0" lvl="0" indent="0" algn="l" rtl="0">
+              <a:spcBef>
+                <a:spcPts val="0"/>
+              </a:spcBef>
+              <a:spcAft>
+                <a:spcPts val="0"/>
+              </a:spcAft>
+              <a:buNone/>
+            </a:pPr>
+            <a:r>
+              <a:rPr lang="en-US" b="0" i="0" dirty="0">
+                <a:solidFill>
+                  <a:srgbClr val="202224"/>
+                </a:solidFill>
+                <a:effectLst/>
+                <a:latin typeface="-apple-system"/>
+              </a:rPr>
+              <a:t>Package </a:t>
+            </a:r>
+            <a:r>
+              <a:rPr lang="en-US" b="0" i="0" dirty="0" err="1">
+                <a:solidFill>
+                  <a:srgbClr val="202224"/>
+                </a:solidFill>
+                <a:effectLst/>
+                <a:latin typeface="-apple-system"/>
+              </a:rPr>
+              <a:t>fmt</a:t>
+            </a:r>
+            <a:r>
+              <a:rPr lang="en-US" b="0" i="0" dirty="0">
+                <a:solidFill>
+                  <a:srgbClr val="202224"/>
+                </a:solidFill>
+                <a:effectLst/>
+                <a:latin typeface="-apple-system"/>
+              </a:rPr>
+              <a:t> implements formatted I/O with functions analogous to C's </a:t>
+            </a:r>
+            <a:r>
+              <a:rPr lang="en-US" b="0" i="0" dirty="0" err="1">
+                <a:solidFill>
+                  <a:srgbClr val="202224"/>
+                </a:solidFill>
+                <a:effectLst/>
+                <a:latin typeface="-apple-system"/>
+              </a:rPr>
+              <a:t>printf</a:t>
+            </a:r>
+            <a:r>
+              <a:rPr lang="en-US" b="0" i="0" dirty="0">
+                <a:solidFill>
+                  <a:srgbClr val="202224"/>
+                </a:solidFill>
+                <a:effectLst/>
+                <a:latin typeface="-apple-system"/>
+              </a:rPr>
+              <a:t> and </a:t>
+            </a:r>
+            <a:r>
+              <a:rPr lang="en-US" b="0" i="0" dirty="0" err="1">
+                <a:solidFill>
+                  <a:srgbClr val="202224"/>
+                </a:solidFill>
+                <a:effectLst/>
+                <a:latin typeface="-apple-system"/>
+              </a:rPr>
+              <a:t>scanf</a:t>
+            </a:r>
+            <a:r>
+              <a:rPr lang="en-US" b="0" i="0" dirty="0">
+                <a:solidFill>
+                  <a:srgbClr val="202224"/>
+                </a:solidFill>
+                <a:effectLst/>
+                <a:latin typeface="-apple-system"/>
+              </a:rPr>
+              <a:t>. The format 'verbs' are derived from C's but are simpler.</a:t>
+            </a:r>
+            <a:br>
+              <a:rPr lang="en-US" dirty="0"/>
+            </a:br>
+            <a:endParaRPr dirty="0"/>
           </a:p>
         </p:txBody>
       </p:sp>
@@ -13690,7 +13718,7 @@
                                         <p:tgtEl>
                                           <p:spTgt spid="215">
                                             <p:txEl>
-                                              <p:pRg st="0" end="0"/>
+                                              <p:pRg st="1" end="1"/>
                                             </p:txEl>
                                           </p:spTgt>
                                         </p:tgtEl>
@@ -13739,7 +13767,7 @@
                                         <p:tgtEl>
                                           <p:spTgt spid="215">
                                             <p:txEl>
-                                              <p:pRg st="1" end="1"/>
+                                              <p:pRg st="2" end="2"/>
                                             </p:txEl>
                                           </p:spTgt>
                                         </p:tgtEl>
@@ -13788,7 +13816,7 @@
                                         <p:tgtEl>
                                           <p:spTgt spid="215">
                                             <p:txEl>
-                                              <p:pRg st="2" end="2"/>
+                                              <p:pRg st="3" end="3"/>
                                             </p:txEl>
                                           </p:spTgt>
                                         </p:tgtEl>
@@ -13837,55 +13865,6 @@
                                         <p:tgtEl>
                                           <p:spTgt spid="215">
                                             <p:txEl>
-                                              <p:pRg st="3" end="3"/>
-                                            </p:txEl>
-                                          </p:spTgt>
-                                        </p:tgtEl>
-                                        <p:attrNameLst>
-                                          <p:attrName>style.visibility</p:attrName>
-                                        </p:attrNameLst>
-                                      </p:cBhvr>
-                                      <p:to>
-                                        <p:strVal val="visible"/>
-                                      </p:to>
-                                    </p:set>
-                                  </p:childTnLst>
-                                </p:cTn>
-                              </p:par>
-                            </p:childTnLst>
-                          </p:cTn>
-                        </p:par>
-                      </p:childTnLst>
-                    </p:cTn>
-                  </p:par>
-                  <p:par>
-                    <p:cTn id="19" fill="hold">
-                      <p:stCondLst>
-                        <p:cond delay="indefinite"/>
-                      </p:stCondLst>
-                      <p:childTnLst>
-                        <p:par>
-                          <p:cTn id="20" fill="hold">
-                            <p:stCondLst>
-                              <p:cond delay="0"/>
-                            </p:stCondLst>
-                            <p:childTnLst>
-                              <p:par>
-                                <p:cTn id="21" presetID="1" presetClass="entr" presetSubtype="0" fill="hold" nodeType="clickEffect">
-                                  <p:stCondLst>
-                                    <p:cond delay="0"/>
-                                  </p:stCondLst>
-                                  <p:childTnLst>
-                                    <p:set>
-                                      <p:cBhvr>
-                                        <p:cTn id="22" dur="1" fill="hold">
-                                          <p:stCondLst>
-                                            <p:cond delay="0"/>
-                                          </p:stCondLst>
-                                        </p:cTn>
-                                        <p:tgtEl>
-                                          <p:spTgt spid="215">
-                                            <p:txEl>
                                               <p:pRg st="4" end="4"/>
                                             </p:txEl>
                                           </p:spTgt>
@@ -13901,33 +13880,15 @@
                                   </p:childTnLst>
                                 </p:cTn>
                               </p:par>
-                            </p:childTnLst>
-                          </p:cTn>
-                        </p:par>
-                      </p:childTnLst>
-                    </p:cTn>
-                  </p:par>
-                  <p:par>
-                    <p:cTn id="23" fill="hold">
-                      <p:stCondLst>
-                        <p:cond delay="indefinite"/>
-                      </p:stCondLst>
-                      <p:childTnLst>
-                        <p:par>
-                          <p:cTn id="24" fill="hold">
-                            <p:stCondLst>
-                              <p:cond delay="0"/>
-                            </p:stCondLst>
-                            <p:childTnLst>
                               <p:par>
-                                <p:cTn id="25" presetID="1" presetClass="entr" presetSubtype="0" fill="hold" nodeType="clickEffect">
+                                <p:cTn id="19" presetID="1" presetClass="entr" presetSubtype="0" fill="hold" nodeType="withEffect">
                                   <p:stCondLst>
                                     <p:cond delay="0"/>
                                   </p:stCondLst>
                                   <p:childTnLst>
                                     <p:set>
                                       <p:cBhvr>
-                                        <p:cTn id="26" dur="1" fill="hold">
+                                        <p:cTn id="20" dur="1" fill="hold">
                                           <p:stCondLst>
                                             <p:cond delay="0"/>
                                           </p:stCondLst>
@@ -13957,26 +13918,26 @@
                     </p:cTn>
                   </p:par>
                   <p:par>
-                    <p:cTn id="27" fill="hold">
+                    <p:cTn id="21" fill="hold">
                       <p:stCondLst>
                         <p:cond delay="indefinite"/>
                       </p:stCondLst>
                       <p:childTnLst>
                         <p:par>
-                          <p:cTn id="28" fill="hold">
+                          <p:cTn id="22" fill="hold">
                             <p:stCondLst>
                               <p:cond delay="0"/>
                             </p:stCondLst>
                             <p:childTnLst>
                               <p:par>
-                                <p:cTn id="29" presetID="1" presetClass="entr" presetSubtype="0" fill="hold" nodeType="clickEffect">
+                                <p:cTn id="23" presetID="1" presetClass="entr" presetSubtype="0" fill="hold" nodeType="clickEffect">
                                   <p:stCondLst>
                                     <p:cond delay="0"/>
                                   </p:stCondLst>
                                   <p:childTnLst>
                                     <p:set>
                                       <p:cBhvr>
-                                        <p:cTn id="30" dur="1" fill="hold">
+                                        <p:cTn id="24" dur="1" fill="hold">
                                           <p:stCondLst>
                                             <p:cond delay="0"/>
                                           </p:stCondLst>
@@ -13999,33 +13960,15 @@
                                   </p:childTnLst>
                                 </p:cTn>
                               </p:par>
-                            </p:childTnLst>
-                          </p:cTn>
-                        </p:par>
-                      </p:childTnLst>
-                    </p:cTn>
-                  </p:par>
-                  <p:par>
-                    <p:cTn id="31" fill="hold">
-                      <p:stCondLst>
-                        <p:cond delay="indefinite"/>
-                      </p:stCondLst>
-                      <p:childTnLst>
-                        <p:par>
-                          <p:cTn id="32" fill="hold">
-                            <p:stCondLst>
-                              <p:cond delay="0"/>
-                            </p:stCondLst>
-                            <p:childTnLst>
                               <p:par>
-                                <p:cTn id="33" presetID="1" presetClass="entr" presetSubtype="0" fill="hold" nodeType="clickEffect">
+                                <p:cTn id="25" presetID="1" presetClass="entr" presetSubtype="0" fill="hold" nodeType="withEffect">
                                   <p:stCondLst>
                                     <p:cond delay="0"/>
                                   </p:stCondLst>
                                   <p:childTnLst>
                                     <p:set>
                                       <p:cBhvr>
-                                        <p:cTn id="34" dur="1" fill="hold">
+                                        <p:cTn id="26" dur="1" fill="hold">
                                           <p:stCondLst>
                                             <p:cond delay="0"/>
                                           </p:stCondLst>
@@ -14048,33 +13991,15 @@
                                   </p:childTnLst>
                                 </p:cTn>
                               </p:par>
-                            </p:childTnLst>
-                          </p:cTn>
-                        </p:par>
-                      </p:childTnLst>
-                    </p:cTn>
-                  </p:par>
-                  <p:par>
-                    <p:cTn id="35" fill="hold">
-                      <p:stCondLst>
-                        <p:cond delay="indefinite"/>
-                      </p:stCondLst>
-                      <p:childTnLst>
-                        <p:par>
-                          <p:cTn id="36" fill="hold">
-                            <p:stCondLst>
-                              <p:cond delay="0"/>
-                            </p:stCondLst>
-                            <p:childTnLst>
                               <p:par>
-                                <p:cTn id="37" presetID="1" presetClass="entr" presetSubtype="0" fill="hold" nodeType="clickEffect">
+                                <p:cTn id="27" presetID="1" presetClass="entr" presetSubtype="0" fill="hold" nodeType="withEffect">
                                   <p:stCondLst>
                                     <p:cond delay="0"/>
                                   </p:stCondLst>
                                   <p:childTnLst>
                                     <p:set>
                                       <p:cBhvr>
-                                        <p:cTn id="38" dur="1" fill="hold">
+                                        <p:cTn id="28" dur="1" fill="hold">
                                           <p:stCondLst>
                                             <p:cond delay="0"/>
                                           </p:stCondLst>
@@ -14223,30 +14148,30 @@
               <a:buChar char="●"/>
             </a:pPr>
             <a:r>
-              <a:rPr lang="en" b="1"/>
+              <a:rPr lang="en" b="1" dirty="0"/>
               <a:t>Stored XSS</a:t>
             </a:r>
             <a:r>
-              <a:rPr lang="en"/>
+              <a:rPr lang="en" dirty="0"/>
               <a:t> (</a:t>
             </a:r>
             <a:r>
-              <a:rPr lang="en" b="1"/>
+              <a:rPr lang="en" b="1" dirty="0"/>
               <a:t>persistent XSS</a:t>
             </a:r>
             <a:r>
-              <a:rPr lang="en"/>
+              <a:rPr lang="en" dirty="0"/>
               <a:t>): The attacker’s JavaScript is </a:t>
             </a:r>
             <a:r>
-              <a:rPr lang="en" b="1"/>
+              <a:rPr lang="en" b="1" dirty="0"/>
               <a:t>stored</a:t>
             </a:r>
             <a:r>
-              <a:rPr lang="en"/>
+              <a:rPr lang="en" dirty="0"/>
               <a:t> on the legitimate server and sent to browsers</a:t>
             </a:r>
-            <a:endParaRPr/>
+            <a:endParaRPr dirty="0"/>
           </a:p>
           <a:p>
             <a:pPr marL="457200" lvl="0" indent="-342900" algn="l" rtl="0">
@@ -14260,10 +14185,10 @@
               <a:buChar char="●"/>
             </a:pPr>
             <a:r>
-              <a:rPr lang="en"/>
+              <a:rPr lang="en" dirty="0"/>
               <a:t>Classic example: Facebook pages</a:t>
             </a:r>
-            <a:endParaRPr/>
+            <a:endParaRPr dirty="0"/>
           </a:p>
           <a:p>
             <a:pPr marL="914400" lvl="1" indent="-317500" algn="l" rtl="0">
@@ -14277,10 +14202,14 @@
               <a:buChar char="○"/>
             </a:pPr>
             <a:r>
-              <a:rPr lang="en"/>
-              <a:t>Anybody can load a Facebook page with content provided by users</a:t>
-            </a:r>
-            <a:endParaRPr/>
+              <a:rPr lang="en" dirty="0"/>
+              <a:t>Anybody can load a Facebook page with content </a:t>
+            </a:r>
+            <a:r>
+              <a:rPr lang="en" b="1" dirty="0"/>
+              <a:t>provided by users</a:t>
+            </a:r>
+            <a:endParaRPr b="1" dirty="0"/>
           </a:p>
           <a:p>
             <a:pPr marL="914400" lvl="1" indent="-317500" algn="l" rtl="0">
@@ -14294,10 +14223,10 @@
               <a:buChar char="○"/>
             </a:pPr>
             <a:r>
-              <a:rPr lang="en"/>
+              <a:rPr lang="en" dirty="0"/>
               <a:t>An attacker puts some JavaScript on their Facebook page</a:t>
             </a:r>
-            <a:endParaRPr/>
+            <a:endParaRPr dirty="0"/>
           </a:p>
           <a:p>
             <a:pPr marL="914400" lvl="1" indent="-317500" algn="l" rtl="0">
@@ -14311,10 +14240,10 @@
               <a:buChar char="○"/>
             </a:pPr>
             <a:r>
-              <a:rPr lang="en"/>
+              <a:rPr lang="en" dirty="0"/>
               <a:t>Anybody who loads the attacker’s page will see JavaScript (with the origin of Facebook)</a:t>
             </a:r>
-            <a:endParaRPr/>
+            <a:endParaRPr dirty="0"/>
           </a:p>
           <a:p>
             <a:pPr marL="457200" lvl="0" indent="-342900" algn="l" rtl="0">
@@ -14328,10 +14257,10 @@
               <a:buChar char="●"/>
             </a:pPr>
             <a:r>
-              <a:rPr lang="en"/>
+              <a:rPr lang="en" dirty="0"/>
               <a:t>Stored XSS requires the victim to load the page with injected JavaScript</a:t>
             </a:r>
-            <a:endParaRPr/>
+            <a:endParaRPr dirty="0"/>
           </a:p>
         </p:txBody>
       </p:sp>
@@ -14418,7 +14347,7 @@
                                         <p:tgtEl>
                                           <p:spTgt spid="222">
                                             <p:txEl>
-                                              <p:pRg st="0" end="0"/>
+                                              <p:pRg st="1" end="1"/>
                                             </p:txEl>
                                           </p:spTgt>
                                         </p:tgtEl>
@@ -14467,7 +14396,7 @@
                                         <p:tgtEl>
                                           <p:spTgt spid="222">
                                             <p:txEl>
-                                              <p:pRg st="1" end="1"/>
+                                              <p:pRg st="2" end="2"/>
                                             </p:txEl>
                                           </p:spTgt>
                                         </p:tgtEl>
@@ -14516,7 +14445,7 @@
                                         <p:tgtEl>
                                           <p:spTgt spid="222">
                                             <p:txEl>
-                                              <p:pRg st="2" end="2"/>
+                                              <p:pRg st="3" end="3"/>
                                             </p:txEl>
                                           </p:spTgt>
                                         </p:tgtEl>
@@ -14565,7 +14494,7 @@
                                         <p:tgtEl>
                                           <p:spTgt spid="222">
                                             <p:txEl>
-                                              <p:pRg st="3" end="3"/>
+                                              <p:pRg st="4" end="4"/>
                                             </p:txEl>
                                           </p:spTgt>
                                         </p:tgtEl>
@@ -14607,55 +14536,6 @@
                                     <p:set>
                                       <p:cBhvr>
                                         <p:cTn id="22" dur="1" fill="hold">
-                                          <p:stCondLst>
-                                            <p:cond delay="0"/>
-                                          </p:stCondLst>
-                                        </p:cTn>
-                                        <p:tgtEl>
-                                          <p:spTgt spid="222">
-                                            <p:txEl>
-                                              <p:pRg st="4" end="4"/>
-                                            </p:txEl>
-                                          </p:spTgt>
-                                        </p:tgtEl>
-                                        <p:attrNameLst>
-                                          <p:attrName>style.visibility</p:attrName>
-                                        </p:attrNameLst>
-                                      </p:cBhvr>
-                                      <p:to>
-                                        <p:strVal val="visible"/>
-                                      </p:to>
-                                    </p:set>
-                                  </p:childTnLst>
-                                </p:cTn>
-                              </p:par>
-                            </p:childTnLst>
-                          </p:cTn>
-                        </p:par>
-                      </p:childTnLst>
-                    </p:cTn>
-                  </p:par>
-                  <p:par>
-                    <p:cTn id="23" fill="hold">
-                      <p:stCondLst>
-                        <p:cond delay="indefinite"/>
-                      </p:stCondLst>
-                      <p:childTnLst>
-                        <p:par>
-                          <p:cTn id="24" fill="hold">
-                            <p:stCondLst>
-                              <p:cond delay="0"/>
-                            </p:stCondLst>
-                            <p:childTnLst>
-                              <p:par>
-                                <p:cTn id="25" presetID="1" presetClass="entr" presetSubtype="0" fill="hold" nodeType="clickEffect">
-                                  <p:stCondLst>
-                                    <p:cond delay="0"/>
-                                  </p:stCondLst>
-                                  <p:childTnLst>
-                                    <p:set>
-                                      <p:cBhvr>
-                                        <p:cTn id="26" dur="1" fill="hold">
                                           <p:stCondLst>
                                             <p:cond delay="0"/>
                                           </p:stCondLst>
@@ -16101,7 +15981,7 @@
                                         <p:tgtEl>
                                           <p:spTgt spid="254">
                                             <p:txEl>
-                                              <p:pRg st="0" end="0"/>
+                                              <p:pRg st="1" end="1"/>
                                             </p:txEl>
                                           </p:spTgt>
                                         </p:tgtEl>
@@ -16116,26 +15996,39 @@
                                   </p:childTnLst>
                                 </p:cTn>
                               </p:par>
-                            </p:childTnLst>
-                          </p:cTn>
-                        </p:par>
-                      </p:childTnLst>
-                    </p:cTn>
-                  </p:par>
-                  <p:par>
-                    <p:cTn id="7" fill="hold">
-                      <p:stCondLst>
-                        <p:cond delay="indefinite"/>
-                      </p:stCondLst>
-                      <p:childTnLst>
-                        <p:par>
-                          <p:cTn id="8" fill="hold">
-                            <p:stCondLst>
-                              <p:cond delay="0"/>
-                            </p:stCondLst>
-                            <p:childTnLst>
                               <p:par>
-                                <p:cTn id="9" presetID="1" presetClass="entr" presetSubtype="0" fill="hold" nodeType="clickEffect">
+                                <p:cTn id="7" presetID="1" presetClass="entr" presetSubtype="0" fill="hold" nodeType="withEffect">
+                                  <p:stCondLst>
+                                    <p:cond delay="0"/>
+                                  </p:stCondLst>
+                                  <p:childTnLst>
+                                    <p:set>
+                                      <p:cBhvr>
+                                        <p:cTn id="8" dur="1" fill="hold">
+                                          <p:stCondLst>
+                                            <p:cond delay="0"/>
+                                          </p:stCondLst>
+                                        </p:cTn>
+                                        <p:tgtEl>
+                                          <p:spTgt spid="254">
+                                            <p:txEl>
+                                              <p:pRg st="2" end="2"/>
+                                            </p:txEl>
+                                          </p:spTgt>
+                                        </p:tgtEl>
+                                        <p:attrNameLst>
+                                          <p:attrName>style.visibility</p:attrName>
+                                        </p:attrNameLst>
+                                      </p:cBhvr>
+                                      <p:to>
+                                        <p:strVal val="visible"/>
+                                      </p:to>
+                                    </p:set>
+                                  </p:childTnLst>
+                                </p:cTn>
+                              </p:par>
+                              <p:par>
+                                <p:cTn id="9" presetID="1" presetClass="entr" presetSubtype="0" fill="hold" nodeType="withEffect">
                                   <p:stCondLst>
                                     <p:cond delay="0"/>
                                   </p:stCondLst>
@@ -16150,7 +16043,7 @@
                                         <p:tgtEl>
                                           <p:spTgt spid="254">
                                             <p:txEl>
-                                              <p:pRg st="1" end="1"/>
+                                              <p:pRg st="3" end="3"/>
                                             </p:txEl>
                                           </p:spTgt>
                                         </p:tgtEl>
@@ -16192,104 +16085,6 @@
                                     <p:set>
                                       <p:cBhvr>
                                         <p:cTn id="14" dur="1" fill="hold">
-                                          <p:stCondLst>
-                                            <p:cond delay="0"/>
-                                          </p:stCondLst>
-                                        </p:cTn>
-                                        <p:tgtEl>
-                                          <p:spTgt spid="254">
-                                            <p:txEl>
-                                              <p:pRg st="2" end="2"/>
-                                            </p:txEl>
-                                          </p:spTgt>
-                                        </p:tgtEl>
-                                        <p:attrNameLst>
-                                          <p:attrName>style.visibility</p:attrName>
-                                        </p:attrNameLst>
-                                      </p:cBhvr>
-                                      <p:to>
-                                        <p:strVal val="visible"/>
-                                      </p:to>
-                                    </p:set>
-                                  </p:childTnLst>
-                                </p:cTn>
-                              </p:par>
-                            </p:childTnLst>
-                          </p:cTn>
-                        </p:par>
-                      </p:childTnLst>
-                    </p:cTn>
-                  </p:par>
-                  <p:par>
-                    <p:cTn id="15" fill="hold">
-                      <p:stCondLst>
-                        <p:cond delay="indefinite"/>
-                      </p:stCondLst>
-                      <p:childTnLst>
-                        <p:par>
-                          <p:cTn id="16" fill="hold">
-                            <p:stCondLst>
-                              <p:cond delay="0"/>
-                            </p:stCondLst>
-                            <p:childTnLst>
-                              <p:par>
-                                <p:cTn id="17" presetID="1" presetClass="entr" presetSubtype="0" fill="hold" nodeType="clickEffect">
-                                  <p:stCondLst>
-                                    <p:cond delay="0"/>
-                                  </p:stCondLst>
-                                  <p:childTnLst>
-                                    <p:set>
-                                      <p:cBhvr>
-                                        <p:cTn id="18" dur="1" fill="hold">
-                                          <p:stCondLst>
-                                            <p:cond delay="0"/>
-                                          </p:stCondLst>
-                                        </p:cTn>
-                                        <p:tgtEl>
-                                          <p:spTgt spid="254">
-                                            <p:txEl>
-                                              <p:pRg st="3" end="3"/>
-                                            </p:txEl>
-                                          </p:spTgt>
-                                        </p:tgtEl>
-                                        <p:attrNameLst>
-                                          <p:attrName>style.visibility</p:attrName>
-                                        </p:attrNameLst>
-                                      </p:cBhvr>
-                                      <p:to>
-                                        <p:strVal val="visible"/>
-                                      </p:to>
-                                    </p:set>
-                                  </p:childTnLst>
-                                </p:cTn>
-                              </p:par>
-                            </p:childTnLst>
-                          </p:cTn>
-                        </p:par>
-                      </p:childTnLst>
-                    </p:cTn>
-                  </p:par>
-                  <p:par>
-                    <p:cTn id="19" fill="hold">
-                      <p:stCondLst>
-                        <p:cond delay="indefinite"/>
-                      </p:stCondLst>
-                      <p:childTnLst>
-                        <p:par>
-                          <p:cTn id="20" fill="hold">
-                            <p:stCondLst>
-                              <p:cond delay="0"/>
-                            </p:stCondLst>
-                            <p:childTnLst>
-                              <p:par>
-                                <p:cTn id="21" presetID="1" presetClass="entr" presetSubtype="0" fill="hold" nodeType="clickEffect">
-                                  <p:stCondLst>
-                                    <p:cond delay="0"/>
-                                  </p:stCondLst>
-                                  <p:childTnLst>
-                                    <p:set>
-                                      <p:cBhvr>
-                                        <p:cTn id="22" dur="1" fill="hold">
                                           <p:stCondLst>
                                             <p:cond delay="0"/>
                                           </p:stCondLst>
@@ -18117,11 +17912,7 @@
             </a:r>
             <a:r>
               <a:rPr lang="en" dirty="0"/>
-              <a:t> both require the victim to make a request to a </a:t>
-            </a:r>
-            <a:r>
-              <a:rPr lang="en" dirty="0" err="1"/>
-              <a:t>lnk</a:t>
+              <a:t> both require the victim to make a request to a link</a:t>
             </a:r>
             <a:endParaRPr dirty="0"/>
           </a:p>
@@ -18432,7 +18223,7 @@
         </p:spPr>
         <p:txBody>
           <a:bodyPr spcFirstLastPara="1" wrap="square" lIns="91425" tIns="91425" rIns="91425" bIns="91425" anchor="t" anchorCtr="0">
-            <a:normAutofit lnSpcReduction="10000"/>
+            <a:normAutofit/>
           </a:bodyPr>
           <a:lstStyle/>
           <a:p>
@@ -18649,23 +18440,6 @@
             <a:r>
               <a:rPr lang="en" dirty="0"/>
               <a:t>And many more!</a:t>
-            </a:r>
-            <a:endParaRPr dirty="0"/>
-          </a:p>
-          <a:p>
-            <a:pPr marL="1371600" lvl="2" indent="-317500" algn="l" rtl="0">
-              <a:spcBef>
-                <a:spcPts val="0"/>
-              </a:spcBef>
-              <a:spcAft>
-                <a:spcPts val="0"/>
-              </a:spcAft>
-              <a:buSzPts val="1400"/>
-              <a:buChar char="■"/>
-            </a:pPr>
-            <a:r>
-              <a:rPr lang="en" dirty="0"/>
-              <a:t>It is important to escape all dangerous characters (lists of them can be found), or you will still be vulnerable!</a:t>
             </a:r>
             <a:endParaRPr dirty="0"/>
           </a:p>
@@ -19144,15 +18918,33 @@
                                   </p:childTnLst>
                                 </p:cTn>
                               </p:par>
+                            </p:childTnLst>
+                          </p:cTn>
+                        </p:par>
+                      </p:childTnLst>
+                    </p:cTn>
+                  </p:par>
+                  <p:par>
+                    <p:cTn id="19" fill="hold">
+                      <p:stCondLst>
+                        <p:cond delay="indefinite"/>
+                      </p:stCondLst>
+                      <p:childTnLst>
+                        <p:par>
+                          <p:cTn id="20" fill="hold">
+                            <p:stCondLst>
+                              <p:cond delay="0"/>
+                            </p:stCondLst>
+                            <p:childTnLst>
                               <p:par>
-                                <p:cTn id="19" presetID="1" presetClass="entr" presetSubtype="0" fill="hold" nodeType="withEffect">
+                                <p:cTn id="21" presetID="1" presetClass="entr" presetSubtype="0" fill="hold" nodeType="clickEffect">
                                   <p:stCondLst>
                                     <p:cond delay="0"/>
                                   </p:stCondLst>
                                   <p:childTnLst>
                                     <p:set>
                                       <p:cBhvr>
-                                        <p:cTn id="20" dur="1" fill="hold">
+                                        <p:cTn id="22" dur="1" fill="hold">
                                           <p:stCondLst>
                                             <p:cond delay="0"/>
                                           </p:stCondLst>
@@ -19182,75 +18974,26 @@
                     </p:cTn>
                   </p:par>
                   <p:par>
-                    <p:cTn id="21" fill="hold">
+                    <p:cTn id="23" fill="hold">
                       <p:stCondLst>
                         <p:cond delay="indefinite"/>
                       </p:stCondLst>
                       <p:childTnLst>
                         <p:par>
-                          <p:cTn id="22" fill="hold">
+                          <p:cTn id="24" fill="hold">
                             <p:stCondLst>
                               <p:cond delay="0"/>
                             </p:stCondLst>
                             <p:childTnLst>
                               <p:par>
-                                <p:cTn id="23" presetID="1" presetClass="entr" presetSubtype="0" fill="hold" nodeType="clickEffect">
+                                <p:cTn id="25" presetID="1" presetClass="entr" presetSubtype="0" fill="hold" nodeType="clickEffect">
                                   <p:stCondLst>
                                     <p:cond delay="0"/>
                                   </p:stCondLst>
                                   <p:childTnLst>
                                     <p:set>
                                       <p:cBhvr>
-                                        <p:cTn id="24" dur="1" fill="hold">
-                                          <p:stCondLst>
-                                            <p:cond delay="0"/>
-                                          </p:stCondLst>
-                                        </p:cTn>
-                                        <p:tgtEl>
-                                          <p:spTgt spid="335">
-                                            <p:txEl>
-                                              <p:pRg st="7" end="7"/>
-                                            </p:txEl>
-                                          </p:spTgt>
-                                        </p:tgtEl>
-                                        <p:attrNameLst>
-                                          <p:attrName>style.visibility</p:attrName>
-                                        </p:attrNameLst>
-                                      </p:cBhvr>
-                                      <p:to>
-                                        <p:strVal val="visible"/>
-                                      </p:to>
-                                    </p:set>
-                                  </p:childTnLst>
-                                </p:cTn>
-                              </p:par>
-                            </p:childTnLst>
-                          </p:cTn>
-                        </p:par>
-                      </p:childTnLst>
-                    </p:cTn>
-                  </p:par>
-                  <p:par>
-                    <p:cTn id="25" fill="hold">
-                      <p:stCondLst>
-                        <p:cond delay="indefinite"/>
-                      </p:stCondLst>
-                      <p:childTnLst>
-                        <p:par>
-                          <p:cTn id="26" fill="hold">
-                            <p:stCondLst>
-                              <p:cond delay="0"/>
-                            </p:stCondLst>
-                            <p:childTnLst>
-                              <p:par>
-                                <p:cTn id="27" presetID="1" presetClass="entr" presetSubtype="0" fill="hold" nodeType="clickEffect">
-                                  <p:stCondLst>
-                                    <p:cond delay="0"/>
-                                  </p:stCondLst>
-                                  <p:childTnLst>
-                                    <p:set>
-                                      <p:cBhvr>
-                                        <p:cTn id="28" dur="1" fill="hold">
+                                        <p:cTn id="26" dur="1" fill="hold">
                                           <p:stCondLst>
                                             <p:cond delay="0"/>
                                           </p:stCondLst>
@@ -20238,793 +19981,6 @@
   <p:cSld>
     <p:spTree>
       <p:nvGrpSpPr>
-        <p:cNvPr id="1" name="Shape 353"/>
-        <p:cNvGrpSpPr/>
-        <p:nvPr/>
-      </p:nvGrpSpPr>
-      <p:grpSpPr>
-        <a:xfrm>
-          <a:off x="0" y="0"/>
-          <a:ext cx="0" cy="0"/>
-          <a:chOff x="0" y="0"/>
-          <a:chExt cx="0" cy="0"/>
-        </a:xfrm>
-      </p:grpSpPr>
-      <p:sp>
-        <p:nvSpPr>
-          <p:cNvPr id="354" name="Google Shape;354;p44"/>
-          <p:cNvSpPr txBox="1">
-            <a:spLocks noGrp="1"/>
-          </p:cNvSpPr>
-          <p:nvPr>
-            <p:ph type="sldNum" idx="12"/>
-          </p:nvPr>
-        </p:nvSpPr>
-        <p:spPr>
-          <a:xfrm>
-            <a:off x="8472458" y="4663217"/>
-            <a:ext cx="548700" cy="393600"/>
-          </a:xfrm>
-          <a:prstGeom prst="rect">
-            <a:avLst/>
-          </a:prstGeom>
-        </p:spPr>
-        <p:txBody>
-          <a:bodyPr spcFirstLastPara="1" wrap="square" lIns="91425" tIns="91425" rIns="91425" bIns="91425" anchor="ctr" anchorCtr="0">
-            <a:normAutofit/>
-          </a:bodyPr>
-          <a:lstStyle/>
-          <a:p>
-            <a:pPr marL="0" lvl="0" indent="0" algn="r" rtl="0">
-              <a:spcBef>
-                <a:spcPts val="0"/>
-              </a:spcBef>
-              <a:spcAft>
-                <a:spcPts val="0"/>
-              </a:spcAft>
-              <a:buNone/>
-            </a:pPr>
-            <a:fld id="{00000000-1234-1234-1234-123412341234}" type="slidenum">
-              <a:rPr lang="en"/>
-              <a:t>21</a:t>
-            </a:fld>
-            <a:endParaRPr/>
-          </a:p>
-        </p:txBody>
-      </p:sp>
-      <p:sp>
-        <p:nvSpPr>
-          <p:cNvPr id="355" name="Google Shape;355;p44"/>
-          <p:cNvSpPr txBox="1">
-            <a:spLocks noGrp="1"/>
-          </p:cNvSpPr>
-          <p:nvPr>
-            <p:ph type="body" idx="1"/>
-          </p:nvPr>
-        </p:nvSpPr>
-        <p:spPr>
-          <a:xfrm>
-            <a:off x="198500" y="1246825"/>
-            <a:ext cx="5142600" cy="3765600"/>
-          </a:xfrm>
-          <a:prstGeom prst="rect">
-            <a:avLst/>
-          </a:prstGeom>
-        </p:spPr>
-        <p:txBody>
-          <a:bodyPr spcFirstLastPara="1" wrap="square" lIns="91425" tIns="91425" rIns="91425" bIns="91425" anchor="t" anchorCtr="0">
-            <a:normAutofit/>
-          </a:bodyPr>
-          <a:lstStyle/>
-          <a:p>
-            <a:pPr marL="457200" lvl="0" indent="-342900" algn="l" rtl="0">
-              <a:spcBef>
-                <a:spcPts val="0"/>
-              </a:spcBef>
-              <a:spcAft>
-                <a:spcPts val="0"/>
-              </a:spcAft>
-              <a:buSzPts val="1800"/>
-              <a:buChar char="●"/>
-            </a:pPr>
-            <a:r>
-              <a:rPr lang="en" dirty="0"/>
-              <a:t>If a programmer has to take an action for every usage…</a:t>
-            </a:r>
-            <a:endParaRPr dirty="0"/>
-          </a:p>
-          <a:p>
-            <a:pPr marL="914400" lvl="1" indent="-317500" algn="l" rtl="0">
-              <a:spcBef>
-                <a:spcPts val="0"/>
-              </a:spcBef>
-              <a:spcAft>
-                <a:spcPts val="0"/>
-              </a:spcAft>
-              <a:buSzPts val="1400"/>
-              <a:buChar char="○"/>
-            </a:pPr>
-            <a:r>
-              <a:rPr lang="en" dirty="0"/>
-              <a:t>They are </a:t>
-            </a:r>
-            <a:r>
-              <a:rPr lang="en" i="1" dirty="0"/>
-              <a:t>going</a:t>
-            </a:r>
-            <a:r>
-              <a:rPr lang="en" dirty="0"/>
-              <a:t> to screw up (e.g. </a:t>
-            </a:r>
-            <a:r>
-              <a:rPr lang="en" dirty="0" err="1"/>
-              <a:t>CalNet</a:t>
-            </a:r>
-            <a:r>
-              <a:rPr lang="en" dirty="0"/>
-              <a:t>)</a:t>
-            </a:r>
-            <a:endParaRPr dirty="0"/>
-          </a:p>
-          <a:p>
-            <a:pPr marL="914400" lvl="1" indent="-317500" algn="l" rtl="0">
-              <a:spcBef>
-                <a:spcPts val="0"/>
-              </a:spcBef>
-              <a:spcAft>
-                <a:spcPts val="0"/>
-              </a:spcAft>
-              <a:buSzPts val="1400"/>
-              <a:buChar char="○"/>
-            </a:pPr>
-            <a:r>
-              <a:rPr lang="en" dirty="0"/>
-              <a:t>Recall: Consider human factors!</a:t>
-            </a:r>
-            <a:endParaRPr dirty="0"/>
-          </a:p>
-          <a:p>
-            <a:pPr marL="457200" lvl="0" indent="-342900" algn="l" rtl="0">
-              <a:spcBef>
-                <a:spcPts val="0"/>
-              </a:spcBef>
-              <a:spcAft>
-                <a:spcPts val="0"/>
-              </a:spcAft>
-              <a:buSzPts val="1800"/>
-              <a:buChar char="●"/>
-            </a:pPr>
-            <a:r>
-              <a:rPr lang="en" dirty="0"/>
-              <a:t>Nowadays, escaping is generally achieved through </a:t>
-            </a:r>
-            <a:r>
-              <a:rPr lang="en" b="1" dirty="0"/>
-              <a:t>templating</a:t>
-            </a:r>
-            <a:endParaRPr b="1" dirty="0"/>
-          </a:p>
-          <a:p>
-            <a:pPr marL="914400" lvl="1" indent="-317500" algn="l" rtl="0">
-              <a:spcBef>
-                <a:spcPts val="0"/>
-              </a:spcBef>
-              <a:spcAft>
-                <a:spcPts val="0"/>
-              </a:spcAft>
-              <a:buSzPts val="1400"/>
-              <a:buChar char="○"/>
-            </a:pPr>
-            <a:r>
-              <a:rPr lang="en" dirty="0"/>
-              <a:t>HTML templates are essentially their own language, where you declare what data goes where</a:t>
-            </a:r>
-            <a:endParaRPr dirty="0"/>
-          </a:p>
-          <a:p>
-            <a:pPr marL="914400" lvl="1" indent="-317500" algn="l" rtl="0">
-              <a:spcBef>
-                <a:spcPts val="0"/>
-              </a:spcBef>
-              <a:spcAft>
-                <a:spcPts val="0"/>
-              </a:spcAft>
-              <a:buSzPts val="1400"/>
-              <a:buChar char="○"/>
-            </a:pPr>
-            <a:r>
-              <a:rPr lang="en" dirty="0"/>
-              <a:t>The templating engine handles all the escaping internally</a:t>
-            </a:r>
-            <a:endParaRPr dirty="0"/>
-          </a:p>
-          <a:p>
-            <a:pPr marL="914400" lvl="1" indent="-317500" algn="l" rtl="0">
-              <a:spcBef>
-                <a:spcPts val="0"/>
-              </a:spcBef>
-              <a:spcAft>
-                <a:spcPts val="0"/>
-              </a:spcAft>
-              <a:buSzPts val="1400"/>
-              <a:buChar char="○"/>
-            </a:pPr>
-            <a:r>
-              <a:rPr lang="en" dirty="0"/>
-              <a:t>The HTTP library gets very angry if you don’t use templates</a:t>
-            </a:r>
-            <a:endParaRPr dirty="0"/>
-          </a:p>
-        </p:txBody>
-      </p:sp>
-      <p:sp>
-        <p:nvSpPr>
-          <p:cNvPr id="356" name="Google Shape;356;p44"/>
-          <p:cNvSpPr txBox="1">
-            <a:spLocks noGrp="1"/>
-          </p:cNvSpPr>
-          <p:nvPr>
-            <p:ph type="title"/>
-          </p:nvPr>
-        </p:nvSpPr>
-        <p:spPr>
-          <a:xfrm>
-            <a:off x="102700" y="270875"/>
-            <a:ext cx="8520600" cy="572700"/>
-          </a:xfrm>
-          <a:prstGeom prst="rect">
-            <a:avLst/>
-          </a:prstGeom>
-        </p:spPr>
-        <p:txBody>
-          <a:bodyPr spcFirstLastPara="1" wrap="square" lIns="91425" tIns="91425" rIns="91425" bIns="91425" anchor="t" anchorCtr="0">
-            <a:normAutofit fontScale="90000"/>
-          </a:bodyPr>
-          <a:lstStyle/>
-          <a:p>
-            <a:pPr marL="0" lvl="0" indent="0" algn="l" rtl="0">
-              <a:spcBef>
-                <a:spcPts val="0"/>
-              </a:spcBef>
-              <a:spcAft>
-                <a:spcPts val="0"/>
-              </a:spcAft>
-              <a:buNone/>
-            </a:pPr>
-            <a:r>
-              <a:rPr lang="en"/>
-              <a:t>XSS Defenses: Escaping</a:t>
-            </a:r>
-            <a:endParaRPr/>
-          </a:p>
-        </p:txBody>
-      </p:sp>
-      <p:grpSp>
-        <p:nvGrpSpPr>
-          <p:cNvPr id="357" name="Google Shape;357;p44"/>
-          <p:cNvGrpSpPr/>
-          <p:nvPr/>
-        </p:nvGrpSpPr>
-        <p:grpSpPr>
-          <a:xfrm>
-            <a:off x="5438550" y="2428650"/>
-            <a:ext cx="3582600" cy="1484900"/>
-            <a:chOff x="5438550" y="2428650"/>
-            <a:chExt cx="3582600" cy="1484900"/>
-          </a:xfrm>
-        </p:grpSpPr>
-        <p:sp>
-          <p:nvSpPr>
-            <p:cNvPr id="358" name="Google Shape;358;p44"/>
-            <p:cNvSpPr txBox="1"/>
-            <p:nvPr/>
-          </p:nvSpPr>
-          <p:spPr>
-            <a:xfrm>
-              <a:off x="5438550" y="2428650"/>
-              <a:ext cx="3582600" cy="954300"/>
-            </a:xfrm>
-            <a:prstGeom prst="rect">
-              <a:avLst/>
-            </a:prstGeom>
-            <a:solidFill>
-              <a:schemeClr val="lt1"/>
-            </a:solidFill>
-            <a:ln w="19050" cap="flat" cmpd="sng">
-              <a:solidFill>
-                <a:srgbClr val="000000"/>
-              </a:solidFill>
-              <a:prstDash val="solid"/>
-              <a:round/>
-              <a:headEnd type="none" w="sm" len="sm"/>
-              <a:tailEnd type="none" w="sm" len="sm"/>
-            </a:ln>
-          </p:spPr>
-          <p:txBody>
-            <a:bodyPr spcFirstLastPara="1" wrap="square" lIns="91425" tIns="91425" rIns="91425" bIns="91425" anchor="t" anchorCtr="0">
-              <a:spAutoFit/>
-            </a:bodyPr>
-            <a:lstStyle/>
-            <a:p>
-              <a:pPr marL="0" lvl="0" indent="0" algn="l" rtl="0">
-                <a:spcBef>
-                  <a:spcPts val="0"/>
-                </a:spcBef>
-                <a:spcAft>
-                  <a:spcPts val="0"/>
-                </a:spcAft>
-                <a:buNone/>
-              </a:pPr>
-              <a:r>
-                <a:rPr lang="en" sz="1000" b="1">
-                  <a:latin typeface="Courier New"/>
-                  <a:ea typeface="Courier New"/>
-                  <a:cs typeface="Courier New"/>
-                  <a:sym typeface="Courier New"/>
-                </a:rPr>
-                <a:t>&lt;html&gt;</a:t>
-              </a:r>
-              <a:endParaRPr sz="1000" b="1">
-                <a:latin typeface="Courier New"/>
-                <a:ea typeface="Courier New"/>
-                <a:cs typeface="Courier New"/>
-                <a:sym typeface="Courier New"/>
-              </a:endParaRPr>
-            </a:p>
-            <a:p>
-              <a:pPr marL="0" lvl="0" indent="0" algn="l" rtl="0">
-                <a:spcBef>
-                  <a:spcPts val="0"/>
-                </a:spcBef>
-                <a:spcAft>
-                  <a:spcPts val="0"/>
-                </a:spcAft>
-                <a:buNone/>
-              </a:pPr>
-              <a:r>
-                <a:rPr lang="en" sz="1000" b="1">
-                  <a:latin typeface="Courier New"/>
-                  <a:ea typeface="Courier New"/>
-                  <a:cs typeface="Courier New"/>
-                  <a:sym typeface="Courier New"/>
-                </a:rPr>
-                <a:t>&lt;body&gt;</a:t>
-              </a:r>
-              <a:endParaRPr sz="1000" b="1">
-                <a:latin typeface="Courier New"/>
-                <a:ea typeface="Courier New"/>
-                <a:cs typeface="Courier New"/>
-                <a:sym typeface="Courier New"/>
-              </a:endParaRPr>
-            </a:p>
-            <a:p>
-              <a:pPr marL="0" lvl="0" indent="0" algn="l" rtl="0">
-                <a:spcBef>
-                  <a:spcPts val="0"/>
-                </a:spcBef>
-                <a:spcAft>
-                  <a:spcPts val="0"/>
-                </a:spcAft>
-                <a:buNone/>
-              </a:pPr>
-              <a:r>
-                <a:rPr lang="en" sz="1000" b="1">
-                  <a:latin typeface="Courier New"/>
-                  <a:ea typeface="Courier New"/>
-                  <a:cs typeface="Courier New"/>
-                  <a:sym typeface="Courier New"/>
-                </a:rPr>
-                <a:t>Hello </a:t>
-              </a:r>
-              <a:r>
-                <a:rPr lang="en" sz="1000" b="1">
-                  <a:solidFill>
-                    <a:srgbClr val="FF0000"/>
-                  </a:solidFill>
-                  <a:latin typeface="Courier New"/>
-                  <a:ea typeface="Courier New"/>
-                  <a:cs typeface="Courier New"/>
-                  <a:sym typeface="Courier New"/>
-                </a:rPr>
-                <a:t>{{.name}}</a:t>
-              </a:r>
-              <a:r>
-                <a:rPr lang="en" sz="1000" b="1">
-                  <a:latin typeface="Courier New"/>
-                  <a:ea typeface="Courier New"/>
-                  <a:cs typeface="Courier New"/>
-                  <a:sym typeface="Courier New"/>
-                </a:rPr>
-                <a:t>!</a:t>
-              </a:r>
-              <a:endParaRPr sz="1000" b="1">
-                <a:latin typeface="Courier New"/>
-                <a:ea typeface="Courier New"/>
-                <a:cs typeface="Courier New"/>
-                <a:sym typeface="Courier New"/>
-              </a:endParaRPr>
-            </a:p>
-            <a:p>
-              <a:pPr marL="0" lvl="0" indent="0" algn="l" rtl="0">
-                <a:spcBef>
-                  <a:spcPts val="0"/>
-                </a:spcBef>
-                <a:spcAft>
-                  <a:spcPts val="0"/>
-                </a:spcAft>
-                <a:buNone/>
-              </a:pPr>
-              <a:r>
-                <a:rPr lang="en" sz="1000" b="1">
-                  <a:latin typeface="Courier New"/>
-                  <a:ea typeface="Courier New"/>
-                  <a:cs typeface="Courier New"/>
-                  <a:sym typeface="Courier New"/>
-                </a:rPr>
-                <a:t>&lt;/body&gt;</a:t>
-              </a:r>
-              <a:endParaRPr sz="1000" b="1">
-                <a:latin typeface="Courier New"/>
-                <a:ea typeface="Courier New"/>
-                <a:cs typeface="Courier New"/>
-                <a:sym typeface="Courier New"/>
-              </a:endParaRPr>
-            </a:p>
-            <a:p>
-              <a:pPr marL="0" lvl="0" indent="0" algn="l" rtl="0">
-                <a:spcBef>
-                  <a:spcPts val="0"/>
-                </a:spcBef>
-                <a:spcAft>
-                  <a:spcPts val="0"/>
-                </a:spcAft>
-                <a:buNone/>
-              </a:pPr>
-              <a:r>
-                <a:rPr lang="en" sz="1000" b="1">
-                  <a:latin typeface="Courier New"/>
-                  <a:ea typeface="Courier New"/>
-                  <a:cs typeface="Courier New"/>
-                  <a:sym typeface="Courier New"/>
-                </a:rPr>
-                <a:t>&lt;/html&gt;</a:t>
-              </a:r>
-              <a:endParaRPr sz="1000" b="1">
-                <a:latin typeface="Courier New"/>
-                <a:ea typeface="Courier New"/>
-                <a:cs typeface="Courier New"/>
-                <a:sym typeface="Courier New"/>
-              </a:endParaRPr>
-            </a:p>
-          </p:txBody>
-        </p:sp>
-        <p:sp>
-          <p:nvSpPr>
-            <p:cNvPr id="359" name="Google Shape;359;p44"/>
-            <p:cNvSpPr txBox="1"/>
-            <p:nvPr/>
-          </p:nvSpPr>
-          <p:spPr>
-            <a:xfrm>
-              <a:off x="5641950" y="3513350"/>
-              <a:ext cx="3175800" cy="400200"/>
-            </a:xfrm>
-            <a:prstGeom prst="rect">
-              <a:avLst/>
-            </a:prstGeom>
-            <a:noFill/>
-            <a:ln>
-              <a:noFill/>
-            </a:ln>
-          </p:spPr>
-          <p:txBody>
-            <a:bodyPr spcFirstLastPara="1" wrap="square" lIns="91425" tIns="91425" rIns="91425" bIns="91425" anchor="t" anchorCtr="0">
-              <a:spAutoFit/>
-            </a:bodyPr>
-            <a:lstStyle/>
-            <a:p>
-              <a:pPr marL="0" lvl="0" indent="0" algn="l" rtl="0">
-                <a:spcBef>
-                  <a:spcPts val="0"/>
-                </a:spcBef>
-                <a:spcAft>
-                  <a:spcPts val="0"/>
-                </a:spcAft>
-                <a:buNone/>
-              </a:pPr>
-              <a:r>
-                <a:rPr lang="en"/>
-                <a:t>Example: Golang HTML template</a:t>
-              </a:r>
-              <a:endParaRPr/>
-            </a:p>
-          </p:txBody>
-        </p:sp>
-      </p:grpSp>
-    </p:spTree>
-  </p:cSld>
-  <p:clrMapOvr>
-    <a:masterClrMapping/>
-  </p:clrMapOvr>
-  <p:timing>
-    <p:tnLst>
-      <p:par>
-        <p:cTn id="1" dur="indefinite" restart="never" nodeType="tmRoot">
-          <p:childTnLst>
-            <p:seq concurrent="1" nextAc="seek">
-              <p:cTn id="2" dur="indefinite" nodeType="mainSeq">
-                <p:childTnLst>
-                  <p:par>
-                    <p:cTn id="3" fill="hold">
-                      <p:stCondLst>
-                        <p:cond delay="indefinite"/>
-                      </p:stCondLst>
-                      <p:childTnLst>
-                        <p:par>
-                          <p:cTn id="4" fill="hold">
-                            <p:stCondLst>
-                              <p:cond delay="0"/>
-                            </p:stCondLst>
-                            <p:childTnLst>
-                              <p:par>
-                                <p:cTn id="5" presetID="1" presetClass="entr" presetSubtype="0" fill="hold" nodeType="clickEffect">
-                                  <p:stCondLst>
-                                    <p:cond delay="0"/>
-                                  </p:stCondLst>
-                                  <p:childTnLst>
-                                    <p:set>
-                                      <p:cBhvr>
-                                        <p:cTn id="6" dur="1" fill="hold">
-                                          <p:stCondLst>
-                                            <p:cond delay="0"/>
-                                          </p:stCondLst>
-                                        </p:cTn>
-                                        <p:tgtEl>
-                                          <p:spTgt spid="355">
-                                            <p:txEl>
-                                              <p:pRg st="3" end="3"/>
-                                            </p:txEl>
-                                          </p:spTgt>
-                                        </p:tgtEl>
-                                        <p:attrNameLst>
-                                          <p:attrName>style.visibility</p:attrName>
-                                        </p:attrNameLst>
-                                      </p:cBhvr>
-                                      <p:to>
-                                        <p:strVal val="visible"/>
-                                      </p:to>
-                                    </p:set>
-                                  </p:childTnLst>
-                                </p:cTn>
-                              </p:par>
-                            </p:childTnLst>
-                          </p:cTn>
-                        </p:par>
-                      </p:childTnLst>
-                    </p:cTn>
-                  </p:par>
-                  <p:par>
-                    <p:cTn id="7" fill="hold">
-                      <p:stCondLst>
-                        <p:cond delay="indefinite"/>
-                      </p:stCondLst>
-                      <p:childTnLst>
-                        <p:par>
-                          <p:cTn id="8" fill="hold">
-                            <p:stCondLst>
-                              <p:cond delay="0"/>
-                            </p:stCondLst>
-                            <p:childTnLst>
-                              <p:par>
-                                <p:cTn id="9" presetID="1" presetClass="entr" presetSubtype="0" fill="hold" nodeType="clickEffect">
-                                  <p:stCondLst>
-                                    <p:cond delay="0"/>
-                                  </p:stCondLst>
-                                  <p:childTnLst>
-                                    <p:set>
-                                      <p:cBhvr>
-                                        <p:cTn id="10" dur="1" fill="hold">
-                                          <p:stCondLst>
-                                            <p:cond delay="0"/>
-                                          </p:stCondLst>
-                                        </p:cTn>
-                                        <p:tgtEl>
-                                          <p:spTgt spid="355">
-                                            <p:txEl>
-                                              <p:pRg st="4" end="4"/>
-                                            </p:txEl>
-                                          </p:spTgt>
-                                        </p:tgtEl>
-                                        <p:attrNameLst>
-                                          <p:attrName>style.visibility</p:attrName>
-                                        </p:attrNameLst>
-                                      </p:cBhvr>
-                                      <p:to>
-                                        <p:strVal val="visible"/>
-                                      </p:to>
-                                    </p:set>
-                                  </p:childTnLst>
-                                </p:cTn>
-                              </p:par>
-                            </p:childTnLst>
-                          </p:cTn>
-                        </p:par>
-                      </p:childTnLst>
-                    </p:cTn>
-                  </p:par>
-                  <p:par>
-                    <p:cTn id="11" fill="hold">
-                      <p:stCondLst>
-                        <p:cond delay="indefinite"/>
-                      </p:stCondLst>
-                      <p:childTnLst>
-                        <p:par>
-                          <p:cTn id="12" fill="hold">
-                            <p:stCondLst>
-                              <p:cond delay="0"/>
-                            </p:stCondLst>
-                            <p:childTnLst>
-                              <p:par>
-                                <p:cTn id="13" presetID="1" presetClass="entr" presetSubtype="0" fill="hold" nodeType="clickEffect">
-                                  <p:stCondLst>
-                                    <p:cond delay="0"/>
-                                  </p:stCondLst>
-                                  <p:childTnLst>
-                                    <p:set>
-                                      <p:cBhvr>
-                                        <p:cTn id="14" dur="1" fill="hold">
-                                          <p:stCondLst>
-                                            <p:cond delay="0"/>
-                                          </p:stCondLst>
-                                        </p:cTn>
-                                        <p:tgtEl>
-                                          <p:spTgt spid="355">
-                                            <p:txEl>
-                                              <p:pRg st="5" end="5"/>
-                                            </p:txEl>
-                                          </p:spTgt>
-                                        </p:tgtEl>
-                                        <p:attrNameLst>
-                                          <p:attrName>style.visibility</p:attrName>
-                                        </p:attrNameLst>
-                                      </p:cBhvr>
-                                      <p:to>
-                                        <p:strVal val="visible"/>
-                                      </p:to>
-                                    </p:set>
-                                  </p:childTnLst>
-                                </p:cTn>
-                              </p:par>
-                            </p:childTnLst>
-                          </p:cTn>
-                        </p:par>
-                      </p:childTnLst>
-                    </p:cTn>
-                  </p:par>
-                  <p:par>
-                    <p:cTn id="15" fill="hold">
-                      <p:stCondLst>
-                        <p:cond delay="indefinite"/>
-                      </p:stCondLst>
-                      <p:childTnLst>
-                        <p:par>
-                          <p:cTn id="16" fill="hold">
-                            <p:stCondLst>
-                              <p:cond delay="0"/>
-                            </p:stCondLst>
-                            <p:childTnLst>
-                              <p:par>
-                                <p:cTn id="17" presetID="1" presetClass="entr" presetSubtype="0" fill="hold" nodeType="clickEffect">
-                                  <p:stCondLst>
-                                    <p:cond delay="0"/>
-                                  </p:stCondLst>
-                                  <p:childTnLst>
-                                    <p:set>
-                                      <p:cBhvr>
-                                        <p:cTn id="18" dur="1" fill="hold">
-                                          <p:stCondLst>
-                                            <p:cond delay="0"/>
-                                          </p:stCondLst>
-                                        </p:cTn>
-                                        <p:tgtEl>
-                                          <p:spTgt spid="355">
-                                            <p:txEl>
-                                              <p:pRg st="6" end="6"/>
-                                            </p:txEl>
-                                          </p:spTgt>
-                                        </p:tgtEl>
-                                        <p:attrNameLst>
-                                          <p:attrName>style.visibility</p:attrName>
-                                        </p:attrNameLst>
-                                      </p:cBhvr>
-                                      <p:to>
-                                        <p:strVal val="visible"/>
-                                      </p:to>
-                                    </p:set>
-                                  </p:childTnLst>
-                                </p:cTn>
-                              </p:par>
-                            </p:childTnLst>
-                          </p:cTn>
-                        </p:par>
-                      </p:childTnLst>
-                    </p:cTn>
-                  </p:par>
-                  <p:par>
-                    <p:cTn id="19" fill="hold">
-                      <p:stCondLst>
-                        <p:cond delay="indefinite"/>
-                      </p:stCondLst>
-                      <p:childTnLst>
-                        <p:par>
-                          <p:cTn id="20" fill="hold">
-                            <p:stCondLst>
-                              <p:cond delay="0"/>
-                            </p:stCondLst>
-                            <p:childTnLst>
-                              <p:par>
-                                <p:cTn id="21" presetID="1" presetClass="entr" presetSubtype="0" fill="hold" nodeType="clickEffect">
-                                  <p:stCondLst>
-                                    <p:cond delay="0"/>
-                                  </p:stCondLst>
-                                  <p:childTnLst>
-                                    <p:set>
-                                      <p:cBhvr>
-                                        <p:cTn id="22" dur="1" fill="hold">
-                                          <p:stCondLst>
-                                            <p:cond delay="0"/>
-                                          </p:stCondLst>
-                                        </p:cTn>
-                                        <p:tgtEl>
-                                          <p:spTgt spid="357"/>
-                                        </p:tgtEl>
-                                        <p:attrNameLst>
-                                          <p:attrName>style.visibility</p:attrName>
-                                        </p:attrNameLst>
-                                      </p:cBhvr>
-                                      <p:to>
-                                        <p:strVal val="visible"/>
-                                      </p:to>
-                                    </p:set>
-                                  </p:childTnLst>
-                                </p:cTn>
-                              </p:par>
-                            </p:childTnLst>
-                          </p:cTn>
-                        </p:par>
-                      </p:childTnLst>
-                    </p:cTn>
-                  </p:par>
-                </p:childTnLst>
-              </p:cTn>
-              <p:prevCondLst>
-                <p:cond evt="onPrev" delay="0">
-                  <p:tgtEl>
-                    <p:sldTgt/>
-                  </p:tgtEl>
-                </p:cond>
-              </p:prevCondLst>
-              <p:nextCondLst>
-                <p:cond evt="onNext" delay="0">
-                  <p:tgtEl>
-                    <p:sldTgt/>
-                  </p:tgtEl>
-                </p:cond>
-              </p:nextCondLst>
-            </p:seq>
-          </p:childTnLst>
-        </p:cTn>
-      </p:par>
-    </p:tnLst>
-  </p:timing>
-</p:sld>
-</file>
-
-<file path=ppt/slides/slide22.xml><?xml version="1.0" encoding="utf-8"?>
-<p:sld xmlns:a="http://schemas.openxmlformats.org/drawingml/2006/main" xmlns:r="http://schemas.openxmlformats.org/officeDocument/2006/relationships" xmlns:p="http://schemas.openxmlformats.org/presentationml/2006/main">
-  <p:cSld>
-    <p:spTree>
-      <p:nvGrpSpPr>
         <p:cNvPr id="1" name="Shape 363"/>
         <p:cNvGrpSpPr/>
         <p:nvPr/>
@@ -21073,7 +20029,7 @@
             </a:pPr>
             <a:fld id="{00000000-1234-1234-1234-123412341234}" type="slidenum">
               <a:rPr lang="en"/>
-              <a:t>22</a:t>
+              <a:t>21</a:t>
             </a:fld>
             <a:endParaRPr/>
           </a:p>
@@ -21763,7 +20719,7 @@
 </p:sld>
 </file>
 
-<file path=ppt/slides/slide23.xml><?xml version="1.0" encoding="utf-8"?>
+<file path=ppt/slides/slide22.xml><?xml version="1.0" encoding="utf-8"?>
 <p:sld xmlns:a="http://schemas.openxmlformats.org/drawingml/2006/main" xmlns:r="http://schemas.openxmlformats.org/officeDocument/2006/relationships" xmlns:p="http://schemas.openxmlformats.org/presentationml/2006/main">
   <p:cSld>
     <p:spTree>
@@ -21858,7 +20814,7 @@
             </a:pPr>
             <a:fld id="{00000000-1234-1234-1234-123412341234}" type="slidenum">
               <a:rPr lang="en"/>
-              <a:t>23</a:t>
+              <a:t>22</a:t>
             </a:fld>
             <a:endParaRPr/>
           </a:p>
@@ -21872,7 +20828,7 @@
 </p:sld>
 </file>
 
-<file path=ppt/slides/slide24.xml><?xml version="1.0" encoding="utf-8"?>
+<file path=ppt/slides/slide23.xml><?xml version="1.0" encoding="utf-8"?>
 <p:sld xmlns:a="http://schemas.openxmlformats.org/drawingml/2006/main" xmlns:r="http://schemas.openxmlformats.org/officeDocument/2006/relationships" xmlns:p="http://schemas.openxmlformats.org/presentationml/2006/main">
   <p:cSld>
     <p:spTree>
@@ -22136,7 +21092,7 @@
             </a:pPr>
             <a:fld id="{00000000-1234-1234-1234-123412341234}" type="slidenum">
               <a:rPr lang="en"/>
-              <a:t>24</a:t>
+              <a:t>23</a:t>
             </a:fld>
             <a:endParaRPr/>
           </a:p>
@@ -22420,7 +21376,7 @@
 </p:sld>
 </file>
 
-<file path=ppt/slides/slide25.xml><?xml version="1.0" encoding="utf-8"?>
+<file path=ppt/slides/slide24.xml><?xml version="1.0" encoding="utf-8"?>
 <p:sld xmlns:a="http://schemas.openxmlformats.org/drawingml/2006/main" xmlns:r="http://schemas.openxmlformats.org/officeDocument/2006/relationships" xmlns:p="http://schemas.openxmlformats.org/presentationml/2006/main">
   <p:cSld>
     <p:spTree>
@@ -22732,7 +21688,7 @@
             </a:pPr>
             <a:fld id="{00000000-1234-1234-1234-123412341234}" type="slidenum">
               <a:rPr lang="en"/>
-              <a:t>25</a:t>
+              <a:t>24</a:t>
             </a:fld>
             <a:endParaRPr/>
           </a:p>
@@ -23140,7 +22096,7 @@
 </p:sld>
 </file>
 
-<file path=ppt/slides/slide26.xml><?xml version="1.0" encoding="utf-8"?>
+<file path=ppt/slides/slide25.xml><?xml version="1.0" encoding="utf-8"?>
 <p:sld xmlns:a="http://schemas.openxmlformats.org/drawingml/2006/main" xmlns:r="http://schemas.openxmlformats.org/officeDocument/2006/relationships" xmlns:p="http://schemas.openxmlformats.org/presentationml/2006/main">
   <p:cSld>
     <p:spTree>
@@ -23295,7 +22251,7 @@
             </a:pPr>
             <a:fld id="{00000000-1234-1234-1234-123412341234}" type="slidenum">
               <a:rPr lang="en"/>
-              <a:t>26</a:t>
+              <a:t>25</a:t>
             </a:fld>
             <a:endParaRPr/>
           </a:p>
@@ -23337,7 +22293,7 @@
 </p:sld>
 </file>
 
-<file path=ppt/slides/slide27.xml><?xml version="1.0" encoding="utf-8"?>
+<file path=ppt/slides/slide26.xml><?xml version="1.0" encoding="utf-8"?>
 <p:sld xmlns:a="http://schemas.openxmlformats.org/drawingml/2006/main" xmlns:r="http://schemas.openxmlformats.org/officeDocument/2006/relationships" xmlns:p="http://schemas.openxmlformats.org/presentationml/2006/main">
   <p:cSld>
     <p:spTree>
@@ -23390,7 +22346,7 @@
             </a:pPr>
             <a:fld id="{00000000-1234-1234-1234-123412341234}" type="slidenum">
               <a:rPr lang="en"/>
-              <a:t>27</a:t>
+              <a:t>26</a:t>
             </a:fld>
             <a:endParaRPr/>
           </a:p>
@@ -23523,7 +22479,7 @@
 </p:sld>
 </file>
 
-<file path=ppt/slides/slide28.xml><?xml version="1.0" encoding="utf-8"?>
+<file path=ppt/slides/slide27.xml><?xml version="1.0" encoding="utf-8"?>
 <p:sld xmlns:a="http://schemas.openxmlformats.org/drawingml/2006/main" xmlns:r="http://schemas.openxmlformats.org/officeDocument/2006/relationships" xmlns:p="http://schemas.openxmlformats.org/presentationml/2006/main">
   <p:cSld>
     <p:spTree>
@@ -23576,7 +22532,7 @@
             </a:pPr>
             <a:fld id="{00000000-1234-1234-1234-123412341234}" type="slidenum">
               <a:rPr lang="en"/>
-              <a:t>28</a:t>
+              <a:t>27</a:t>
             </a:fld>
             <a:endParaRPr/>
           </a:p>
@@ -23913,7 +22869,7 @@
 </p:sld>
 </file>
 
-<file path=ppt/slides/slide29.xml><?xml version="1.0" encoding="utf-8"?>
+<file path=ppt/slides/slide28.xml><?xml version="1.0" encoding="utf-8"?>
 <p:sld xmlns:a="http://schemas.openxmlformats.org/drawingml/2006/main" xmlns:r="http://schemas.openxmlformats.org/officeDocument/2006/relationships" xmlns:p="http://schemas.openxmlformats.org/presentationml/2006/main">
   <p:cSld>
     <p:spTree>
@@ -23966,7 +22922,7 @@
             </a:pPr>
             <a:fld id="{00000000-1234-1234-1234-123412341234}" type="slidenum">
               <a:rPr lang="en"/>
-              <a:t>29</a:t>
+              <a:t>28</a:t>
             </a:fld>
             <a:endParaRPr/>
           </a:p>
@@ -24284,116 +23240,7 @@
 </p:sld>
 </file>
 
-<file path=ppt/slides/slide3.xml><?xml version="1.0" encoding="utf-8"?>
-<p:sld xmlns:a="http://schemas.openxmlformats.org/drawingml/2006/main" xmlns:r="http://schemas.openxmlformats.org/officeDocument/2006/relationships" xmlns:p="http://schemas.openxmlformats.org/presentationml/2006/main">
-  <p:cSld>
-    <p:spTree>
-      <p:nvGrpSpPr>
-        <p:cNvPr id="1" name="Shape 112"/>
-        <p:cNvGrpSpPr/>
-        <p:nvPr/>
-      </p:nvGrpSpPr>
-      <p:grpSpPr>
-        <a:xfrm>
-          <a:off x="0" y="0"/>
-          <a:ext cx="0" cy="0"/>
-          <a:chOff x="0" y="0"/>
-          <a:chExt cx="0" cy="0"/>
-        </a:xfrm>
-      </p:grpSpPr>
-      <p:sp>
-        <p:nvSpPr>
-          <p:cNvPr id="113" name="Google Shape;113;p22"/>
-          <p:cNvSpPr txBox="1">
-            <a:spLocks noGrp="1"/>
-          </p:cNvSpPr>
-          <p:nvPr>
-            <p:ph type="title"/>
-          </p:nvPr>
-        </p:nvSpPr>
-        <p:spPr>
-          <a:xfrm>
-            <a:off x="311700" y="2150850"/>
-            <a:ext cx="8520600" cy="841800"/>
-          </a:xfrm>
-          <a:prstGeom prst="rect">
-            <a:avLst/>
-          </a:prstGeom>
-        </p:spPr>
-        <p:txBody>
-          <a:bodyPr spcFirstLastPara="1" wrap="square" lIns="91425" tIns="91425" rIns="91425" bIns="91425" anchor="ctr" anchorCtr="0">
-            <a:normAutofit/>
-          </a:bodyPr>
-          <a:lstStyle/>
-          <a:p>
-            <a:pPr marL="0" lvl="0" indent="0" algn="ctr" rtl="0">
-              <a:spcBef>
-                <a:spcPts val="0"/>
-              </a:spcBef>
-              <a:spcAft>
-                <a:spcPts val="0"/>
-              </a:spcAft>
-              <a:buNone/>
-            </a:pPr>
-            <a:r>
-              <a:rPr lang="en"/>
-              <a:t>Cross-Site Scripting (XSS)</a:t>
-            </a:r>
-            <a:endParaRPr/>
-          </a:p>
-        </p:txBody>
-      </p:sp>
-      <p:sp>
-        <p:nvSpPr>
-          <p:cNvPr id="114" name="Google Shape;114;p22"/>
-          <p:cNvSpPr txBox="1">
-            <a:spLocks noGrp="1"/>
-          </p:cNvSpPr>
-          <p:nvPr>
-            <p:ph type="sldNum" idx="12"/>
-          </p:nvPr>
-        </p:nvSpPr>
-        <p:spPr>
-          <a:xfrm>
-            <a:off x="8472458" y="4663217"/>
-            <a:ext cx="548700" cy="393600"/>
-          </a:xfrm>
-          <a:prstGeom prst="rect">
-            <a:avLst/>
-          </a:prstGeom>
-        </p:spPr>
-        <p:txBody>
-          <a:bodyPr spcFirstLastPara="1" wrap="square" lIns="91425" tIns="91425" rIns="91425" bIns="91425" anchor="ctr" anchorCtr="0">
-            <a:normAutofit/>
-          </a:bodyPr>
-          <a:lstStyle/>
-          <a:p>
-            <a:pPr marL="0" lvl="0" indent="0" algn="r" rtl="0">
-              <a:spcBef>
-                <a:spcPts val="0"/>
-              </a:spcBef>
-              <a:spcAft>
-                <a:spcPts val="0"/>
-              </a:spcAft>
-              <a:buNone/>
-            </a:pPr>
-            <a:fld id="{00000000-1234-1234-1234-123412341234}" type="slidenum">
-              <a:rPr lang="en"/>
-              <a:t>3</a:t>
-            </a:fld>
-            <a:endParaRPr/>
-          </a:p>
-        </p:txBody>
-      </p:sp>
-    </p:spTree>
-  </p:cSld>
-  <p:clrMapOvr>
-    <a:masterClrMapping/>
-  </p:clrMapOvr>
-</p:sld>
-</file>
-
-<file path=ppt/slides/slide30.xml><?xml version="1.0" encoding="utf-8"?>
+<file path=ppt/slides/slide29.xml><?xml version="1.0" encoding="utf-8"?>
 <p:sld xmlns:a="http://schemas.openxmlformats.org/drawingml/2006/main" xmlns:r="http://schemas.openxmlformats.org/officeDocument/2006/relationships" xmlns:p="http://schemas.openxmlformats.org/presentationml/2006/main">
   <p:cSld>
     <p:spTree>
@@ -24446,7 +23293,7 @@
             </a:pPr>
             <a:fld id="{00000000-1234-1234-1234-123412341234}" type="slidenum">
               <a:rPr lang="en"/>
-              <a:t>30</a:t>
+              <a:t>29</a:t>
             </a:fld>
             <a:endParaRPr/>
           </a:p>
@@ -25018,7 +23865,116 @@
 </p:sld>
 </file>
 
-<file path=ppt/slides/slide31.xml><?xml version="1.0" encoding="utf-8"?>
+<file path=ppt/slides/slide3.xml><?xml version="1.0" encoding="utf-8"?>
+<p:sld xmlns:a="http://schemas.openxmlformats.org/drawingml/2006/main" xmlns:r="http://schemas.openxmlformats.org/officeDocument/2006/relationships" xmlns:p="http://schemas.openxmlformats.org/presentationml/2006/main">
+  <p:cSld>
+    <p:spTree>
+      <p:nvGrpSpPr>
+        <p:cNvPr id="1" name="Shape 112"/>
+        <p:cNvGrpSpPr/>
+        <p:nvPr/>
+      </p:nvGrpSpPr>
+      <p:grpSpPr>
+        <a:xfrm>
+          <a:off x="0" y="0"/>
+          <a:ext cx="0" cy="0"/>
+          <a:chOff x="0" y="0"/>
+          <a:chExt cx="0" cy="0"/>
+        </a:xfrm>
+      </p:grpSpPr>
+      <p:sp>
+        <p:nvSpPr>
+          <p:cNvPr id="113" name="Google Shape;113;p22"/>
+          <p:cNvSpPr txBox="1">
+            <a:spLocks noGrp="1"/>
+          </p:cNvSpPr>
+          <p:nvPr>
+            <p:ph type="title"/>
+          </p:nvPr>
+        </p:nvSpPr>
+        <p:spPr>
+          <a:xfrm>
+            <a:off x="311700" y="2150850"/>
+            <a:ext cx="8520600" cy="841800"/>
+          </a:xfrm>
+          <a:prstGeom prst="rect">
+            <a:avLst/>
+          </a:prstGeom>
+        </p:spPr>
+        <p:txBody>
+          <a:bodyPr spcFirstLastPara="1" wrap="square" lIns="91425" tIns="91425" rIns="91425" bIns="91425" anchor="ctr" anchorCtr="0">
+            <a:normAutofit/>
+          </a:bodyPr>
+          <a:lstStyle/>
+          <a:p>
+            <a:pPr marL="0" lvl="0" indent="0" algn="ctr" rtl="0">
+              <a:spcBef>
+                <a:spcPts val="0"/>
+              </a:spcBef>
+              <a:spcAft>
+                <a:spcPts val="0"/>
+              </a:spcAft>
+              <a:buNone/>
+            </a:pPr>
+            <a:r>
+              <a:rPr lang="en"/>
+              <a:t>Cross-Site Scripting (XSS)</a:t>
+            </a:r>
+            <a:endParaRPr/>
+          </a:p>
+        </p:txBody>
+      </p:sp>
+      <p:sp>
+        <p:nvSpPr>
+          <p:cNvPr id="114" name="Google Shape;114;p22"/>
+          <p:cNvSpPr txBox="1">
+            <a:spLocks noGrp="1"/>
+          </p:cNvSpPr>
+          <p:nvPr>
+            <p:ph type="sldNum" idx="12"/>
+          </p:nvPr>
+        </p:nvSpPr>
+        <p:spPr>
+          <a:xfrm>
+            <a:off x="8472458" y="4663217"/>
+            <a:ext cx="548700" cy="393600"/>
+          </a:xfrm>
+          <a:prstGeom prst="rect">
+            <a:avLst/>
+          </a:prstGeom>
+        </p:spPr>
+        <p:txBody>
+          <a:bodyPr spcFirstLastPara="1" wrap="square" lIns="91425" tIns="91425" rIns="91425" bIns="91425" anchor="ctr" anchorCtr="0">
+            <a:normAutofit/>
+          </a:bodyPr>
+          <a:lstStyle/>
+          <a:p>
+            <a:pPr marL="0" lvl="0" indent="0" algn="r" rtl="0">
+              <a:spcBef>
+                <a:spcPts val="0"/>
+              </a:spcBef>
+              <a:spcAft>
+                <a:spcPts val="0"/>
+              </a:spcAft>
+              <a:buNone/>
+            </a:pPr>
+            <a:fld id="{00000000-1234-1234-1234-123412341234}" type="slidenum">
+              <a:rPr lang="en"/>
+              <a:t>3</a:t>
+            </a:fld>
+            <a:endParaRPr/>
+          </a:p>
+        </p:txBody>
+      </p:sp>
+    </p:spTree>
+  </p:cSld>
+  <p:clrMapOvr>
+    <a:masterClrMapping/>
+  </p:clrMapOvr>
+</p:sld>
+</file>
+
+<file path=ppt/slides/slide30.xml><?xml version="1.0" encoding="utf-8"?>
 <p:sld xmlns:a="http://schemas.openxmlformats.org/drawingml/2006/main" xmlns:r="http://schemas.openxmlformats.org/officeDocument/2006/relationships" xmlns:p="http://schemas.openxmlformats.org/presentationml/2006/main">
   <p:cSld>
     <p:spTree>
@@ -25121,7 +24077,7 @@
             </a:pPr>
             <a:fld id="{00000000-1234-1234-1234-123412341234}" type="slidenum">
               <a:rPr lang="en"/>
-              <a:t>31</a:t>
+              <a:t>30</a:t>
             </a:fld>
             <a:endParaRPr/>
           </a:p>
@@ -25354,85 +24310,10 @@
   <p:clrMapOvr>
     <a:masterClrMapping/>
   </p:clrMapOvr>
-  <p:timing>
-    <p:tnLst>
-      <p:par>
-        <p:cTn id="1" dur="indefinite" restart="never" nodeType="tmRoot">
-          <p:childTnLst>
-            <p:seq concurrent="1" nextAc="seek">
-              <p:cTn id="2" dur="indefinite" nodeType="mainSeq">
-                <p:childTnLst>
-                  <p:par>
-                    <p:cTn id="3" fill="hold">
-                      <p:stCondLst>
-                        <p:cond delay="indefinite"/>
-                      </p:stCondLst>
-                      <p:childTnLst>
-                        <p:par>
-                          <p:cTn id="4" fill="hold">
-                            <p:stCondLst>
-                              <p:cond delay="0"/>
-                            </p:stCondLst>
-                            <p:childTnLst>
-                              <p:par>
-                                <p:cTn id="5" presetID="1" presetClass="entr" presetSubtype="0" fill="hold" nodeType="clickEffect">
-                                  <p:stCondLst>
-                                    <p:cond delay="0"/>
-                                  </p:stCondLst>
-                                  <p:childTnLst>
-                                    <p:set>
-                                      <p:cBhvr>
-                                        <p:cTn id="6" dur="1" fill="hold">
-                                          <p:stCondLst>
-                                            <p:cond delay="0"/>
-                                          </p:stCondLst>
-                                        </p:cTn>
-                                        <p:tgtEl>
-                                          <p:spTgt spid="547"/>
-                                        </p:tgtEl>
-                                        <p:attrNameLst>
-                                          <p:attrName>style.visibility</p:attrName>
-                                        </p:attrNameLst>
-                                      </p:cBhvr>
-                                      <p:to>
-                                        <p:strVal val="visible"/>
-                                      </p:to>
-                                    </p:set>
-                                  </p:childTnLst>
-                                </p:cTn>
-                              </p:par>
-                            </p:childTnLst>
-                          </p:cTn>
-                        </p:par>
-                      </p:childTnLst>
-                    </p:cTn>
-                  </p:par>
-                </p:childTnLst>
-              </p:cTn>
-              <p:prevCondLst>
-                <p:cond evt="onPrev" delay="0">
-                  <p:tgtEl>
-                    <p:sldTgt/>
-                  </p:tgtEl>
-                </p:cond>
-              </p:prevCondLst>
-              <p:nextCondLst>
-                <p:cond evt="onNext" delay="0">
-                  <p:tgtEl>
-                    <p:sldTgt/>
-                  </p:tgtEl>
-                </p:cond>
-              </p:nextCondLst>
-            </p:seq>
-          </p:childTnLst>
-        </p:cTn>
-      </p:par>
-    </p:tnLst>
-  </p:timing>
 </p:sld>
 </file>
 
-<file path=ppt/slides/slide32.xml><?xml version="1.0" encoding="utf-8"?>
+<file path=ppt/slides/slide31.xml><?xml version="1.0" encoding="utf-8"?>
 <p:sld xmlns:a="http://schemas.openxmlformats.org/drawingml/2006/main" xmlns:r="http://schemas.openxmlformats.org/officeDocument/2006/relationships" xmlns:p="http://schemas.openxmlformats.org/presentationml/2006/main">
   <p:cSld>
     <p:spTree>
@@ -25485,7 +24366,7 @@
             </a:pPr>
             <a:fld id="{00000000-1234-1234-1234-123412341234}" type="slidenum">
               <a:rPr lang="en"/>
-              <a:t>32</a:t>
+              <a:t>31</a:t>
             </a:fld>
             <a:endParaRPr/>
           </a:p>
@@ -25659,7 +24540,7 @@
 </p:sld>
 </file>
 
-<file path=ppt/slides/slide33.xml><?xml version="1.0" encoding="utf-8"?>
+<file path=ppt/slides/slide32.xml><?xml version="1.0" encoding="utf-8"?>
 <p:sld xmlns:a="http://schemas.openxmlformats.org/drawingml/2006/main" xmlns:r="http://schemas.openxmlformats.org/officeDocument/2006/relationships" xmlns:p="http://schemas.openxmlformats.org/presentationml/2006/main">
   <p:cSld>
     <p:spTree>
@@ -25712,7 +24593,7 @@
             </a:pPr>
             <a:fld id="{00000000-1234-1234-1234-123412341234}" type="slidenum">
               <a:rPr lang="en"/>
-              <a:t>33</a:t>
+              <a:t>32</a:t>
             </a:fld>
             <a:endParaRPr/>
           </a:p>
@@ -25939,7 +24820,7 @@
 </p:sld>
 </file>
 
-<file path=ppt/slides/slide34.xml><?xml version="1.0" encoding="utf-8"?>
+<file path=ppt/slides/slide33.xml><?xml version="1.0" encoding="utf-8"?>
 <p:sld xmlns:a="http://schemas.openxmlformats.org/drawingml/2006/main" xmlns:r="http://schemas.openxmlformats.org/officeDocument/2006/relationships" xmlns:p="http://schemas.openxmlformats.org/presentationml/2006/main">
   <p:cSld>
     <p:spTree>
@@ -25992,7 +24873,7 @@
             </a:pPr>
             <a:fld id="{00000000-1234-1234-1234-123412341234}" type="slidenum">
               <a:rPr lang="en"/>
-              <a:t>34</a:t>
+              <a:t>33</a:t>
             </a:fld>
             <a:endParaRPr/>
           </a:p>
@@ -26398,7 +25279,7 @@
 </p:sld>
 </file>
 
-<file path=ppt/slides/slide35.xml><?xml version="1.0" encoding="utf-8"?>
+<file path=ppt/slides/slide34.xml><?xml version="1.0" encoding="utf-8"?>
 <p:sld xmlns:a="http://schemas.openxmlformats.org/drawingml/2006/main" xmlns:r="http://schemas.openxmlformats.org/officeDocument/2006/relationships" xmlns:p="http://schemas.openxmlformats.org/presentationml/2006/main">
   <p:cSld>
     <p:spTree>
@@ -26578,7 +25459,7 @@
             </a:pPr>
             <a:fld id="{00000000-1234-1234-1234-123412341234}" type="slidenum">
               <a:rPr lang="en"/>
-              <a:t>35</a:t>
+              <a:t>34</a:t>
             </a:fld>
             <a:endParaRPr/>
           </a:p>
@@ -26592,7 +25473,7 @@
 </p:sld>
 </file>
 
-<file path=ppt/slides/slide36.xml><?xml version="1.0" encoding="utf-8"?>
+<file path=ppt/slides/slide35.xml><?xml version="1.0" encoding="utf-8"?>
 <p:sld xmlns:a="http://schemas.openxmlformats.org/drawingml/2006/main" xmlns:r="http://schemas.openxmlformats.org/officeDocument/2006/relationships" xmlns:p="http://schemas.openxmlformats.org/presentationml/2006/main">
   <p:cSld>
     <p:spTree>
@@ -26645,7 +25526,7 @@
             </a:pPr>
             <a:fld id="{00000000-1234-1234-1234-123412341234}" type="slidenum">
               <a:rPr lang="en"/>
-              <a:t>36</a:t>
+              <a:t>35</a:t>
             </a:fld>
             <a:endParaRPr/>
           </a:p>
@@ -26962,7 +25843,7 @@
                                           </p:stCondLst>
                                         </p:cTn>
                                         <p:tgtEl>
-                                          <p:spTgt spid="669"/>
+                                          <p:spTgt spid="665"/>
                                         </p:tgtEl>
                                         <p:attrNameLst>
                                           <p:attrName>style.visibility</p:attrName>
@@ -27002,51 +25883,6 @@
                                     <p:set>
                                       <p:cBhvr>
                                         <p:cTn id="10" dur="1" fill="hold">
-                                          <p:stCondLst>
-                                            <p:cond delay="0"/>
-                                          </p:stCondLst>
-                                        </p:cTn>
-                                        <p:tgtEl>
-                                          <p:spTgt spid="665"/>
-                                        </p:tgtEl>
-                                        <p:attrNameLst>
-                                          <p:attrName>style.visibility</p:attrName>
-                                        </p:attrNameLst>
-                                      </p:cBhvr>
-                                      <p:to>
-                                        <p:strVal val="visible"/>
-                                      </p:to>
-                                    </p:set>
-                                  </p:childTnLst>
-                                </p:cTn>
-                              </p:par>
-                            </p:childTnLst>
-                          </p:cTn>
-                        </p:par>
-                      </p:childTnLst>
-                    </p:cTn>
-                  </p:par>
-                  <p:par>
-                    <p:cTn id="11" fill="hold">
-                      <p:stCondLst>
-                        <p:cond delay="indefinite"/>
-                      </p:stCondLst>
-                      <p:childTnLst>
-                        <p:par>
-                          <p:cTn id="12" fill="hold">
-                            <p:stCondLst>
-                              <p:cond delay="0"/>
-                            </p:stCondLst>
-                            <p:childTnLst>
-                              <p:par>
-                                <p:cTn id="13" presetID="1" presetClass="entr" presetSubtype="0" fill="hold" nodeType="clickEffect">
-                                  <p:stCondLst>
-                                    <p:cond delay="0"/>
-                                  </p:stCondLst>
-                                  <p:childTnLst>
-                                    <p:set>
-                                      <p:cBhvr>
-                                        <p:cTn id="14" dur="1" fill="hold">
                                           <p:stCondLst>
                                             <p:cond delay="0"/>
                                           </p:stCondLst>
@@ -27096,7 +25932,7 @@
 </p:sld>
 </file>
 
-<file path=ppt/slides/slide37.xml><?xml version="1.0" encoding="utf-8"?>
+<file path=ppt/slides/slide36.xml><?xml version="1.0" encoding="utf-8"?>
 <p:sld xmlns:a="http://schemas.openxmlformats.org/drawingml/2006/main" xmlns:r="http://schemas.openxmlformats.org/officeDocument/2006/relationships" xmlns:p="http://schemas.openxmlformats.org/presentationml/2006/main">
   <p:cSld>
     <p:spTree>
@@ -27149,7 +25985,7 @@
             </a:pPr>
             <a:fld id="{00000000-1234-1234-1234-123412341234}" type="slidenum">
               <a:rPr lang="en"/>
-              <a:t>37</a:t>
+              <a:t>36</a:t>
             </a:fld>
             <a:endParaRPr/>
           </a:p>
@@ -27537,7 +26373,7 @@
 </p:sld>
 </file>
 
-<file path=ppt/slides/slide38.xml><?xml version="1.0" encoding="utf-8"?>
+<file path=ppt/slides/slide37.xml><?xml version="1.0" encoding="utf-8"?>
 <p:sld xmlns:a="http://schemas.openxmlformats.org/drawingml/2006/main" xmlns:r="http://schemas.openxmlformats.org/officeDocument/2006/relationships" xmlns:p="http://schemas.openxmlformats.org/presentationml/2006/main">
   <p:cSld>
     <p:spTree>
@@ -27590,7 +26426,7 @@
             </a:pPr>
             <a:fld id="{00000000-1234-1234-1234-123412341234}" type="slidenum">
               <a:rPr lang="en"/>
-              <a:t>38</a:t>
+              <a:t>37</a:t>
             </a:fld>
             <a:endParaRPr/>
           </a:p>
@@ -27782,7 +26618,7 @@
 </p:sld>
 </file>
 
-<file path=ppt/slides/slide39.xml><?xml version="1.0" encoding="utf-8"?>
+<file path=ppt/slides/slide38.xml><?xml version="1.0" encoding="utf-8"?>
 <p:sld xmlns:a="http://schemas.openxmlformats.org/drawingml/2006/main" xmlns:r="http://schemas.openxmlformats.org/officeDocument/2006/relationships" xmlns:p="http://schemas.openxmlformats.org/presentationml/2006/main">
   <p:cSld>
     <p:spTree>
@@ -27835,7 +26671,7 @@
             </a:pPr>
             <a:fld id="{00000000-1234-1234-1234-123412341234}" type="slidenum">
               <a:rPr lang="en"/>
-              <a:t>39</a:t>
+              <a:t>38</a:t>
             </a:fld>
             <a:endParaRPr/>
           </a:p>
@@ -28145,6 +26981,210 @@
       </p:par>
     </p:tnLst>
   </p:timing>
+</p:sld>
+</file>
+
+<file path=ppt/slides/slide39.xml><?xml version="1.0" encoding="utf-8"?>
+<p:sld xmlns:a="http://schemas.openxmlformats.org/drawingml/2006/main" xmlns:r="http://schemas.openxmlformats.org/officeDocument/2006/relationships" xmlns:p="http://schemas.openxmlformats.org/presentationml/2006/main">
+  <p:cSld>
+    <p:spTree>
+      <p:nvGrpSpPr>
+        <p:cNvPr id="1" name="Shape 705"/>
+        <p:cNvGrpSpPr/>
+        <p:nvPr/>
+      </p:nvGrpSpPr>
+      <p:grpSpPr>
+        <a:xfrm>
+          <a:off x="0" y="0"/>
+          <a:ext cx="0" cy="0"/>
+          <a:chOff x="0" y="0"/>
+          <a:chExt cx="0" cy="0"/>
+        </a:xfrm>
+      </p:grpSpPr>
+      <p:sp>
+        <p:nvSpPr>
+          <p:cNvPr id="706" name="Google Shape;706;p81"/>
+          <p:cNvSpPr txBox="1">
+            <a:spLocks noGrp="1"/>
+          </p:cNvSpPr>
+          <p:nvPr>
+            <p:ph type="sldNum" idx="12"/>
+          </p:nvPr>
+        </p:nvSpPr>
+        <p:spPr>
+          <a:xfrm>
+            <a:off x="8472458" y="4663217"/>
+            <a:ext cx="548700" cy="393600"/>
+          </a:xfrm>
+          <a:prstGeom prst="rect">
+            <a:avLst/>
+          </a:prstGeom>
+        </p:spPr>
+        <p:txBody>
+          <a:bodyPr spcFirstLastPara="1" wrap="square" lIns="91425" tIns="91425" rIns="91425" bIns="91425" anchor="ctr" anchorCtr="0">
+            <a:normAutofit/>
+          </a:bodyPr>
+          <a:lstStyle/>
+          <a:p>
+            <a:pPr marL="0" lvl="0" indent="0" algn="r" rtl="0">
+              <a:spcBef>
+                <a:spcPts val="0"/>
+              </a:spcBef>
+              <a:spcAft>
+                <a:spcPts val="0"/>
+              </a:spcAft>
+              <a:buNone/>
+            </a:pPr>
+            <a:fld id="{00000000-1234-1234-1234-123412341234}" type="slidenum">
+              <a:rPr lang="en"/>
+              <a:t>39</a:t>
+            </a:fld>
+            <a:endParaRPr/>
+          </a:p>
+        </p:txBody>
+      </p:sp>
+      <p:sp>
+        <p:nvSpPr>
+          <p:cNvPr id="707" name="Google Shape;707;p81"/>
+          <p:cNvSpPr txBox="1">
+            <a:spLocks noGrp="1"/>
+          </p:cNvSpPr>
+          <p:nvPr>
+            <p:ph type="title"/>
+          </p:nvPr>
+        </p:nvSpPr>
+        <p:spPr>
+          <a:xfrm>
+            <a:off x="102700" y="270875"/>
+            <a:ext cx="8520600" cy="572700"/>
+          </a:xfrm>
+          <a:prstGeom prst="rect">
+            <a:avLst/>
+          </a:prstGeom>
+        </p:spPr>
+        <p:txBody>
+          <a:bodyPr spcFirstLastPara="1" wrap="square" lIns="91425" tIns="91425" rIns="91425" bIns="91425" anchor="t" anchorCtr="0">
+            <a:normAutofit fontScale="90000"/>
+          </a:bodyPr>
+          <a:lstStyle/>
+          <a:p>
+            <a:pPr marL="0" lvl="0" indent="0" algn="l" rtl="0">
+              <a:spcBef>
+                <a:spcPts val="0"/>
+              </a:spcBef>
+              <a:spcAft>
+                <a:spcPts val="0"/>
+              </a:spcAft>
+              <a:buNone/>
+            </a:pPr>
+            <a:r>
+              <a:rPr lang="en"/>
+              <a:t>Phishing: Check </a:t>
+            </a:r>
+            <a:r>
+              <a:rPr lang="en" i="1"/>
+              <a:t>Everything</a:t>
+            </a:r>
+            <a:endParaRPr i="1"/>
+          </a:p>
+        </p:txBody>
+      </p:sp>
+      <p:pic>
+        <p:nvPicPr>
+          <p:cNvPr id="709" name="Google Shape;709;p81"/>
+          <p:cNvPicPr preferRelativeResize="0"/>
+          <p:nvPr/>
+        </p:nvPicPr>
+        <p:blipFill rotWithShape="1">
+          <a:blip r:embed="rId3">
+            <a:alphaModFix/>
+          </a:blip>
+          <a:srcRect/>
+          <a:stretch/>
+        </p:blipFill>
+        <p:spPr>
+          <a:xfrm>
+            <a:off x="2771250" y="1144675"/>
+            <a:ext cx="5196100" cy="3845050"/>
+          </a:xfrm>
+          <a:prstGeom prst="rect">
+            <a:avLst/>
+          </a:prstGeom>
+          <a:noFill/>
+          <a:ln>
+            <a:noFill/>
+          </a:ln>
+        </p:spPr>
+      </p:pic>
+      <p:sp>
+        <p:nvSpPr>
+          <p:cNvPr id="2" name="Google Shape;697;p80">
+            <a:extLst>
+              <a:ext uri="{FF2B5EF4-FFF2-40B4-BE49-F238E27FC236}">
+                <a16:creationId xmlns:a16="http://schemas.microsoft.com/office/drawing/2014/main" id="{DBF93E69-6BBE-3731-5FE9-CDE4C9E25AFF}"/>
+              </a:ext>
+            </a:extLst>
+          </p:cNvPr>
+          <p:cNvSpPr txBox="1"/>
+          <p:nvPr/>
+        </p:nvSpPr>
+        <p:spPr>
+          <a:xfrm>
+            <a:off x="325000" y="1441900"/>
+            <a:ext cx="1668900" cy="400200"/>
+          </a:xfrm>
+          <a:prstGeom prst="rect">
+            <a:avLst/>
+          </a:prstGeom>
+          <a:solidFill>
+            <a:schemeClr val="accent4"/>
+          </a:solidFill>
+          <a:ln w="19050" cap="flat" cmpd="sng">
+            <a:solidFill>
+              <a:schemeClr val="dk1"/>
+            </a:solidFill>
+            <a:prstDash val="solid"/>
+            <a:round/>
+            <a:headEnd type="none" w="sm" len="sm"/>
+            <a:tailEnd type="none" w="sm" len="sm"/>
+          </a:ln>
+        </p:spPr>
+        <p:txBody>
+          <a:bodyPr spcFirstLastPara="1" wrap="square" lIns="91425" tIns="91425" rIns="91425" bIns="91425" anchor="t" anchorCtr="0">
+            <a:spAutoFit/>
+          </a:bodyPr>
+          <a:lstStyle/>
+          <a:p>
+            <a:pPr marL="0" lvl="0" indent="0" algn="ctr" rtl="0">
+              <a:spcBef>
+                <a:spcPts val="0"/>
+              </a:spcBef>
+              <a:spcAft>
+                <a:spcPts val="0"/>
+              </a:spcAft>
+              <a:buNone/>
+            </a:pPr>
+            <a:r>
+              <a:rPr lang="en"/>
+              <a:t>Is </a:t>
+            </a:r>
+            <a:r>
+              <a:rPr lang="en" i="1"/>
+              <a:t>this</a:t>
+            </a:r>
+            <a:r>
+              <a:rPr lang="en"/>
+              <a:t> real?</a:t>
+            </a:r>
+            <a:endParaRPr/>
+          </a:p>
+        </p:txBody>
+      </p:sp>
+    </p:spTree>
+  </p:cSld>
+  <p:clrMapOvr>
+    <a:masterClrMapping/>
+  </p:clrMapOvr>
 </p:sld>
 </file>
 
@@ -33344,146 +32384,6 @@
   <p:cSld>
     <p:spTree>
       <p:nvGrpSpPr>
-        <p:cNvPr id="1" name="Shape 705"/>
-        <p:cNvGrpSpPr/>
-        <p:nvPr/>
-      </p:nvGrpSpPr>
-      <p:grpSpPr>
-        <a:xfrm>
-          <a:off x="0" y="0"/>
-          <a:ext cx="0" cy="0"/>
-          <a:chOff x="0" y="0"/>
-          <a:chExt cx="0" cy="0"/>
-        </a:xfrm>
-      </p:grpSpPr>
-      <p:sp>
-        <p:nvSpPr>
-          <p:cNvPr id="706" name="Google Shape;706;p81"/>
-          <p:cNvSpPr txBox="1">
-            <a:spLocks noGrp="1"/>
-          </p:cNvSpPr>
-          <p:nvPr>
-            <p:ph type="sldNum" idx="12"/>
-          </p:nvPr>
-        </p:nvSpPr>
-        <p:spPr>
-          <a:xfrm>
-            <a:off x="8472458" y="4663217"/>
-            <a:ext cx="548700" cy="393600"/>
-          </a:xfrm>
-          <a:prstGeom prst="rect">
-            <a:avLst/>
-          </a:prstGeom>
-        </p:spPr>
-        <p:txBody>
-          <a:bodyPr spcFirstLastPara="1" wrap="square" lIns="91425" tIns="91425" rIns="91425" bIns="91425" anchor="ctr" anchorCtr="0">
-            <a:normAutofit/>
-          </a:bodyPr>
-          <a:lstStyle/>
-          <a:p>
-            <a:pPr marL="0" lvl="0" indent="0" algn="r" rtl="0">
-              <a:spcBef>
-                <a:spcPts val="0"/>
-              </a:spcBef>
-              <a:spcAft>
-                <a:spcPts val="0"/>
-              </a:spcAft>
-              <a:buNone/>
-            </a:pPr>
-            <a:fld id="{00000000-1234-1234-1234-123412341234}" type="slidenum">
-              <a:rPr lang="en"/>
-              <a:t>40</a:t>
-            </a:fld>
-            <a:endParaRPr/>
-          </a:p>
-        </p:txBody>
-      </p:sp>
-      <p:sp>
-        <p:nvSpPr>
-          <p:cNvPr id="707" name="Google Shape;707;p81"/>
-          <p:cNvSpPr txBox="1">
-            <a:spLocks noGrp="1"/>
-          </p:cNvSpPr>
-          <p:nvPr>
-            <p:ph type="title"/>
-          </p:nvPr>
-        </p:nvSpPr>
-        <p:spPr>
-          <a:xfrm>
-            <a:off x="102700" y="270875"/>
-            <a:ext cx="8520600" cy="572700"/>
-          </a:xfrm>
-          <a:prstGeom prst="rect">
-            <a:avLst/>
-          </a:prstGeom>
-        </p:spPr>
-        <p:txBody>
-          <a:bodyPr spcFirstLastPara="1" wrap="square" lIns="91425" tIns="91425" rIns="91425" bIns="91425" anchor="t" anchorCtr="0">
-            <a:normAutofit fontScale="90000"/>
-          </a:bodyPr>
-          <a:lstStyle/>
-          <a:p>
-            <a:pPr marL="0" lvl="0" indent="0" algn="l" rtl="0">
-              <a:spcBef>
-                <a:spcPts val="0"/>
-              </a:spcBef>
-              <a:spcAft>
-                <a:spcPts val="0"/>
-              </a:spcAft>
-              <a:buNone/>
-            </a:pPr>
-            <a:r>
-              <a:rPr lang="en"/>
-              <a:t>Phishing: Check </a:t>
-            </a:r>
-            <a:r>
-              <a:rPr lang="en" i="1"/>
-              <a:t>Everything</a:t>
-            </a:r>
-            <a:endParaRPr i="1"/>
-          </a:p>
-        </p:txBody>
-      </p:sp>
-      <p:pic>
-        <p:nvPicPr>
-          <p:cNvPr id="709" name="Google Shape;709;p81"/>
-          <p:cNvPicPr preferRelativeResize="0"/>
-          <p:nvPr/>
-        </p:nvPicPr>
-        <p:blipFill rotWithShape="1">
-          <a:blip r:embed="rId3">
-            <a:alphaModFix/>
-          </a:blip>
-          <a:srcRect/>
-          <a:stretch/>
-        </p:blipFill>
-        <p:spPr>
-          <a:xfrm>
-            <a:off x="2771250" y="1144675"/>
-            <a:ext cx="5196100" cy="3845050"/>
-          </a:xfrm>
-          <a:prstGeom prst="rect">
-            <a:avLst/>
-          </a:prstGeom>
-          <a:noFill/>
-          <a:ln>
-            <a:noFill/>
-          </a:ln>
-        </p:spPr>
-      </p:pic>
-    </p:spTree>
-  </p:cSld>
-  <p:clrMapOvr>
-    <a:masterClrMapping/>
-  </p:clrMapOvr>
-</p:sld>
-</file>
-
-<file path=ppt/slides/slide41.xml><?xml version="1.0" encoding="utf-8"?>
-<p:sld xmlns:a="http://schemas.openxmlformats.org/drawingml/2006/main" xmlns:r="http://schemas.openxmlformats.org/officeDocument/2006/relationships" xmlns:p="http://schemas.openxmlformats.org/presentationml/2006/main">
-  <p:cSld>
-    <p:spTree>
-      <p:nvGrpSpPr>
         <p:cNvPr id="1" name="Shape 713"/>
         <p:cNvGrpSpPr/>
         <p:nvPr/>
@@ -33532,7 +32432,7 @@
             </a:pPr>
             <a:fld id="{00000000-1234-1234-1234-123412341234}" type="slidenum">
               <a:rPr lang="en"/>
-              <a:t>41</a:t>
+              <a:t>40</a:t>
             </a:fld>
             <a:endParaRPr/>
           </a:p>
@@ -33692,7 +32592,7 @@
 </p:sld>
 </file>
 
-<file path=ppt/slides/slide42.xml><?xml version="1.0" encoding="utf-8"?>
+<file path=ppt/slides/slide41.xml><?xml version="1.0" encoding="utf-8"?>
 <p:sld xmlns:a="http://schemas.openxmlformats.org/drawingml/2006/main" xmlns:r="http://schemas.openxmlformats.org/officeDocument/2006/relationships" xmlns:p="http://schemas.openxmlformats.org/presentationml/2006/main">
   <p:cSld>
     <p:spTree>
@@ -33745,7 +32645,7 @@
             </a:pPr>
             <a:fld id="{00000000-1234-1234-1234-123412341234}" type="slidenum">
               <a:rPr lang="en"/>
-              <a:t>42</a:t>
+              <a:t>41</a:t>
             </a:fld>
             <a:endParaRPr/>
           </a:p>
@@ -33921,7 +32821,7 @@
 </p:sld>
 </file>
 
-<file path=ppt/slides/slide43.xml><?xml version="1.0" encoding="utf-8"?>
+<file path=ppt/slides/slide42.xml><?xml version="1.0" encoding="utf-8"?>
 <p:sld xmlns:a="http://schemas.openxmlformats.org/drawingml/2006/main" xmlns:r="http://schemas.openxmlformats.org/officeDocument/2006/relationships" xmlns:p="http://schemas.openxmlformats.org/presentationml/2006/main">
   <p:cSld>
     <p:spTree>
@@ -33974,7 +32874,7 @@
             </a:pPr>
             <a:fld id="{00000000-1234-1234-1234-123412341234}" type="slidenum">
               <a:rPr lang="en"/>
-              <a:t>43</a:t>
+              <a:t>42</a:t>
             </a:fld>
             <a:endParaRPr/>
           </a:p>
@@ -34486,7 +33386,7 @@
 </p:sld>
 </file>
 
-<file path=ppt/slides/slide44.xml><?xml version="1.0" encoding="utf-8"?>
+<file path=ppt/slides/slide43.xml><?xml version="1.0" encoding="utf-8"?>
 <p:sld xmlns:a="http://schemas.openxmlformats.org/drawingml/2006/main" xmlns:r="http://schemas.openxmlformats.org/officeDocument/2006/relationships" xmlns:p="http://schemas.openxmlformats.org/presentationml/2006/main">
   <p:cSld>
     <p:spTree>
@@ -34675,7 +33575,7 @@
             </a:pPr>
             <a:fld id="{00000000-1234-1234-1234-123412341234}" type="slidenum">
               <a:rPr lang="en"/>
-              <a:t>44</a:t>
+              <a:t>43</a:t>
             </a:fld>
             <a:endParaRPr/>
           </a:p>
@@ -34830,7 +33730,7 @@
 </p:sld>
 </file>
 
-<file path=ppt/slides/slide45.xml><?xml version="1.0" encoding="utf-8"?>
+<file path=ppt/slides/slide44.xml><?xml version="1.0" encoding="utf-8"?>
 <p:sld xmlns:a="http://schemas.openxmlformats.org/drawingml/2006/main" xmlns:r="http://schemas.openxmlformats.org/officeDocument/2006/relationships" xmlns:p="http://schemas.openxmlformats.org/presentationml/2006/main">
   <p:cSld>
     <p:spTree>
@@ -35150,7 +34050,7 @@
             </a:pPr>
             <a:fld id="{00000000-1234-1234-1234-123412341234}" type="slidenum">
               <a:rPr lang="en"/>
-              <a:t>45</a:t>
+              <a:t>44</a:t>
             </a:fld>
             <a:endParaRPr/>
           </a:p>
@@ -35509,7 +34409,7 @@
 </p:sld>
 </file>
 
-<file path=ppt/slides/slide46.xml><?xml version="1.0" encoding="utf-8"?>
+<file path=ppt/slides/slide45.xml><?xml version="1.0" encoding="utf-8"?>
 <p:sld xmlns:a="http://schemas.openxmlformats.org/drawingml/2006/main" xmlns:r="http://schemas.openxmlformats.org/officeDocument/2006/relationships" xmlns:p="http://schemas.openxmlformats.org/presentationml/2006/main">
   <p:cSld>
     <p:spTree>
@@ -35653,7 +34553,7 @@
             </a:pPr>
             <a:fld id="{00000000-1234-1234-1234-123412341234}" type="slidenum">
               <a:rPr lang="en"/>
-              <a:t>46</a:t>
+              <a:t>45</a:t>
             </a:fld>
             <a:endParaRPr/>
           </a:p>
@@ -36849,7 +35749,7 @@
 </p:sld>
 </file>
 
-<file path=ppt/slides/slide47.xml><?xml version="1.0" encoding="utf-8"?>
+<file path=ppt/slides/slide46.xml><?xml version="1.0" encoding="utf-8"?>
 <p:sld xmlns:a="http://schemas.openxmlformats.org/drawingml/2006/main" xmlns:r="http://schemas.openxmlformats.org/officeDocument/2006/relationships" xmlns:p="http://schemas.openxmlformats.org/presentationml/2006/main">
   <p:cSld>
     <p:spTree>
@@ -37089,7 +35989,7 @@
             </a:pPr>
             <a:fld id="{00000000-1234-1234-1234-123412341234}" type="slidenum">
               <a:rPr lang="en"/>
-              <a:t>47</a:t>
+              <a:t>46</a:t>
             </a:fld>
             <a:endParaRPr/>
           </a:p>
@@ -37355,7 +36255,7 @@
 </p:sld>
 </file>
 
-<file path=ppt/slides/slide48.xml><?xml version="1.0" encoding="utf-8"?>
+<file path=ppt/slides/slide47.xml><?xml version="1.0" encoding="utf-8"?>
 <p:sld xmlns:a="http://schemas.openxmlformats.org/drawingml/2006/main" xmlns:r="http://schemas.openxmlformats.org/officeDocument/2006/relationships" xmlns:p="http://schemas.openxmlformats.org/presentationml/2006/main" show="0">
   <p:cSld>
     <p:spTree>
@@ -37713,7 +36613,7 @@
             </a:pPr>
             <a:fld id="{00000000-1234-1234-1234-123412341234}" type="slidenum">
               <a:rPr lang="en"/>
-              <a:t>48</a:t>
+              <a:t>47</a:t>
             </a:fld>
             <a:endParaRPr/>
           </a:p>
@@ -38394,7 +37294,7 @@
 </p:sld>
 </file>
 
-<file path=ppt/slides/slide49.xml><?xml version="1.0" encoding="utf-8"?>
+<file path=ppt/slides/slide48.xml><?xml version="1.0" encoding="utf-8"?>
 <p:sld xmlns:a="http://schemas.openxmlformats.org/drawingml/2006/main" xmlns:r="http://schemas.openxmlformats.org/officeDocument/2006/relationships" xmlns:p="http://schemas.openxmlformats.org/presentationml/2006/main">
   <p:cSld>
     <p:spTree>
@@ -38664,7 +37564,7 @@
             </a:pPr>
             <a:fld id="{00000000-1234-1234-1234-123412341234}" type="slidenum">
               <a:rPr lang="en"/>
-              <a:t>49</a:t>
+              <a:t>48</a:t>
             </a:fld>
             <a:endParaRPr/>
           </a:p>
@@ -38935,6 +37835,370 @@
 </p:sld>
 </file>
 
+<file path=ppt/slides/slide49.xml><?xml version="1.0" encoding="utf-8"?>
+<p:sld xmlns:a="http://schemas.openxmlformats.org/drawingml/2006/main" xmlns:r="http://schemas.openxmlformats.org/officeDocument/2006/relationships" xmlns:p="http://schemas.openxmlformats.org/presentationml/2006/main">
+  <p:cSld>
+    <p:spTree>
+      <p:nvGrpSpPr>
+        <p:cNvPr id="1" name="Shape 795"/>
+        <p:cNvGrpSpPr/>
+        <p:nvPr/>
+      </p:nvGrpSpPr>
+      <p:grpSpPr>
+        <a:xfrm>
+          <a:off x="0" y="0"/>
+          <a:ext cx="0" cy="0"/>
+          <a:chOff x="0" y="0"/>
+          <a:chExt cx="0" cy="0"/>
+        </a:xfrm>
+      </p:grpSpPr>
+      <p:sp>
+        <p:nvSpPr>
+          <p:cNvPr id="796" name="Google Shape;796;p91"/>
+          <p:cNvSpPr txBox="1">
+            <a:spLocks noGrp="1"/>
+          </p:cNvSpPr>
+          <p:nvPr>
+            <p:ph type="title"/>
+          </p:nvPr>
+        </p:nvSpPr>
+        <p:spPr>
+          <a:xfrm>
+            <a:off x="102700" y="270875"/>
+            <a:ext cx="8520600" cy="572700"/>
+          </a:xfrm>
+          <a:prstGeom prst="rect">
+            <a:avLst/>
+          </a:prstGeom>
+        </p:spPr>
+        <p:txBody>
+          <a:bodyPr spcFirstLastPara="1" wrap="square" lIns="91425" tIns="91425" rIns="91425" bIns="91425" anchor="t" anchorCtr="0">
+            <a:normAutofit fontScale="90000"/>
+          </a:bodyPr>
+          <a:lstStyle/>
+          <a:p>
+            <a:pPr marL="0" lvl="0" indent="0" algn="l" rtl="0">
+              <a:spcBef>
+                <a:spcPts val="0"/>
+              </a:spcBef>
+              <a:spcAft>
+                <a:spcPts val="0"/>
+              </a:spcAft>
+              <a:buNone/>
+            </a:pPr>
+            <a:r>
+              <a:rPr lang="en"/>
+              <a:t>Summary: XSS</a:t>
+            </a:r>
+            <a:endParaRPr/>
+          </a:p>
+        </p:txBody>
+      </p:sp>
+      <p:sp>
+        <p:nvSpPr>
+          <p:cNvPr id="797" name="Google Shape;797;p91"/>
+          <p:cNvSpPr txBox="1">
+            <a:spLocks noGrp="1"/>
+          </p:cNvSpPr>
+          <p:nvPr>
+            <p:ph type="body" idx="1"/>
+          </p:nvPr>
+        </p:nvSpPr>
+        <p:spPr>
+          <a:xfrm>
+            <a:off x="198500" y="1246825"/>
+            <a:ext cx="8520600" cy="3765600"/>
+          </a:xfrm>
+          <a:prstGeom prst="rect">
+            <a:avLst/>
+          </a:prstGeom>
+        </p:spPr>
+        <p:txBody>
+          <a:bodyPr spcFirstLastPara="1" wrap="square" lIns="91425" tIns="91425" rIns="91425" bIns="91425" anchor="t" anchorCtr="0">
+            <a:normAutofit/>
+          </a:bodyPr>
+          <a:lstStyle/>
+          <a:p>
+            <a:pPr marL="457200" lvl="0" indent="-342900" algn="l" rtl="0">
+              <a:spcBef>
+                <a:spcPts val="0"/>
+              </a:spcBef>
+              <a:spcAft>
+                <a:spcPts val="0"/>
+              </a:spcAft>
+              <a:buSzPts val="1800"/>
+              <a:buChar char="●"/>
+            </a:pPr>
+            <a:r>
+              <a:rPr lang="en"/>
+              <a:t>Websites use untrusted content as control data</a:t>
+            </a:r>
+            <a:endParaRPr/>
+          </a:p>
+          <a:p>
+            <a:pPr marL="914400" lvl="1" indent="-317500" algn="l" rtl="0">
+              <a:spcBef>
+                <a:spcPts val="0"/>
+              </a:spcBef>
+              <a:spcAft>
+                <a:spcPts val="0"/>
+              </a:spcAft>
+              <a:buSzPts val="1400"/>
+              <a:buFont typeface="Courier New"/>
+              <a:buChar char="○"/>
+            </a:pPr>
+            <a:r>
+              <a:rPr lang="en" b="1">
+                <a:latin typeface="Courier New"/>
+                <a:ea typeface="Courier New"/>
+                <a:cs typeface="Courier New"/>
+                <a:sym typeface="Courier New"/>
+              </a:rPr>
+              <a:t>&lt;html&gt;&lt;body&gt;Hello </a:t>
+            </a:r>
+            <a:r>
+              <a:rPr lang="en" b="1">
+                <a:solidFill>
+                  <a:srgbClr val="FF0000"/>
+                </a:solidFill>
+                <a:latin typeface="Courier New"/>
+                <a:ea typeface="Courier New"/>
+                <a:cs typeface="Courier New"/>
+                <a:sym typeface="Courier New"/>
+              </a:rPr>
+              <a:t>EvanBot</a:t>
+            </a:r>
+            <a:r>
+              <a:rPr lang="en" b="1">
+                <a:latin typeface="Courier New"/>
+                <a:ea typeface="Courier New"/>
+                <a:cs typeface="Courier New"/>
+                <a:sym typeface="Courier New"/>
+              </a:rPr>
+              <a:t>!&lt;/body&gt;&lt;/html&gt;</a:t>
+            </a:r>
+            <a:endParaRPr sz="1800" b="1">
+              <a:latin typeface="Courier New"/>
+              <a:ea typeface="Courier New"/>
+              <a:cs typeface="Courier New"/>
+              <a:sym typeface="Courier New"/>
+            </a:endParaRPr>
+          </a:p>
+          <a:p>
+            <a:pPr marL="914400" lvl="1" indent="-317500" algn="l" rtl="0">
+              <a:spcBef>
+                <a:spcPts val="0"/>
+              </a:spcBef>
+              <a:spcAft>
+                <a:spcPts val="0"/>
+              </a:spcAft>
+              <a:buSzPts val="1400"/>
+              <a:buFont typeface="Courier New"/>
+              <a:buChar char="○"/>
+            </a:pPr>
+            <a:r>
+              <a:rPr lang="en" b="1">
+                <a:latin typeface="Courier New"/>
+                <a:ea typeface="Courier New"/>
+                <a:cs typeface="Courier New"/>
+                <a:sym typeface="Courier New"/>
+              </a:rPr>
+              <a:t>&lt;html&gt;&lt;body&gt;Hello </a:t>
+            </a:r>
+            <a:r>
+              <a:rPr lang="en" b="1">
+                <a:solidFill>
+                  <a:srgbClr val="FF0000"/>
+                </a:solidFill>
+                <a:latin typeface="Courier New"/>
+                <a:ea typeface="Courier New"/>
+                <a:cs typeface="Courier New"/>
+                <a:sym typeface="Courier New"/>
+              </a:rPr>
+              <a:t>&lt;script&gt;alert(1)&lt;/script&gt;</a:t>
+            </a:r>
+            <a:r>
+              <a:rPr lang="en" b="1">
+                <a:latin typeface="Courier New"/>
+                <a:ea typeface="Courier New"/>
+                <a:cs typeface="Courier New"/>
+                <a:sym typeface="Courier New"/>
+              </a:rPr>
+              <a:t>!&lt;/body&gt;&lt;/html&gt;</a:t>
+            </a:r>
+            <a:endParaRPr/>
+          </a:p>
+          <a:p>
+            <a:pPr marL="457200" lvl="0" indent="-342900" algn="l" rtl="0">
+              <a:spcBef>
+                <a:spcPts val="0"/>
+              </a:spcBef>
+              <a:spcAft>
+                <a:spcPts val="0"/>
+              </a:spcAft>
+              <a:buSzPts val="1800"/>
+              <a:buChar char="●"/>
+            </a:pPr>
+            <a:r>
+              <a:rPr lang="en"/>
+              <a:t>Stored XSS</a:t>
+            </a:r>
+            <a:endParaRPr/>
+          </a:p>
+          <a:p>
+            <a:pPr marL="914400" lvl="1" indent="-317500" algn="l" rtl="0">
+              <a:spcBef>
+                <a:spcPts val="0"/>
+              </a:spcBef>
+              <a:spcAft>
+                <a:spcPts val="0"/>
+              </a:spcAft>
+              <a:buSzPts val="1400"/>
+              <a:buChar char="○"/>
+            </a:pPr>
+            <a:r>
+              <a:rPr lang="en"/>
+              <a:t>The attacker’s JavaScript is stored on the legitimate server and sent to browsers</a:t>
+            </a:r>
+            <a:endParaRPr/>
+          </a:p>
+          <a:p>
+            <a:pPr marL="914400" lvl="1" indent="-317500" algn="l" rtl="0">
+              <a:spcBef>
+                <a:spcPts val="0"/>
+              </a:spcBef>
+              <a:spcAft>
+                <a:spcPts val="0"/>
+              </a:spcAft>
+              <a:buSzPts val="1400"/>
+              <a:buChar char="○"/>
+            </a:pPr>
+            <a:r>
+              <a:rPr lang="en"/>
+              <a:t>Classic example: Make a post on a social media site (e.g. Facebook) with JavaScript</a:t>
+            </a:r>
+            <a:endParaRPr/>
+          </a:p>
+          <a:p>
+            <a:pPr marL="457200" lvl="0" indent="-342900" algn="l" rtl="0">
+              <a:spcBef>
+                <a:spcPts val="0"/>
+              </a:spcBef>
+              <a:spcAft>
+                <a:spcPts val="0"/>
+              </a:spcAft>
+              <a:buSzPts val="1800"/>
+              <a:buChar char="●"/>
+            </a:pPr>
+            <a:r>
+              <a:rPr lang="en"/>
+              <a:t>Reflected XSS</a:t>
+            </a:r>
+            <a:endParaRPr/>
+          </a:p>
+          <a:p>
+            <a:pPr marL="914400" lvl="1" indent="-317500" algn="l" rtl="0">
+              <a:spcBef>
+                <a:spcPts val="0"/>
+              </a:spcBef>
+              <a:spcAft>
+                <a:spcPts val="0"/>
+              </a:spcAft>
+              <a:buSzPts val="1400"/>
+              <a:buChar char="○"/>
+            </a:pPr>
+            <a:r>
+              <a:rPr lang="en"/>
+              <a:t>The attacker causes the victim to input JavaScript into a request, and the content it’s reflected (copied) in the response from the server</a:t>
+            </a:r>
+            <a:endParaRPr/>
+          </a:p>
+          <a:p>
+            <a:pPr marL="914400" lvl="1" indent="-317500" algn="l" rtl="0">
+              <a:spcBef>
+                <a:spcPts val="0"/>
+              </a:spcBef>
+              <a:spcAft>
+                <a:spcPts val="0"/>
+              </a:spcAft>
+              <a:buSzPts val="1400"/>
+              <a:buChar char="○"/>
+            </a:pPr>
+            <a:r>
+              <a:rPr lang="en"/>
+              <a:t>Classic example: Create a link for a search engine (e.g. Google) query with JavaScript</a:t>
+            </a:r>
+            <a:endParaRPr/>
+          </a:p>
+          <a:p>
+            <a:pPr marL="914400" lvl="1" indent="-317500" algn="l" rtl="0">
+              <a:spcBef>
+                <a:spcPts val="0"/>
+              </a:spcBef>
+              <a:spcAft>
+                <a:spcPts val="0"/>
+              </a:spcAft>
+              <a:buSzPts val="1400"/>
+              <a:buChar char="○"/>
+            </a:pPr>
+            <a:r>
+              <a:rPr lang="en"/>
+              <a:t>Requires the victim to click on the link with JavaScript</a:t>
+            </a:r>
+            <a:endParaRPr/>
+          </a:p>
+        </p:txBody>
+      </p:sp>
+      <p:sp>
+        <p:nvSpPr>
+          <p:cNvPr id="798" name="Google Shape;798;p91"/>
+          <p:cNvSpPr txBox="1">
+            <a:spLocks noGrp="1"/>
+          </p:cNvSpPr>
+          <p:nvPr>
+            <p:ph type="sldNum" idx="12"/>
+          </p:nvPr>
+        </p:nvSpPr>
+        <p:spPr>
+          <a:xfrm>
+            <a:off x="8472458" y="4663217"/>
+            <a:ext cx="548700" cy="393600"/>
+          </a:xfrm>
+          <a:prstGeom prst="rect">
+            <a:avLst/>
+          </a:prstGeom>
+        </p:spPr>
+        <p:txBody>
+          <a:bodyPr spcFirstLastPara="1" wrap="square" lIns="91425" tIns="91425" rIns="91425" bIns="91425" anchor="ctr" anchorCtr="0">
+            <a:normAutofit/>
+          </a:bodyPr>
+          <a:lstStyle/>
+          <a:p>
+            <a:pPr marL="0" lvl="0" indent="0" algn="r" rtl="0">
+              <a:spcBef>
+                <a:spcPts val="0"/>
+              </a:spcBef>
+              <a:spcAft>
+                <a:spcPts val="0"/>
+              </a:spcAft>
+              <a:buNone/>
+            </a:pPr>
+            <a:fld id="{00000000-1234-1234-1234-123412341234}" type="slidenum">
+              <a:rPr lang="en"/>
+              <a:t>49</a:t>
+            </a:fld>
+            <a:endParaRPr/>
+          </a:p>
+        </p:txBody>
+      </p:sp>
+    </p:spTree>
+  </p:cSld>
+  <p:clrMapOvr>
+    <a:masterClrMapping/>
+  </p:clrMapOvr>
+</p:sld>
+</file>
+
 <file path=ppt/slides/slide5.xml><?xml version="1.0" encoding="utf-8"?>
 <p:sld xmlns:a="http://schemas.openxmlformats.org/drawingml/2006/main" xmlns:r="http://schemas.openxmlformats.org/officeDocument/2006/relationships" xmlns:p="http://schemas.openxmlformats.org/presentationml/2006/main">
   <p:cSld>
@@ -39123,502 +38387,10 @@
   <p:clrMapOvr>
     <a:masterClrMapping/>
   </p:clrMapOvr>
-  <p:timing>
-    <p:tnLst>
-      <p:par>
-        <p:cTn id="1" dur="indefinite" restart="never" nodeType="tmRoot">
-          <p:childTnLst>
-            <p:seq concurrent="1" nextAc="seek">
-              <p:cTn id="2" dur="indefinite" nodeType="mainSeq">
-                <p:childTnLst>
-                  <p:par>
-                    <p:cTn id="3" fill="hold">
-                      <p:stCondLst>
-                        <p:cond delay="indefinite"/>
-                      </p:stCondLst>
-                      <p:childTnLst>
-                        <p:par>
-                          <p:cTn id="4" fill="hold">
-                            <p:stCondLst>
-                              <p:cond delay="0"/>
-                            </p:stCondLst>
-                            <p:childTnLst>
-                              <p:par>
-                                <p:cTn id="5" presetID="1" presetClass="entr" presetSubtype="0" fill="hold" nodeType="clickEffect">
-                                  <p:stCondLst>
-                                    <p:cond delay="0"/>
-                                  </p:stCondLst>
-                                  <p:childTnLst>
-                                    <p:set>
-                                      <p:cBhvr>
-                                        <p:cTn id="6" dur="1" fill="hold">
-                                          <p:stCondLst>
-                                            <p:cond delay="0"/>
-                                          </p:stCondLst>
-                                        </p:cTn>
-                                        <p:tgtEl>
-                                          <p:spTgt spid="128">
-                                            <p:txEl>
-                                              <p:pRg st="0" end="0"/>
-                                            </p:txEl>
-                                          </p:spTgt>
-                                        </p:tgtEl>
-                                        <p:attrNameLst>
-                                          <p:attrName>style.visibility</p:attrName>
-                                        </p:attrNameLst>
-                                      </p:cBhvr>
-                                      <p:to>
-                                        <p:strVal val="visible"/>
-                                      </p:to>
-                                    </p:set>
-                                  </p:childTnLst>
-                                </p:cTn>
-                              </p:par>
-                            </p:childTnLst>
-                          </p:cTn>
-                        </p:par>
-                      </p:childTnLst>
-                    </p:cTn>
-                  </p:par>
-                  <p:par>
-                    <p:cTn id="7" fill="hold">
-                      <p:stCondLst>
-                        <p:cond delay="indefinite"/>
-                      </p:stCondLst>
-                      <p:childTnLst>
-                        <p:par>
-                          <p:cTn id="8" fill="hold">
-                            <p:stCondLst>
-                              <p:cond delay="0"/>
-                            </p:stCondLst>
-                            <p:childTnLst>
-                              <p:par>
-                                <p:cTn id="9" presetID="1" presetClass="entr" presetSubtype="0" fill="hold" nodeType="clickEffect">
-                                  <p:stCondLst>
-                                    <p:cond delay="0"/>
-                                  </p:stCondLst>
-                                  <p:childTnLst>
-                                    <p:set>
-                                      <p:cBhvr>
-                                        <p:cTn id="10" dur="1" fill="hold">
-                                          <p:stCondLst>
-                                            <p:cond delay="0"/>
-                                          </p:stCondLst>
-                                        </p:cTn>
-                                        <p:tgtEl>
-                                          <p:spTgt spid="128">
-                                            <p:txEl>
-                                              <p:pRg st="1" end="1"/>
-                                            </p:txEl>
-                                          </p:spTgt>
-                                        </p:tgtEl>
-                                        <p:attrNameLst>
-                                          <p:attrName>style.visibility</p:attrName>
-                                        </p:attrNameLst>
-                                      </p:cBhvr>
-                                      <p:to>
-                                        <p:strVal val="visible"/>
-                                      </p:to>
-                                    </p:set>
-                                  </p:childTnLst>
-                                </p:cTn>
-                              </p:par>
-                            </p:childTnLst>
-                          </p:cTn>
-                        </p:par>
-                      </p:childTnLst>
-                    </p:cTn>
-                  </p:par>
-                </p:childTnLst>
-              </p:cTn>
-              <p:prevCondLst>
-                <p:cond evt="onPrev" delay="0">
-                  <p:tgtEl>
-                    <p:sldTgt/>
-                  </p:tgtEl>
-                </p:cond>
-              </p:prevCondLst>
-              <p:nextCondLst>
-                <p:cond evt="onNext" delay="0">
-                  <p:tgtEl>
-                    <p:sldTgt/>
-                  </p:tgtEl>
-                </p:cond>
-              </p:nextCondLst>
-            </p:seq>
-          </p:childTnLst>
-        </p:cTn>
-      </p:par>
-    </p:tnLst>
-  </p:timing>
 </p:sld>
 </file>
 
 <file path=ppt/slides/slide50.xml><?xml version="1.0" encoding="utf-8"?>
-<p:sld xmlns:a="http://schemas.openxmlformats.org/drawingml/2006/main" xmlns:r="http://schemas.openxmlformats.org/officeDocument/2006/relationships" xmlns:p="http://schemas.openxmlformats.org/presentationml/2006/main">
-  <p:cSld>
-    <p:spTree>
-      <p:nvGrpSpPr>
-        <p:cNvPr id="1" name="Shape 795"/>
-        <p:cNvGrpSpPr/>
-        <p:nvPr/>
-      </p:nvGrpSpPr>
-      <p:grpSpPr>
-        <a:xfrm>
-          <a:off x="0" y="0"/>
-          <a:ext cx="0" cy="0"/>
-          <a:chOff x="0" y="0"/>
-          <a:chExt cx="0" cy="0"/>
-        </a:xfrm>
-      </p:grpSpPr>
-      <p:sp>
-        <p:nvSpPr>
-          <p:cNvPr id="796" name="Google Shape;796;p91"/>
-          <p:cNvSpPr txBox="1">
-            <a:spLocks noGrp="1"/>
-          </p:cNvSpPr>
-          <p:nvPr>
-            <p:ph type="title"/>
-          </p:nvPr>
-        </p:nvSpPr>
-        <p:spPr>
-          <a:xfrm>
-            <a:off x="102700" y="270875"/>
-            <a:ext cx="8520600" cy="572700"/>
-          </a:xfrm>
-          <a:prstGeom prst="rect">
-            <a:avLst/>
-          </a:prstGeom>
-        </p:spPr>
-        <p:txBody>
-          <a:bodyPr spcFirstLastPara="1" wrap="square" lIns="91425" tIns="91425" rIns="91425" bIns="91425" anchor="t" anchorCtr="0">
-            <a:normAutofit fontScale="90000"/>
-          </a:bodyPr>
-          <a:lstStyle/>
-          <a:p>
-            <a:pPr marL="0" lvl="0" indent="0" algn="l" rtl="0">
-              <a:spcBef>
-                <a:spcPts val="0"/>
-              </a:spcBef>
-              <a:spcAft>
-                <a:spcPts val="0"/>
-              </a:spcAft>
-              <a:buNone/>
-            </a:pPr>
-            <a:r>
-              <a:rPr lang="en"/>
-              <a:t>Summary: XSS</a:t>
-            </a:r>
-            <a:endParaRPr/>
-          </a:p>
-        </p:txBody>
-      </p:sp>
-      <p:sp>
-        <p:nvSpPr>
-          <p:cNvPr id="797" name="Google Shape;797;p91"/>
-          <p:cNvSpPr txBox="1">
-            <a:spLocks noGrp="1"/>
-          </p:cNvSpPr>
-          <p:nvPr>
-            <p:ph type="body" idx="1"/>
-          </p:nvPr>
-        </p:nvSpPr>
-        <p:spPr>
-          <a:xfrm>
-            <a:off x="198500" y="1246825"/>
-            <a:ext cx="8520600" cy="3765600"/>
-          </a:xfrm>
-          <a:prstGeom prst="rect">
-            <a:avLst/>
-          </a:prstGeom>
-        </p:spPr>
-        <p:txBody>
-          <a:bodyPr spcFirstLastPara="1" wrap="square" lIns="91425" tIns="91425" rIns="91425" bIns="91425" anchor="t" anchorCtr="0">
-            <a:normAutofit/>
-          </a:bodyPr>
-          <a:lstStyle/>
-          <a:p>
-            <a:pPr marL="457200" lvl="0" indent="-342900" algn="l" rtl="0">
-              <a:spcBef>
-                <a:spcPts val="0"/>
-              </a:spcBef>
-              <a:spcAft>
-                <a:spcPts val="0"/>
-              </a:spcAft>
-              <a:buSzPts val="1800"/>
-              <a:buChar char="●"/>
-            </a:pPr>
-            <a:r>
-              <a:rPr lang="en"/>
-              <a:t>Websites use untrusted content as control data</a:t>
-            </a:r>
-            <a:endParaRPr/>
-          </a:p>
-          <a:p>
-            <a:pPr marL="914400" lvl="1" indent="-317500" algn="l" rtl="0">
-              <a:spcBef>
-                <a:spcPts val="0"/>
-              </a:spcBef>
-              <a:spcAft>
-                <a:spcPts val="0"/>
-              </a:spcAft>
-              <a:buSzPts val="1400"/>
-              <a:buFont typeface="Courier New"/>
-              <a:buChar char="○"/>
-            </a:pPr>
-            <a:r>
-              <a:rPr lang="en" b="1">
-                <a:latin typeface="Courier New"/>
-                <a:ea typeface="Courier New"/>
-                <a:cs typeface="Courier New"/>
-                <a:sym typeface="Courier New"/>
-              </a:rPr>
-              <a:t>&lt;html&gt;&lt;body&gt;Hello </a:t>
-            </a:r>
-            <a:r>
-              <a:rPr lang="en" b="1">
-                <a:solidFill>
-                  <a:srgbClr val="FF0000"/>
-                </a:solidFill>
-                <a:latin typeface="Courier New"/>
-                <a:ea typeface="Courier New"/>
-                <a:cs typeface="Courier New"/>
-                <a:sym typeface="Courier New"/>
-              </a:rPr>
-              <a:t>EvanBot</a:t>
-            </a:r>
-            <a:r>
-              <a:rPr lang="en" b="1">
-                <a:latin typeface="Courier New"/>
-                <a:ea typeface="Courier New"/>
-                <a:cs typeface="Courier New"/>
-                <a:sym typeface="Courier New"/>
-              </a:rPr>
-              <a:t>!&lt;/body&gt;&lt;/html&gt;</a:t>
-            </a:r>
-            <a:endParaRPr sz="1800" b="1">
-              <a:latin typeface="Courier New"/>
-              <a:ea typeface="Courier New"/>
-              <a:cs typeface="Courier New"/>
-              <a:sym typeface="Courier New"/>
-            </a:endParaRPr>
-          </a:p>
-          <a:p>
-            <a:pPr marL="914400" lvl="1" indent="-317500" algn="l" rtl="0">
-              <a:spcBef>
-                <a:spcPts val="0"/>
-              </a:spcBef>
-              <a:spcAft>
-                <a:spcPts val="0"/>
-              </a:spcAft>
-              <a:buSzPts val="1400"/>
-              <a:buFont typeface="Courier New"/>
-              <a:buChar char="○"/>
-            </a:pPr>
-            <a:r>
-              <a:rPr lang="en" b="1">
-                <a:latin typeface="Courier New"/>
-                <a:ea typeface="Courier New"/>
-                <a:cs typeface="Courier New"/>
-                <a:sym typeface="Courier New"/>
-              </a:rPr>
-              <a:t>&lt;html&gt;&lt;body&gt;Hello </a:t>
-            </a:r>
-            <a:r>
-              <a:rPr lang="en" b="1">
-                <a:solidFill>
-                  <a:srgbClr val="FF0000"/>
-                </a:solidFill>
-                <a:latin typeface="Courier New"/>
-                <a:ea typeface="Courier New"/>
-                <a:cs typeface="Courier New"/>
-                <a:sym typeface="Courier New"/>
-              </a:rPr>
-              <a:t>&lt;script&gt;alert(1)&lt;/script&gt;</a:t>
-            </a:r>
-            <a:r>
-              <a:rPr lang="en" b="1">
-                <a:latin typeface="Courier New"/>
-                <a:ea typeface="Courier New"/>
-                <a:cs typeface="Courier New"/>
-                <a:sym typeface="Courier New"/>
-              </a:rPr>
-              <a:t>!&lt;/body&gt;&lt;/html&gt;</a:t>
-            </a:r>
-            <a:endParaRPr/>
-          </a:p>
-          <a:p>
-            <a:pPr marL="457200" lvl="0" indent="-342900" algn="l" rtl="0">
-              <a:spcBef>
-                <a:spcPts val="0"/>
-              </a:spcBef>
-              <a:spcAft>
-                <a:spcPts val="0"/>
-              </a:spcAft>
-              <a:buSzPts val="1800"/>
-              <a:buChar char="●"/>
-            </a:pPr>
-            <a:r>
-              <a:rPr lang="en"/>
-              <a:t>Stored XSS</a:t>
-            </a:r>
-            <a:endParaRPr/>
-          </a:p>
-          <a:p>
-            <a:pPr marL="914400" lvl="1" indent="-317500" algn="l" rtl="0">
-              <a:spcBef>
-                <a:spcPts val="0"/>
-              </a:spcBef>
-              <a:spcAft>
-                <a:spcPts val="0"/>
-              </a:spcAft>
-              <a:buSzPts val="1400"/>
-              <a:buChar char="○"/>
-            </a:pPr>
-            <a:r>
-              <a:rPr lang="en"/>
-              <a:t>The attacker’s JavaScript is stored on the legitimate server and sent to browsers</a:t>
-            </a:r>
-            <a:endParaRPr/>
-          </a:p>
-          <a:p>
-            <a:pPr marL="914400" lvl="1" indent="-317500" algn="l" rtl="0">
-              <a:spcBef>
-                <a:spcPts val="0"/>
-              </a:spcBef>
-              <a:spcAft>
-                <a:spcPts val="0"/>
-              </a:spcAft>
-              <a:buSzPts val="1400"/>
-              <a:buChar char="○"/>
-            </a:pPr>
-            <a:r>
-              <a:rPr lang="en"/>
-              <a:t>Classic example: Make a post on a social media site (e.g. Facebook) with JavaScript</a:t>
-            </a:r>
-            <a:endParaRPr/>
-          </a:p>
-          <a:p>
-            <a:pPr marL="457200" lvl="0" indent="-342900" algn="l" rtl="0">
-              <a:spcBef>
-                <a:spcPts val="0"/>
-              </a:spcBef>
-              <a:spcAft>
-                <a:spcPts val="0"/>
-              </a:spcAft>
-              <a:buSzPts val="1800"/>
-              <a:buChar char="●"/>
-            </a:pPr>
-            <a:r>
-              <a:rPr lang="en"/>
-              <a:t>Reflected XSS</a:t>
-            </a:r>
-            <a:endParaRPr/>
-          </a:p>
-          <a:p>
-            <a:pPr marL="914400" lvl="1" indent="-317500" algn="l" rtl="0">
-              <a:spcBef>
-                <a:spcPts val="0"/>
-              </a:spcBef>
-              <a:spcAft>
-                <a:spcPts val="0"/>
-              </a:spcAft>
-              <a:buSzPts val="1400"/>
-              <a:buChar char="○"/>
-            </a:pPr>
-            <a:r>
-              <a:rPr lang="en"/>
-              <a:t>The attacker causes the victim to input JavaScript into a request, and the content it’s reflected (copied) in the response from the server</a:t>
-            </a:r>
-            <a:endParaRPr/>
-          </a:p>
-          <a:p>
-            <a:pPr marL="914400" lvl="1" indent="-317500" algn="l" rtl="0">
-              <a:spcBef>
-                <a:spcPts val="0"/>
-              </a:spcBef>
-              <a:spcAft>
-                <a:spcPts val="0"/>
-              </a:spcAft>
-              <a:buSzPts val="1400"/>
-              <a:buChar char="○"/>
-            </a:pPr>
-            <a:r>
-              <a:rPr lang="en"/>
-              <a:t>Classic example: Create a link for a search engine (e.g. Google) query with JavaScript</a:t>
-            </a:r>
-            <a:endParaRPr/>
-          </a:p>
-          <a:p>
-            <a:pPr marL="914400" lvl="1" indent="-317500" algn="l" rtl="0">
-              <a:spcBef>
-                <a:spcPts val="0"/>
-              </a:spcBef>
-              <a:spcAft>
-                <a:spcPts val="0"/>
-              </a:spcAft>
-              <a:buSzPts val="1400"/>
-              <a:buChar char="○"/>
-            </a:pPr>
-            <a:r>
-              <a:rPr lang="en"/>
-              <a:t>Requires the victim to click on the link with JavaScript</a:t>
-            </a:r>
-            <a:endParaRPr/>
-          </a:p>
-        </p:txBody>
-      </p:sp>
-      <p:sp>
-        <p:nvSpPr>
-          <p:cNvPr id="798" name="Google Shape;798;p91"/>
-          <p:cNvSpPr txBox="1">
-            <a:spLocks noGrp="1"/>
-          </p:cNvSpPr>
-          <p:nvPr>
-            <p:ph type="sldNum" idx="12"/>
-          </p:nvPr>
-        </p:nvSpPr>
-        <p:spPr>
-          <a:xfrm>
-            <a:off x="8472458" y="4663217"/>
-            <a:ext cx="548700" cy="393600"/>
-          </a:xfrm>
-          <a:prstGeom prst="rect">
-            <a:avLst/>
-          </a:prstGeom>
-        </p:spPr>
-        <p:txBody>
-          <a:bodyPr spcFirstLastPara="1" wrap="square" lIns="91425" tIns="91425" rIns="91425" bIns="91425" anchor="ctr" anchorCtr="0">
-            <a:normAutofit/>
-          </a:bodyPr>
-          <a:lstStyle/>
-          <a:p>
-            <a:pPr marL="0" lvl="0" indent="0" algn="r" rtl="0">
-              <a:spcBef>
-                <a:spcPts val="0"/>
-              </a:spcBef>
-              <a:spcAft>
-                <a:spcPts val="0"/>
-              </a:spcAft>
-              <a:buNone/>
-            </a:pPr>
-            <a:fld id="{00000000-1234-1234-1234-123412341234}" type="slidenum">
-              <a:rPr lang="en"/>
-              <a:t>50</a:t>
-            </a:fld>
-            <a:endParaRPr/>
-          </a:p>
-        </p:txBody>
-      </p:sp>
-    </p:spTree>
-  </p:cSld>
-  <p:clrMapOvr>
-    <a:masterClrMapping/>
-  </p:clrMapOvr>
-</p:sld>
-</file>
-
-<file path=ppt/slides/slide51.xml><?xml version="1.0" encoding="utf-8"?>
 <p:sld xmlns:a="http://schemas.openxmlformats.org/drawingml/2006/main" xmlns:r="http://schemas.openxmlformats.org/officeDocument/2006/relationships" xmlns:p="http://schemas.openxmlformats.org/presentationml/2006/main">
   <p:cSld>
     <p:spTree>
@@ -39939,7 +38711,7 @@
             </a:pPr>
             <a:fld id="{00000000-1234-1234-1234-123412341234}" type="slidenum">
               <a:rPr lang="en"/>
-              <a:t>51</a:t>
+              <a:t>50</a:t>
             </a:fld>
             <a:endParaRPr/>
           </a:p>
@@ -39953,7 +38725,7 @@
 </p:sld>
 </file>
 
-<file path=ppt/slides/slide52.xml><?xml version="1.0" encoding="utf-8"?>
+<file path=ppt/slides/slide51.xml><?xml version="1.0" encoding="utf-8"?>
 <p:sld xmlns:a="http://schemas.openxmlformats.org/drawingml/2006/main" xmlns:r="http://schemas.openxmlformats.org/officeDocument/2006/relationships" xmlns:p="http://schemas.openxmlformats.org/presentationml/2006/main">
   <p:cSld>
     <p:spTree>
@@ -40295,7 +39067,7 @@
             </a:pPr>
             <a:fld id="{00000000-1234-1234-1234-123412341234}" type="slidenum">
               <a:rPr lang="en"/>
-              <a:t>52</a:t>
+              <a:t>51</a:t>
             </a:fld>
             <a:endParaRPr/>
           </a:p>
@@ -40309,7 +39081,7 @@
 </p:sld>
 </file>
 
-<file path=ppt/slides/slide53.xml><?xml version="1.0" encoding="utf-8"?>
+<file path=ppt/slides/slide52.xml><?xml version="1.0" encoding="utf-8"?>
 <p:sld xmlns:a="http://schemas.openxmlformats.org/drawingml/2006/main" xmlns:r="http://schemas.openxmlformats.org/officeDocument/2006/relationships" xmlns:p="http://schemas.openxmlformats.org/presentationml/2006/main">
   <p:cSld>
     <p:spTree>
@@ -40651,7 +39423,7 @@
             </a:pPr>
             <a:fld id="{00000000-1234-1234-1234-123412341234}" type="slidenum">
               <a:rPr lang="en"/>
-              <a:t>53</a:t>
+              <a:t>52</a:t>
             </a:fld>
             <a:endParaRPr/>
           </a:p>
@@ -40802,14 +39574,14 @@
               <a:buChar char="●"/>
             </a:pPr>
             <a:r>
-              <a:rPr lang="en" b="1"/>
+              <a:rPr lang="en" b="1" dirty="0"/>
               <a:t>JavaScript</a:t>
             </a:r>
             <a:r>
-              <a:rPr lang="en"/>
+              <a:rPr lang="en" dirty="0"/>
               <a:t>: A programming language for running code in the web browser</a:t>
             </a:r>
-            <a:endParaRPr/>
+            <a:endParaRPr dirty="0"/>
           </a:p>
           <a:p>
             <a:pPr marL="457200" lvl="0" indent="-342900" algn="l" rtl="0">
@@ -40823,14 +39595,14 @@
               <a:buChar char="●"/>
             </a:pPr>
             <a:r>
-              <a:rPr lang="en"/>
+              <a:rPr lang="en" dirty="0"/>
               <a:t>JavaScript is </a:t>
             </a:r>
             <a:r>
-              <a:rPr lang="en" b="1"/>
+              <a:rPr lang="en" b="1" dirty="0"/>
               <a:t>client-side</a:t>
             </a:r>
-            <a:endParaRPr/>
+            <a:endParaRPr dirty="0"/>
           </a:p>
           <a:p>
             <a:pPr marL="914400" lvl="1" indent="-317500" algn="l" rtl="0">
@@ -40844,10 +39616,10 @@
               <a:buChar char="○"/>
             </a:pPr>
             <a:r>
-              <a:rPr lang="en"/>
+              <a:rPr lang="en" dirty="0"/>
               <a:t>Code sent by the server as part of the response</a:t>
             </a:r>
-            <a:endParaRPr/>
+            <a:endParaRPr dirty="0"/>
           </a:p>
           <a:p>
             <a:pPr marL="914400" lvl="1" indent="-317500" algn="l" rtl="0">
@@ -40861,10 +39633,10 @@
               <a:buChar char="○"/>
             </a:pPr>
             <a:r>
-              <a:rPr lang="en"/>
+              <a:rPr lang="en" dirty="0"/>
               <a:t>Runs in the browser, not the web server!</a:t>
             </a:r>
-            <a:endParaRPr/>
+            <a:endParaRPr dirty="0"/>
           </a:p>
           <a:p>
             <a:pPr marL="457200" lvl="0" indent="-342900" algn="l" rtl="0">
@@ -40878,10 +39650,10 @@
               <a:buChar char="●"/>
             </a:pPr>
             <a:r>
-              <a:rPr lang="en"/>
+              <a:rPr lang="en" dirty="0"/>
               <a:t>Used to manipulate web pages (HTML and CSS)</a:t>
             </a:r>
-            <a:endParaRPr/>
+            <a:endParaRPr dirty="0"/>
           </a:p>
           <a:p>
             <a:pPr marL="914400" lvl="1" indent="-317500" algn="l" rtl="0">
@@ -40895,10 +39667,10 @@
               <a:buChar char="○"/>
             </a:pPr>
             <a:r>
-              <a:rPr lang="en"/>
+              <a:rPr lang="en" dirty="0"/>
               <a:t>Makes modern websites interactive</a:t>
             </a:r>
-            <a:endParaRPr/>
+            <a:endParaRPr dirty="0"/>
           </a:p>
           <a:p>
             <a:pPr marL="914400" lvl="1" indent="-317500" algn="l" rtl="0">
@@ -40912,11 +39684,11 @@
               <a:buChar char="○"/>
             </a:pPr>
             <a:r>
-              <a:rPr lang="en"/>
+              <a:rPr lang="en" dirty="0"/>
               <a:t>JavaScript can be directly embedded in HTML with </a:t>
             </a:r>
             <a:r>
-              <a:rPr lang="en" b="1">
+              <a:rPr lang="en" b="1" dirty="0">
                 <a:latin typeface="Courier New"/>
                 <a:ea typeface="Courier New"/>
                 <a:cs typeface="Courier New"/>
@@ -40925,10 +39697,10 @@
               <a:t>&lt;script&gt;</a:t>
             </a:r>
             <a:r>
-              <a:rPr lang="en"/>
+              <a:rPr lang="en" dirty="0"/>
               <a:t> tags</a:t>
             </a:r>
-            <a:endParaRPr/>
+            <a:endParaRPr dirty="0"/>
           </a:p>
           <a:p>
             <a:pPr marL="457200" lvl="0" indent="-342900" algn="l" rtl="0">
@@ -40942,10 +39714,10 @@
               <a:buChar char="●"/>
             </a:pPr>
             <a:r>
-              <a:rPr lang="en"/>
+              <a:rPr lang="en" dirty="0"/>
               <a:t>Most modern webpages involve JavaScript</a:t>
             </a:r>
-            <a:endParaRPr/>
+            <a:endParaRPr dirty="0"/>
           </a:p>
           <a:p>
             <a:pPr marL="914400" lvl="1" indent="-317500" algn="l" rtl="0">
@@ -40959,44 +39731,10 @@
               <a:buChar char="○"/>
             </a:pPr>
             <a:r>
-              <a:rPr lang="en"/>
+              <a:rPr lang="en" dirty="0"/>
               <a:t>JavaScript is supported by all modern web browsers</a:t>
             </a:r>
-            <a:endParaRPr/>
-          </a:p>
-          <a:p>
-            <a:pPr marL="457200" lvl="0" indent="-342900" algn="l" rtl="0">
-              <a:spcBef>
-                <a:spcPts val="0"/>
-              </a:spcBef>
-              <a:spcAft>
-                <a:spcPts val="0"/>
-              </a:spcAft>
-              <a:buSzPts val="1800"/>
-              <a:buChar char="●"/>
-            </a:pPr>
-            <a:r>
-              <a:rPr lang="en"/>
-              <a:t>You don’t need to know JavaScript syntax</a:t>
-            </a:r>
-            <a:endParaRPr/>
-          </a:p>
-          <a:p>
-            <a:pPr marL="914400" lvl="1" indent="-317500" algn="l" rtl="0">
-              <a:spcBef>
-                <a:spcPts val="0"/>
-              </a:spcBef>
-              <a:spcAft>
-                <a:spcPts val="0"/>
-              </a:spcAft>
-              <a:buSzPts val="1400"/>
-              <a:buChar char="○"/>
-            </a:pPr>
-            <a:r>
-              <a:rPr lang="en"/>
-              <a:t>However, knowing common attack functions helps</a:t>
-            </a:r>
-            <a:endParaRPr/>
+            <a:endParaRPr dirty="0"/>
           </a:p>
         </p:txBody>
       </p:sp>
@@ -41005,575 +39743,6 @@
   <p:clrMapOvr>
     <a:masterClrMapping/>
   </p:clrMapOvr>
-  <p:timing>
-    <p:tnLst>
-      <p:par>
-        <p:cTn id="1" dur="indefinite" restart="never" nodeType="tmRoot">
-          <p:childTnLst>
-            <p:seq concurrent="1" nextAc="seek">
-              <p:cTn id="2" dur="indefinite" nodeType="mainSeq">
-                <p:childTnLst>
-                  <p:par>
-                    <p:cTn id="3" fill="hold">
-                      <p:stCondLst>
-                        <p:cond delay="indefinite"/>
-                      </p:stCondLst>
-                      <p:childTnLst>
-                        <p:par>
-                          <p:cTn id="4" fill="hold">
-                            <p:stCondLst>
-                              <p:cond delay="0"/>
-                            </p:stCondLst>
-                            <p:childTnLst>
-                              <p:par>
-                                <p:cTn id="5" presetID="1" presetClass="entr" presetSubtype="0" fill="hold" nodeType="clickEffect">
-                                  <p:stCondLst>
-                                    <p:cond delay="0"/>
-                                  </p:stCondLst>
-                                  <p:childTnLst>
-                                    <p:set>
-                                      <p:cBhvr>
-                                        <p:cTn id="6" dur="1" fill="hold">
-                                          <p:stCondLst>
-                                            <p:cond delay="0"/>
-                                          </p:stCondLst>
-                                        </p:cTn>
-                                        <p:tgtEl>
-                                          <p:spTgt spid="136">
-                                            <p:txEl>
-                                              <p:pRg st="0" end="0"/>
-                                            </p:txEl>
-                                          </p:spTgt>
-                                        </p:tgtEl>
-                                        <p:attrNameLst>
-                                          <p:attrName>style.visibility</p:attrName>
-                                        </p:attrNameLst>
-                                      </p:cBhvr>
-                                      <p:to>
-                                        <p:strVal val="visible"/>
-                                      </p:to>
-                                    </p:set>
-                                  </p:childTnLst>
-                                </p:cTn>
-                              </p:par>
-                            </p:childTnLst>
-                          </p:cTn>
-                        </p:par>
-                      </p:childTnLst>
-                    </p:cTn>
-                  </p:par>
-                  <p:par>
-                    <p:cTn id="7" fill="hold">
-                      <p:stCondLst>
-                        <p:cond delay="indefinite"/>
-                      </p:stCondLst>
-                      <p:childTnLst>
-                        <p:par>
-                          <p:cTn id="8" fill="hold">
-                            <p:stCondLst>
-                              <p:cond delay="0"/>
-                            </p:stCondLst>
-                            <p:childTnLst>
-                              <p:par>
-                                <p:cTn id="9" presetID="1" presetClass="entr" presetSubtype="0" fill="hold" nodeType="clickEffect">
-                                  <p:stCondLst>
-                                    <p:cond delay="0"/>
-                                  </p:stCondLst>
-                                  <p:childTnLst>
-                                    <p:set>
-                                      <p:cBhvr>
-                                        <p:cTn id="10" dur="1" fill="hold">
-                                          <p:stCondLst>
-                                            <p:cond delay="0"/>
-                                          </p:stCondLst>
-                                        </p:cTn>
-                                        <p:tgtEl>
-                                          <p:spTgt spid="136">
-                                            <p:txEl>
-                                              <p:pRg st="1" end="1"/>
-                                            </p:txEl>
-                                          </p:spTgt>
-                                        </p:tgtEl>
-                                        <p:attrNameLst>
-                                          <p:attrName>style.visibility</p:attrName>
-                                        </p:attrNameLst>
-                                      </p:cBhvr>
-                                      <p:to>
-                                        <p:strVal val="visible"/>
-                                      </p:to>
-                                    </p:set>
-                                  </p:childTnLst>
-                                </p:cTn>
-                              </p:par>
-                            </p:childTnLst>
-                          </p:cTn>
-                        </p:par>
-                      </p:childTnLst>
-                    </p:cTn>
-                  </p:par>
-                  <p:par>
-                    <p:cTn id="11" fill="hold">
-                      <p:stCondLst>
-                        <p:cond delay="indefinite"/>
-                      </p:stCondLst>
-                      <p:childTnLst>
-                        <p:par>
-                          <p:cTn id="12" fill="hold">
-                            <p:stCondLst>
-                              <p:cond delay="0"/>
-                            </p:stCondLst>
-                            <p:childTnLst>
-                              <p:par>
-                                <p:cTn id="13" presetID="1" presetClass="entr" presetSubtype="0" fill="hold" nodeType="clickEffect">
-                                  <p:stCondLst>
-                                    <p:cond delay="0"/>
-                                  </p:stCondLst>
-                                  <p:childTnLst>
-                                    <p:set>
-                                      <p:cBhvr>
-                                        <p:cTn id="14" dur="1" fill="hold">
-                                          <p:stCondLst>
-                                            <p:cond delay="0"/>
-                                          </p:stCondLst>
-                                        </p:cTn>
-                                        <p:tgtEl>
-                                          <p:spTgt spid="136">
-                                            <p:txEl>
-                                              <p:pRg st="2" end="2"/>
-                                            </p:txEl>
-                                          </p:spTgt>
-                                        </p:tgtEl>
-                                        <p:attrNameLst>
-                                          <p:attrName>style.visibility</p:attrName>
-                                        </p:attrNameLst>
-                                      </p:cBhvr>
-                                      <p:to>
-                                        <p:strVal val="visible"/>
-                                      </p:to>
-                                    </p:set>
-                                  </p:childTnLst>
-                                </p:cTn>
-                              </p:par>
-                            </p:childTnLst>
-                          </p:cTn>
-                        </p:par>
-                      </p:childTnLst>
-                    </p:cTn>
-                  </p:par>
-                  <p:par>
-                    <p:cTn id="15" fill="hold">
-                      <p:stCondLst>
-                        <p:cond delay="indefinite"/>
-                      </p:stCondLst>
-                      <p:childTnLst>
-                        <p:par>
-                          <p:cTn id="16" fill="hold">
-                            <p:stCondLst>
-                              <p:cond delay="0"/>
-                            </p:stCondLst>
-                            <p:childTnLst>
-                              <p:par>
-                                <p:cTn id="17" presetID="1" presetClass="entr" presetSubtype="0" fill="hold" nodeType="clickEffect">
-                                  <p:stCondLst>
-                                    <p:cond delay="0"/>
-                                  </p:stCondLst>
-                                  <p:childTnLst>
-                                    <p:set>
-                                      <p:cBhvr>
-                                        <p:cTn id="18" dur="1" fill="hold">
-                                          <p:stCondLst>
-                                            <p:cond delay="0"/>
-                                          </p:stCondLst>
-                                        </p:cTn>
-                                        <p:tgtEl>
-                                          <p:spTgt spid="136">
-                                            <p:txEl>
-                                              <p:pRg st="3" end="3"/>
-                                            </p:txEl>
-                                          </p:spTgt>
-                                        </p:tgtEl>
-                                        <p:attrNameLst>
-                                          <p:attrName>style.visibility</p:attrName>
-                                        </p:attrNameLst>
-                                      </p:cBhvr>
-                                      <p:to>
-                                        <p:strVal val="visible"/>
-                                      </p:to>
-                                    </p:set>
-                                  </p:childTnLst>
-                                </p:cTn>
-                              </p:par>
-                            </p:childTnLst>
-                          </p:cTn>
-                        </p:par>
-                      </p:childTnLst>
-                    </p:cTn>
-                  </p:par>
-                  <p:par>
-                    <p:cTn id="19" fill="hold">
-                      <p:stCondLst>
-                        <p:cond delay="indefinite"/>
-                      </p:stCondLst>
-                      <p:childTnLst>
-                        <p:par>
-                          <p:cTn id="20" fill="hold">
-                            <p:stCondLst>
-                              <p:cond delay="0"/>
-                            </p:stCondLst>
-                            <p:childTnLst>
-                              <p:par>
-                                <p:cTn id="21" presetID="1" presetClass="entr" presetSubtype="0" fill="hold" nodeType="clickEffect">
-                                  <p:stCondLst>
-                                    <p:cond delay="0"/>
-                                  </p:stCondLst>
-                                  <p:childTnLst>
-                                    <p:set>
-                                      <p:cBhvr>
-                                        <p:cTn id="22" dur="1" fill="hold">
-                                          <p:stCondLst>
-                                            <p:cond delay="0"/>
-                                          </p:stCondLst>
-                                        </p:cTn>
-                                        <p:tgtEl>
-                                          <p:spTgt spid="136">
-                                            <p:txEl>
-                                              <p:pRg st="4" end="4"/>
-                                            </p:txEl>
-                                          </p:spTgt>
-                                        </p:tgtEl>
-                                        <p:attrNameLst>
-                                          <p:attrName>style.visibility</p:attrName>
-                                        </p:attrNameLst>
-                                      </p:cBhvr>
-                                      <p:to>
-                                        <p:strVal val="visible"/>
-                                      </p:to>
-                                    </p:set>
-                                  </p:childTnLst>
-                                </p:cTn>
-                              </p:par>
-                            </p:childTnLst>
-                          </p:cTn>
-                        </p:par>
-                      </p:childTnLst>
-                    </p:cTn>
-                  </p:par>
-                  <p:par>
-                    <p:cTn id="23" fill="hold">
-                      <p:stCondLst>
-                        <p:cond delay="indefinite"/>
-                      </p:stCondLst>
-                      <p:childTnLst>
-                        <p:par>
-                          <p:cTn id="24" fill="hold">
-                            <p:stCondLst>
-                              <p:cond delay="0"/>
-                            </p:stCondLst>
-                            <p:childTnLst>
-                              <p:par>
-                                <p:cTn id="25" presetID="1" presetClass="entr" presetSubtype="0" fill="hold" nodeType="clickEffect">
-                                  <p:stCondLst>
-                                    <p:cond delay="0"/>
-                                  </p:stCondLst>
-                                  <p:childTnLst>
-                                    <p:set>
-                                      <p:cBhvr>
-                                        <p:cTn id="26" dur="1" fill="hold">
-                                          <p:stCondLst>
-                                            <p:cond delay="0"/>
-                                          </p:stCondLst>
-                                        </p:cTn>
-                                        <p:tgtEl>
-                                          <p:spTgt spid="136">
-                                            <p:txEl>
-                                              <p:pRg st="5" end="5"/>
-                                            </p:txEl>
-                                          </p:spTgt>
-                                        </p:tgtEl>
-                                        <p:attrNameLst>
-                                          <p:attrName>style.visibility</p:attrName>
-                                        </p:attrNameLst>
-                                      </p:cBhvr>
-                                      <p:to>
-                                        <p:strVal val="visible"/>
-                                      </p:to>
-                                    </p:set>
-                                  </p:childTnLst>
-                                </p:cTn>
-                              </p:par>
-                            </p:childTnLst>
-                          </p:cTn>
-                        </p:par>
-                      </p:childTnLst>
-                    </p:cTn>
-                  </p:par>
-                  <p:par>
-                    <p:cTn id="27" fill="hold">
-                      <p:stCondLst>
-                        <p:cond delay="indefinite"/>
-                      </p:stCondLst>
-                      <p:childTnLst>
-                        <p:par>
-                          <p:cTn id="28" fill="hold">
-                            <p:stCondLst>
-                              <p:cond delay="0"/>
-                            </p:stCondLst>
-                            <p:childTnLst>
-                              <p:par>
-                                <p:cTn id="29" presetID="1" presetClass="entr" presetSubtype="0" fill="hold" nodeType="clickEffect">
-                                  <p:stCondLst>
-                                    <p:cond delay="0"/>
-                                  </p:stCondLst>
-                                  <p:childTnLst>
-                                    <p:set>
-                                      <p:cBhvr>
-                                        <p:cTn id="30" dur="1" fill="hold">
-                                          <p:stCondLst>
-                                            <p:cond delay="0"/>
-                                          </p:stCondLst>
-                                        </p:cTn>
-                                        <p:tgtEl>
-                                          <p:spTgt spid="136">
-                                            <p:txEl>
-                                              <p:pRg st="6" end="6"/>
-                                            </p:txEl>
-                                          </p:spTgt>
-                                        </p:tgtEl>
-                                        <p:attrNameLst>
-                                          <p:attrName>style.visibility</p:attrName>
-                                        </p:attrNameLst>
-                                      </p:cBhvr>
-                                      <p:to>
-                                        <p:strVal val="visible"/>
-                                      </p:to>
-                                    </p:set>
-                                  </p:childTnLst>
-                                </p:cTn>
-                              </p:par>
-                            </p:childTnLst>
-                          </p:cTn>
-                        </p:par>
-                      </p:childTnLst>
-                    </p:cTn>
-                  </p:par>
-                  <p:par>
-                    <p:cTn id="31" fill="hold">
-                      <p:stCondLst>
-                        <p:cond delay="indefinite"/>
-                      </p:stCondLst>
-                      <p:childTnLst>
-                        <p:par>
-                          <p:cTn id="32" fill="hold">
-                            <p:stCondLst>
-                              <p:cond delay="0"/>
-                            </p:stCondLst>
-                            <p:childTnLst>
-                              <p:par>
-                                <p:cTn id="33" presetID="1" presetClass="entr" presetSubtype="0" fill="hold" nodeType="clickEffect">
-                                  <p:stCondLst>
-                                    <p:cond delay="0"/>
-                                  </p:stCondLst>
-                                  <p:childTnLst>
-                                    <p:set>
-                                      <p:cBhvr>
-                                        <p:cTn id="34" dur="1" fill="hold">
-                                          <p:stCondLst>
-                                            <p:cond delay="0"/>
-                                          </p:stCondLst>
-                                        </p:cTn>
-                                        <p:tgtEl>
-                                          <p:spTgt spid="136">
-                                            <p:txEl>
-                                              <p:pRg st="7" end="7"/>
-                                            </p:txEl>
-                                          </p:spTgt>
-                                        </p:tgtEl>
-                                        <p:attrNameLst>
-                                          <p:attrName>style.visibility</p:attrName>
-                                        </p:attrNameLst>
-                                      </p:cBhvr>
-                                      <p:to>
-                                        <p:strVal val="visible"/>
-                                      </p:to>
-                                    </p:set>
-                                  </p:childTnLst>
-                                </p:cTn>
-                              </p:par>
-                            </p:childTnLst>
-                          </p:cTn>
-                        </p:par>
-                      </p:childTnLst>
-                    </p:cTn>
-                  </p:par>
-                  <p:par>
-                    <p:cTn id="35" fill="hold">
-                      <p:stCondLst>
-                        <p:cond delay="indefinite"/>
-                      </p:stCondLst>
-                      <p:childTnLst>
-                        <p:par>
-                          <p:cTn id="36" fill="hold">
-                            <p:stCondLst>
-                              <p:cond delay="0"/>
-                            </p:stCondLst>
-                            <p:childTnLst>
-                              <p:par>
-                                <p:cTn id="37" presetID="1" presetClass="entr" presetSubtype="0" fill="hold" nodeType="clickEffect">
-                                  <p:stCondLst>
-                                    <p:cond delay="0"/>
-                                  </p:stCondLst>
-                                  <p:childTnLst>
-                                    <p:set>
-                                      <p:cBhvr>
-                                        <p:cTn id="38" dur="1" fill="hold">
-                                          <p:stCondLst>
-                                            <p:cond delay="0"/>
-                                          </p:stCondLst>
-                                        </p:cTn>
-                                        <p:tgtEl>
-                                          <p:spTgt spid="136">
-                                            <p:txEl>
-                                              <p:pRg st="8" end="8"/>
-                                            </p:txEl>
-                                          </p:spTgt>
-                                        </p:tgtEl>
-                                        <p:attrNameLst>
-                                          <p:attrName>style.visibility</p:attrName>
-                                        </p:attrNameLst>
-                                      </p:cBhvr>
-                                      <p:to>
-                                        <p:strVal val="visible"/>
-                                      </p:to>
-                                    </p:set>
-                                  </p:childTnLst>
-                                </p:cTn>
-                              </p:par>
-                            </p:childTnLst>
-                          </p:cTn>
-                        </p:par>
-                      </p:childTnLst>
-                    </p:cTn>
-                  </p:par>
-                  <p:par>
-                    <p:cTn id="39" fill="hold">
-                      <p:stCondLst>
-                        <p:cond delay="indefinite"/>
-                      </p:stCondLst>
-                      <p:childTnLst>
-                        <p:par>
-                          <p:cTn id="40" fill="hold">
-                            <p:stCondLst>
-                              <p:cond delay="0"/>
-                            </p:stCondLst>
-                            <p:childTnLst>
-                              <p:par>
-                                <p:cTn id="41" presetID="1" presetClass="entr" presetSubtype="0" fill="hold" nodeType="clickEffect">
-                                  <p:stCondLst>
-                                    <p:cond delay="0"/>
-                                  </p:stCondLst>
-                                  <p:childTnLst>
-                                    <p:set>
-                                      <p:cBhvr>
-                                        <p:cTn id="42" dur="1" fill="hold">
-                                          <p:stCondLst>
-                                            <p:cond delay="0"/>
-                                          </p:stCondLst>
-                                        </p:cTn>
-                                        <p:tgtEl>
-                                          <p:spTgt spid="136">
-                                            <p:txEl>
-                                              <p:pRg st="9" end="9"/>
-                                            </p:txEl>
-                                          </p:spTgt>
-                                        </p:tgtEl>
-                                        <p:attrNameLst>
-                                          <p:attrName>style.visibility</p:attrName>
-                                        </p:attrNameLst>
-                                      </p:cBhvr>
-                                      <p:to>
-                                        <p:strVal val="visible"/>
-                                      </p:to>
-                                    </p:set>
-                                  </p:childTnLst>
-                                </p:cTn>
-                              </p:par>
-                            </p:childTnLst>
-                          </p:cTn>
-                        </p:par>
-                      </p:childTnLst>
-                    </p:cTn>
-                  </p:par>
-                  <p:par>
-                    <p:cTn id="43" fill="hold">
-                      <p:stCondLst>
-                        <p:cond delay="indefinite"/>
-                      </p:stCondLst>
-                      <p:childTnLst>
-                        <p:par>
-                          <p:cTn id="44" fill="hold">
-                            <p:stCondLst>
-                              <p:cond delay="0"/>
-                            </p:stCondLst>
-                            <p:childTnLst>
-                              <p:par>
-                                <p:cTn id="45" presetID="1" presetClass="entr" presetSubtype="0" fill="hold" nodeType="clickEffect">
-                                  <p:stCondLst>
-                                    <p:cond delay="0"/>
-                                  </p:stCondLst>
-                                  <p:childTnLst>
-                                    <p:set>
-                                      <p:cBhvr>
-                                        <p:cTn id="46" dur="1" fill="hold">
-                                          <p:stCondLst>
-                                            <p:cond delay="0"/>
-                                          </p:stCondLst>
-                                        </p:cTn>
-                                        <p:tgtEl>
-                                          <p:spTgt spid="136">
-                                            <p:txEl>
-                                              <p:pRg st="10" end="10"/>
-                                            </p:txEl>
-                                          </p:spTgt>
-                                        </p:tgtEl>
-                                        <p:attrNameLst>
-                                          <p:attrName>style.visibility</p:attrName>
-                                        </p:attrNameLst>
-                                      </p:cBhvr>
-                                      <p:to>
-                                        <p:strVal val="visible"/>
-                                      </p:to>
-                                    </p:set>
-                                  </p:childTnLst>
-                                </p:cTn>
-                              </p:par>
-                            </p:childTnLst>
-                          </p:cTn>
-                        </p:par>
-                      </p:childTnLst>
-                    </p:cTn>
-                  </p:par>
-                </p:childTnLst>
-              </p:cTn>
-              <p:prevCondLst>
-                <p:cond evt="onPrev" delay="0">
-                  <p:tgtEl>
-                    <p:sldTgt/>
-                  </p:tgtEl>
-                </p:cond>
-              </p:prevCondLst>
-              <p:nextCondLst>
-                <p:cond evt="onNext" delay="0">
-                  <p:tgtEl>
-                    <p:sldTgt/>
-                  </p:tgtEl>
-                </p:cond>
-              </p:nextCondLst>
-            </p:seq>
-          </p:childTnLst>
-        </p:cTn>
-      </p:par>
-    </p:tnLst>
-  </p:timing>
 </p:sld>
 </file>
 
@@ -42908,7 +41077,7 @@
                                           </p:stCondLst>
                                         </p:cTn>
                                         <p:tgtEl>
-                                          <p:spTgt spid="158"/>
+                                          <p:spTgt spid="160"/>
                                         </p:tgtEl>
                                         <p:attrNameLst>
                                           <p:attrName>style.visibility</p:attrName>
@@ -42953,7 +41122,7 @@
                                           </p:stCondLst>
                                         </p:cTn>
                                         <p:tgtEl>
-                                          <p:spTgt spid="160"/>
+                                          <p:spTgt spid="159"/>
                                         </p:tgtEl>
                                         <p:attrNameLst>
                                           <p:attrName>style.visibility</p:attrName>
@@ -42993,51 +41162,6 @@
                                     <p:set>
                                       <p:cBhvr>
                                         <p:cTn id="14" dur="1" fill="hold">
-                                          <p:stCondLst>
-                                            <p:cond delay="0"/>
-                                          </p:stCondLst>
-                                        </p:cTn>
-                                        <p:tgtEl>
-                                          <p:spTgt spid="159"/>
-                                        </p:tgtEl>
-                                        <p:attrNameLst>
-                                          <p:attrName>style.visibility</p:attrName>
-                                        </p:attrNameLst>
-                                      </p:cBhvr>
-                                      <p:to>
-                                        <p:strVal val="visible"/>
-                                      </p:to>
-                                    </p:set>
-                                  </p:childTnLst>
-                                </p:cTn>
-                              </p:par>
-                            </p:childTnLst>
-                          </p:cTn>
-                        </p:par>
-                      </p:childTnLst>
-                    </p:cTn>
-                  </p:par>
-                  <p:par>
-                    <p:cTn id="15" fill="hold">
-                      <p:stCondLst>
-                        <p:cond delay="indefinite"/>
-                      </p:stCondLst>
-                      <p:childTnLst>
-                        <p:par>
-                          <p:cTn id="16" fill="hold">
-                            <p:stCondLst>
-                              <p:cond delay="0"/>
-                            </p:stCondLst>
-                            <p:childTnLst>
-                              <p:par>
-                                <p:cTn id="17" presetID="1" presetClass="entr" presetSubtype="0" fill="hold" nodeType="clickEffect">
-                                  <p:stCondLst>
-                                    <p:cond delay="0"/>
-                                  </p:stCondLst>
-                                  <p:childTnLst>
-                                    <p:set>
-                                      <p:cBhvr>
-                                        <p:cTn id="18" dur="1" fill="hold">
                                           <p:stCondLst>
                                             <p:cond delay="0"/>
                                           </p:stCondLst>

--- a/teaching/ITIS6200/2023fa/lectures/lec12.pptx
+++ b/teaching/ITIS6200/2023fa/lectures/lec12.pptx
@@ -37295,7 +37295,7 @@
 </file>
 
 <file path=ppt/slides/slide48.xml><?xml version="1.0" encoding="utf-8"?>
-<p:sld xmlns:a="http://schemas.openxmlformats.org/drawingml/2006/main" xmlns:r="http://schemas.openxmlformats.org/officeDocument/2006/relationships" xmlns:p="http://schemas.openxmlformats.org/presentationml/2006/main">
+<p:sld xmlns:a="http://schemas.openxmlformats.org/drawingml/2006/main" xmlns:r="http://schemas.openxmlformats.org/officeDocument/2006/relationships" xmlns:p="http://schemas.openxmlformats.org/presentationml/2006/main" show="0">
   <p:cSld>
     <p:spTree>
       <p:nvGrpSpPr>
